--- a/534_ANN/assignments fall 2016.pptx
+++ b/534_ANN/assignments fall 2016.pptx
@@ -5,13 +5,14 @@
     <p:sldMasterId id="2147483648" r:id="rId1"/>
   </p:sldMasterIdLst>
   <p:notesMasterIdLst>
-    <p:notesMasterId r:id="rId6"/>
+    <p:notesMasterId r:id="rId7"/>
   </p:notesMasterIdLst>
   <p:sldIdLst>
     <p:sldId id="257" r:id="rId2"/>
     <p:sldId id="258" r:id="rId3"/>
     <p:sldId id="259" r:id="rId4"/>
     <p:sldId id="260" r:id="rId5"/>
+    <p:sldId id="261" r:id="rId6"/>
   </p:sldIdLst>
   <p:sldSz cx="12192000" cy="6858000"/>
   <p:notesSz cx="6858000" cy="9144000"/>
@@ -200,7 +201,7 @@
           <a:p>
             <a:fld id="{12E258BF-62B2-4ACA-82C2-31AD9C5FBADA}" type="datetimeFigureOut">
               <a:rPr lang="en-US" smtClean="0"/>
-              <a:t>10/6/2016</a:t>
+              <a:t>10/18/2016</a:t>
             </a:fld>
             <a:endParaRPr lang="en-US"/>
           </a:p>
@@ -599,7 +600,7 @@
           <a:p>
             <a:fld id="{4C9CA330-40D8-4D0D-94EB-671FCF1C0FE4}" type="datetimeFigureOut">
               <a:rPr lang="en-US" smtClean="0"/>
-              <a:t>10/6/2016</a:t>
+              <a:t>10/18/2016</a:t>
             </a:fld>
             <a:endParaRPr lang="en-US"/>
           </a:p>
@@ -769,7 +770,7 @@
           <a:p>
             <a:fld id="{4C9CA330-40D8-4D0D-94EB-671FCF1C0FE4}" type="datetimeFigureOut">
               <a:rPr lang="en-US" smtClean="0"/>
-              <a:t>10/6/2016</a:t>
+              <a:t>10/18/2016</a:t>
             </a:fld>
             <a:endParaRPr lang="en-US"/>
           </a:p>
@@ -949,7 +950,7 @@
           <a:p>
             <a:fld id="{4C9CA330-40D8-4D0D-94EB-671FCF1C0FE4}" type="datetimeFigureOut">
               <a:rPr lang="en-US" smtClean="0"/>
-              <a:t>10/6/2016</a:t>
+              <a:t>10/18/2016</a:t>
             </a:fld>
             <a:endParaRPr lang="en-US"/>
           </a:p>
@@ -1119,7 +1120,7 @@
           <a:p>
             <a:fld id="{4C9CA330-40D8-4D0D-94EB-671FCF1C0FE4}" type="datetimeFigureOut">
               <a:rPr lang="en-US" smtClean="0"/>
-              <a:t>10/6/2016</a:t>
+              <a:t>10/18/2016</a:t>
             </a:fld>
             <a:endParaRPr lang="en-US"/>
           </a:p>
@@ -1365,7 +1366,7 @@
           <a:p>
             <a:fld id="{4C9CA330-40D8-4D0D-94EB-671FCF1C0FE4}" type="datetimeFigureOut">
               <a:rPr lang="en-US" smtClean="0"/>
-              <a:t>10/6/2016</a:t>
+              <a:t>10/18/2016</a:t>
             </a:fld>
             <a:endParaRPr lang="en-US"/>
           </a:p>
@@ -1597,7 +1598,7 @@
           <a:p>
             <a:fld id="{4C9CA330-40D8-4D0D-94EB-671FCF1C0FE4}" type="datetimeFigureOut">
               <a:rPr lang="en-US" smtClean="0"/>
-              <a:t>10/6/2016</a:t>
+              <a:t>10/18/2016</a:t>
             </a:fld>
             <a:endParaRPr lang="en-US"/>
           </a:p>
@@ -1964,7 +1965,7 @@
           <a:p>
             <a:fld id="{4C9CA330-40D8-4D0D-94EB-671FCF1C0FE4}" type="datetimeFigureOut">
               <a:rPr lang="en-US" smtClean="0"/>
-              <a:t>10/6/2016</a:t>
+              <a:t>10/18/2016</a:t>
             </a:fld>
             <a:endParaRPr lang="en-US"/>
           </a:p>
@@ -2082,7 +2083,7 @@
           <a:p>
             <a:fld id="{4C9CA330-40D8-4D0D-94EB-671FCF1C0FE4}" type="datetimeFigureOut">
               <a:rPr lang="en-US" smtClean="0"/>
-              <a:t>10/6/2016</a:t>
+              <a:t>10/18/2016</a:t>
             </a:fld>
             <a:endParaRPr lang="en-US"/>
           </a:p>
@@ -2177,7 +2178,7 @@
           <a:p>
             <a:fld id="{4C9CA330-40D8-4D0D-94EB-671FCF1C0FE4}" type="datetimeFigureOut">
               <a:rPr lang="en-US" smtClean="0"/>
-              <a:t>10/6/2016</a:t>
+              <a:t>10/18/2016</a:t>
             </a:fld>
             <a:endParaRPr lang="en-US"/>
           </a:p>
@@ -2454,7 +2455,7 @@
           <a:p>
             <a:fld id="{4C9CA330-40D8-4D0D-94EB-671FCF1C0FE4}" type="datetimeFigureOut">
               <a:rPr lang="en-US" smtClean="0"/>
-              <a:t>10/6/2016</a:t>
+              <a:t>10/18/2016</a:t>
             </a:fld>
             <a:endParaRPr lang="en-US"/>
           </a:p>
@@ -2707,7 +2708,7 @@
           <a:p>
             <a:fld id="{4C9CA330-40D8-4D0D-94EB-671FCF1C0FE4}" type="datetimeFigureOut">
               <a:rPr lang="en-US" smtClean="0"/>
-              <a:t>10/6/2016</a:t>
+              <a:t>10/18/2016</a:t>
             </a:fld>
             <a:endParaRPr lang="en-US"/>
           </a:p>
@@ -2920,7 +2921,7 @@
           <a:p>
             <a:fld id="{4C9CA330-40D8-4D0D-94EB-671FCF1C0FE4}" type="datetimeFigureOut">
               <a:rPr lang="en-US" smtClean="0"/>
-              <a:t>10/6/2016</a:t>
+              <a:t>10/18/2016</a:t>
             </a:fld>
             <a:endParaRPr lang="en-US"/>
           </a:p>
@@ -4308,7 +4309,7 @@
           <a:graphicData uri="http://schemas.openxmlformats.org/presentationml/2006/ole">
             <mc:AlternateContent xmlns:mc="http://schemas.openxmlformats.org/markup-compatibility/2006">
               <mc:Choice xmlns:v="urn:schemas-microsoft-com:vml" Requires="v">
-                <p:oleObj spid="_x0000_s1031" name="Equation" r:id="rId3" imgW="1854000" imgH="469800" progId="Equation.3">
+                <p:oleObj spid="_x0000_s1032" name="Equation" r:id="rId3" imgW="1854000" imgH="469800" progId="Equation.3">
                   <p:embed/>
                 </p:oleObj>
               </mc:Choice>
@@ -4492,7 +4493,7 @@
           <a:graphicData uri="http://schemas.openxmlformats.org/presentationml/2006/ole">
             <mc:AlternateContent xmlns:mc="http://schemas.openxmlformats.org/markup-compatibility/2006">
               <mc:Choice xmlns:v="urn:schemas-microsoft-com:vml" Requires="v">
-                <p:oleObj spid="_x0000_s2066" name="Equation" r:id="rId3" imgW="1498320" imgH="444240" progId="Equation.3">
+                <p:oleObj spid="_x0000_s2070" name="Equation" r:id="rId3" imgW="1498320" imgH="444240" progId="Equation.3">
                   <p:embed/>
                 </p:oleObj>
               </mc:Choice>
@@ -4571,7 +4572,7 @@
           <a:graphicData uri="http://schemas.openxmlformats.org/presentationml/2006/ole">
             <mc:AlternateContent xmlns:mc="http://schemas.openxmlformats.org/markup-compatibility/2006">
               <mc:Choice xmlns:v="urn:schemas-microsoft-com:vml" Requires="v">
-                <p:oleObj spid="_x0000_s2067" name="Equation" r:id="rId5" imgW="1701720" imgH="393480" progId="Equation.3">
+                <p:oleObj spid="_x0000_s2071" name="Equation" r:id="rId5" imgW="1701720" imgH="393480" progId="Equation.3">
                   <p:embed/>
                 </p:oleObj>
               </mc:Choice>
@@ -4650,7 +4651,7 @@
           <a:graphicData uri="http://schemas.openxmlformats.org/presentationml/2006/ole">
             <mc:AlternateContent xmlns:mc="http://schemas.openxmlformats.org/markup-compatibility/2006">
               <mc:Choice xmlns:v="urn:schemas-microsoft-com:vml" Requires="v">
-                <p:oleObj spid="_x0000_s2068" name="Equation" r:id="rId7" imgW="1079280" imgH="228600" progId="Equation.3">
+                <p:oleObj spid="_x0000_s2072" name="Equation" r:id="rId7" imgW="1079280" imgH="228600" progId="Equation.3">
                   <p:embed/>
                 </p:oleObj>
               </mc:Choice>
@@ -4873,7 +4874,7 @@
           <a:graphicData uri="http://schemas.openxmlformats.org/presentationml/2006/ole">
             <mc:AlternateContent xmlns:mc="http://schemas.openxmlformats.org/markup-compatibility/2006">
               <mc:Choice xmlns:v="urn:schemas-microsoft-com:vml" Requires="v">
-                <p:oleObj spid="_x0000_s2069" name="Equation" r:id="rId9" imgW="838080" imgH="228600" progId="Equation.3">
+                <p:oleObj spid="_x0000_s2073" name="Equation" r:id="rId9" imgW="838080" imgH="228600" progId="Equation.3">
                   <p:embed/>
                 </p:oleObj>
               </mc:Choice>
@@ -5313,18 +5314,7 @@
                 <a:ea typeface="Times New Roman" panose="02020603050405020304" pitchFamily="18" charset="0"/>
                 <a:cs typeface="Times New Roman" panose="02020603050405020304" pitchFamily="18" charset="0"/>
               </a:rPr>
-              <a:t>p</a:t>
-            </a:r>
-            <a:r>
-              <a:rPr lang="en-US" smtClean="0">
-                <a:solidFill>
-                  <a:srgbClr val="000000"/>
-                </a:solidFill>
-                <a:latin typeface="Arial" panose="020B0604020202020204" pitchFamily="34" charset="0"/>
-                <a:ea typeface="Times New Roman" panose="02020603050405020304" pitchFamily="18" charset="0"/>
-                <a:cs typeface="Times New Roman" panose="02020603050405020304" pitchFamily="18" charset="0"/>
-              </a:rPr>
-              <a:t>83</a:t>
+              <a:t>p83</a:t>
             </a:r>
             <a:endParaRPr lang="en-US" dirty="0" smtClean="0">
               <a:solidFill>
@@ -5593,6 +5583,536 @@
   <p:clrMapOvr>
     <a:masterClrMapping/>
   </p:clrMapOvr>
+</p:sld>
+</file>
+
+<file path=ppt/slides/slide5.xml><?xml version="1.0" encoding="utf-8"?>
+<p:sld xmlns:a="http://schemas.openxmlformats.org/drawingml/2006/main" xmlns:r="http://schemas.openxmlformats.org/officeDocument/2006/relationships" xmlns:p="http://schemas.openxmlformats.org/presentationml/2006/main">
+  <p:cSld>
+    <p:spTree>
+      <p:nvGrpSpPr>
+        <p:cNvPr id="1" name=""/>
+        <p:cNvGrpSpPr/>
+        <p:nvPr/>
+      </p:nvGrpSpPr>
+      <p:grpSpPr>
+        <a:xfrm>
+          <a:off x="0" y="0"/>
+          <a:ext cx="0" cy="0"/>
+          <a:chOff x="0" y="0"/>
+          <a:chExt cx="0" cy="0"/>
+        </a:xfrm>
+      </p:grpSpPr>
+      <p:sp>
+        <p:nvSpPr>
+          <p:cNvPr id="2" name="TextBox 1"/>
+          <p:cNvSpPr txBox="1"/>
+          <p:nvPr/>
+        </p:nvSpPr>
+        <p:spPr>
+          <a:xfrm>
+            <a:off x="1661714" y="609601"/>
+            <a:ext cx="8930086" cy="461665"/>
+          </a:xfrm>
+          <a:prstGeom prst="rect">
+            <a:avLst/>
+          </a:prstGeom>
+          <a:noFill/>
+        </p:spPr>
+        <p:txBody>
+          <a:bodyPr wrap="square" rtlCol="0">
+            <a:spAutoFit/>
+          </a:bodyPr>
+          <a:lstStyle/>
+          <a:p>
+            <a:r>
+              <a:rPr lang="en-US" sz="2400" dirty="0"/>
+              <a:t>Assignment </a:t>
+            </a:r>
+            <a:r>
+              <a:rPr lang="en-US" sz="2400" dirty="0" smtClean="0"/>
+              <a:t>6: </a:t>
+            </a:r>
+            <a:r>
+              <a:rPr lang="en-US" sz="2400" dirty="0"/>
+              <a:t>Due </a:t>
+            </a:r>
+            <a:r>
+              <a:rPr lang="en-US" sz="2400" dirty="0" smtClean="0"/>
+              <a:t>10-20-16</a:t>
+            </a:r>
+            <a:endParaRPr lang="en-US" sz="2400" dirty="0"/>
+          </a:p>
+        </p:txBody>
+      </p:sp>
+      <p:sp>
+        <p:nvSpPr>
+          <p:cNvPr id="3" name="Rectangle 2"/>
+          <p:cNvSpPr/>
+          <p:nvPr/>
+        </p:nvSpPr>
+        <p:spPr>
+          <a:xfrm>
+            <a:off x="689783" y="1063375"/>
+            <a:ext cx="10873947" cy="3352328"/>
+          </a:xfrm>
+          <a:prstGeom prst="rect">
+            <a:avLst/>
+          </a:prstGeom>
+        </p:spPr>
+        <p:txBody>
+          <a:bodyPr wrap="square">
+            <a:spAutoFit/>
+          </a:bodyPr>
+          <a:lstStyle/>
+          <a:p>
+            <a:pPr marL="342900" marR="0" lvl="0" indent="-342900">
+              <a:lnSpc>
+                <a:spcPct val="107000"/>
+              </a:lnSpc>
+              <a:spcBef>
+                <a:spcPts val="0"/>
+              </a:spcBef>
+              <a:spcAft>
+                <a:spcPts val="0"/>
+              </a:spcAft>
+              <a:buFont typeface="+mj-lt"/>
+              <a:buAutoNum type="arabicPeriod"/>
+            </a:pPr>
+            <a:r>
+              <a:rPr lang="en-US" dirty="0">
+                <a:latin typeface="Calibri" panose="020F0502020204030204" pitchFamily="34" charset="0"/>
+                <a:ea typeface="Calibri" panose="020F0502020204030204" pitchFamily="34" charset="0"/>
+                <a:cs typeface="Times New Roman" panose="02020603050405020304" pitchFamily="18" charset="0"/>
+              </a:rPr>
+              <a:t>Start WEKA 3.8 and start the </a:t>
+            </a:r>
+            <a:r>
+              <a:rPr lang="en-US" dirty="0" smtClean="0">
+                <a:latin typeface="Calibri" panose="020F0502020204030204" pitchFamily="34" charset="0"/>
+                <a:ea typeface="Calibri" panose="020F0502020204030204" pitchFamily="34" charset="0"/>
+                <a:cs typeface="Times New Roman" panose="02020603050405020304" pitchFamily="18" charset="0"/>
+              </a:rPr>
+              <a:t>“Explorer </a:t>
+            </a:r>
+            <a:r>
+              <a:rPr lang="en-US" dirty="0">
+                <a:latin typeface="Calibri" panose="020F0502020204030204" pitchFamily="34" charset="0"/>
+                <a:ea typeface="Calibri" panose="020F0502020204030204" pitchFamily="34" charset="0"/>
+                <a:cs typeface="Times New Roman" panose="02020603050405020304" pitchFamily="18" charset="0"/>
+              </a:rPr>
+              <a:t>window”</a:t>
+            </a:r>
+          </a:p>
+          <a:p>
+            <a:pPr marL="342900" marR="0" lvl="0" indent="-342900">
+              <a:lnSpc>
+                <a:spcPct val="107000"/>
+              </a:lnSpc>
+              <a:spcBef>
+                <a:spcPts val="0"/>
+              </a:spcBef>
+              <a:spcAft>
+                <a:spcPts val="0"/>
+              </a:spcAft>
+              <a:buFont typeface="+mj-lt"/>
+              <a:buAutoNum type="arabicPeriod"/>
+            </a:pPr>
+            <a:r>
+              <a:rPr lang="en-US" dirty="0">
+                <a:latin typeface="Calibri" panose="020F0502020204030204" pitchFamily="34" charset="0"/>
+                <a:ea typeface="Calibri" panose="020F0502020204030204" pitchFamily="34" charset="0"/>
+                <a:cs typeface="Times New Roman" panose="02020603050405020304" pitchFamily="18" charset="0"/>
+              </a:rPr>
+              <a:t>On the Preprocess tab, open the “logit-data.csv” file</a:t>
+            </a:r>
+          </a:p>
+          <a:p>
+            <a:pPr marL="342900" marR="0" lvl="0" indent="-342900">
+              <a:lnSpc>
+                <a:spcPct val="107000"/>
+              </a:lnSpc>
+              <a:spcBef>
+                <a:spcPts val="0"/>
+              </a:spcBef>
+              <a:spcAft>
+                <a:spcPts val="0"/>
+              </a:spcAft>
+              <a:buFont typeface="+mj-lt"/>
+              <a:buAutoNum type="arabicPeriod"/>
+            </a:pPr>
+            <a:r>
+              <a:rPr lang="en-US" dirty="0">
+                <a:latin typeface="Calibri" panose="020F0502020204030204" pitchFamily="34" charset="0"/>
+                <a:ea typeface="Calibri" panose="020F0502020204030204" pitchFamily="34" charset="0"/>
+                <a:cs typeface="Times New Roman" panose="02020603050405020304" pitchFamily="18" charset="0"/>
+              </a:rPr>
+              <a:t>Filter the data by clicking on “Choose” button -&gt; filters -&gt; unsupervised -&gt; attribute -&gt; </a:t>
+            </a:r>
+            <a:r>
+              <a:rPr lang="en-US" dirty="0" err="1">
+                <a:latin typeface="Calibri" panose="020F0502020204030204" pitchFamily="34" charset="0"/>
+                <a:ea typeface="Calibri" panose="020F0502020204030204" pitchFamily="34" charset="0"/>
+                <a:cs typeface="Times New Roman" panose="02020603050405020304" pitchFamily="18" charset="0"/>
+              </a:rPr>
+              <a:t>NumericToNominal</a:t>
+            </a:r>
+            <a:r>
+              <a:rPr lang="en-US" dirty="0">
+                <a:latin typeface="Calibri" panose="020F0502020204030204" pitchFamily="34" charset="0"/>
+                <a:ea typeface="Calibri" panose="020F0502020204030204" pitchFamily="34" charset="0"/>
+                <a:cs typeface="Times New Roman" panose="02020603050405020304" pitchFamily="18" charset="0"/>
+              </a:rPr>
+              <a:t>, then click “</a:t>
+            </a:r>
+            <a:r>
+              <a:rPr lang="en-US" dirty="0" smtClean="0">
+                <a:latin typeface="Calibri" panose="020F0502020204030204" pitchFamily="34" charset="0"/>
+                <a:ea typeface="Calibri" panose="020F0502020204030204" pitchFamily="34" charset="0"/>
+                <a:cs typeface="Times New Roman" panose="02020603050405020304" pitchFamily="18" charset="0"/>
+              </a:rPr>
+              <a:t>Apply” to generate a .</a:t>
+            </a:r>
+            <a:r>
+              <a:rPr lang="en-US" dirty="0" err="1" smtClean="0">
+                <a:latin typeface="Calibri" panose="020F0502020204030204" pitchFamily="34" charset="0"/>
+                <a:ea typeface="Calibri" panose="020F0502020204030204" pitchFamily="34" charset="0"/>
+                <a:cs typeface="Times New Roman" panose="02020603050405020304" pitchFamily="18" charset="0"/>
+              </a:rPr>
+              <a:t>arff</a:t>
+            </a:r>
+            <a:r>
+              <a:rPr lang="en-US" dirty="0" smtClean="0">
+                <a:latin typeface="Calibri" panose="020F0502020204030204" pitchFamily="34" charset="0"/>
+                <a:ea typeface="Calibri" panose="020F0502020204030204" pitchFamily="34" charset="0"/>
+                <a:cs typeface="Times New Roman" panose="02020603050405020304" pitchFamily="18" charset="0"/>
+              </a:rPr>
+              <a:t> </a:t>
+            </a:r>
+          </a:p>
+          <a:p>
+            <a:pPr marL="342900" marR="0" lvl="0" indent="-342900">
+              <a:lnSpc>
+                <a:spcPct val="107000"/>
+              </a:lnSpc>
+              <a:spcBef>
+                <a:spcPts val="0"/>
+              </a:spcBef>
+              <a:spcAft>
+                <a:spcPts val="0"/>
+              </a:spcAft>
+              <a:buFont typeface="+mj-lt"/>
+              <a:buAutoNum type="arabicPeriod"/>
+            </a:pPr>
+            <a:r>
+              <a:rPr lang="en-US" dirty="0" smtClean="0">
+                <a:latin typeface="Calibri" panose="020F0502020204030204" pitchFamily="34" charset="0"/>
+                <a:ea typeface="Calibri" panose="020F0502020204030204" pitchFamily="34" charset="0"/>
+                <a:cs typeface="Times New Roman" panose="02020603050405020304" pitchFamily="18" charset="0"/>
+              </a:rPr>
+              <a:t>Go </a:t>
+            </a:r>
+            <a:r>
+              <a:rPr lang="en-US" dirty="0">
+                <a:latin typeface="Calibri" panose="020F0502020204030204" pitchFamily="34" charset="0"/>
+                <a:ea typeface="Calibri" panose="020F0502020204030204" pitchFamily="34" charset="0"/>
+                <a:cs typeface="Times New Roman" panose="02020603050405020304" pitchFamily="18" charset="0"/>
+              </a:rPr>
+              <a:t>to the “Classify” tab and click the “Choose” </a:t>
+            </a:r>
+            <a:r>
+              <a:rPr lang="en-US" dirty="0" smtClean="0">
+                <a:latin typeface="Calibri" panose="020F0502020204030204" pitchFamily="34" charset="0"/>
+                <a:ea typeface="Calibri" panose="020F0502020204030204" pitchFamily="34" charset="0"/>
+                <a:cs typeface="Times New Roman" panose="02020603050405020304" pitchFamily="18" charset="0"/>
+              </a:rPr>
+              <a:t>button. </a:t>
+            </a:r>
+            <a:r>
+              <a:rPr lang="en-US" dirty="0">
+                <a:latin typeface="Calibri" panose="020F0502020204030204" pitchFamily="34" charset="0"/>
+                <a:ea typeface="Calibri" panose="020F0502020204030204" pitchFamily="34" charset="0"/>
+                <a:cs typeface="Times New Roman" panose="02020603050405020304" pitchFamily="18" charset="0"/>
+              </a:rPr>
+              <a:t> </a:t>
+            </a:r>
+            <a:r>
+              <a:rPr lang="en-US" dirty="0" smtClean="0">
+                <a:latin typeface="Calibri" panose="020F0502020204030204" pitchFamily="34" charset="0"/>
+                <a:ea typeface="Calibri" panose="020F0502020204030204" pitchFamily="34" charset="0"/>
+                <a:cs typeface="Times New Roman" panose="02020603050405020304" pitchFamily="18" charset="0"/>
+              </a:rPr>
+              <a:t>Choose “</a:t>
+            </a:r>
+            <a:r>
+              <a:rPr lang="en-US" dirty="0" err="1">
+                <a:latin typeface="Calibri" panose="020F0502020204030204" pitchFamily="34" charset="0"/>
+                <a:ea typeface="Calibri" panose="020F0502020204030204" pitchFamily="34" charset="0"/>
+                <a:cs typeface="Times New Roman" panose="02020603050405020304" pitchFamily="18" charset="0"/>
+              </a:rPr>
+              <a:t>SimpleLogistic</a:t>
+            </a:r>
+            <a:r>
+              <a:rPr lang="en-US" dirty="0">
+                <a:latin typeface="Calibri" panose="020F0502020204030204" pitchFamily="34" charset="0"/>
+                <a:ea typeface="Calibri" panose="020F0502020204030204" pitchFamily="34" charset="0"/>
+                <a:cs typeface="Times New Roman" panose="02020603050405020304" pitchFamily="18" charset="0"/>
+              </a:rPr>
+              <a:t>” classifiers under “functions”.</a:t>
+            </a:r>
+          </a:p>
+          <a:p>
+            <a:pPr marL="342900" marR="0" lvl="0" indent="-342900">
+              <a:lnSpc>
+                <a:spcPct val="107000"/>
+              </a:lnSpc>
+              <a:spcBef>
+                <a:spcPts val="0"/>
+              </a:spcBef>
+              <a:spcAft>
+                <a:spcPts val="0"/>
+              </a:spcAft>
+              <a:buFont typeface="+mj-lt"/>
+              <a:buAutoNum type="arabicPeriod"/>
+            </a:pPr>
+            <a:r>
+              <a:rPr lang="en-US" dirty="0" smtClean="0">
+                <a:latin typeface="Calibri" panose="020F0502020204030204" pitchFamily="34" charset="0"/>
+                <a:ea typeface="Calibri" panose="020F0502020204030204" pitchFamily="34" charset="0"/>
+                <a:cs typeface="Times New Roman" panose="02020603050405020304" pitchFamily="18" charset="0"/>
+              </a:rPr>
+              <a:t>Run with </a:t>
+            </a:r>
+            <a:r>
+              <a:rPr lang="en-US" dirty="0">
+                <a:latin typeface="Calibri" panose="020F0502020204030204" pitchFamily="34" charset="0"/>
+                <a:ea typeface="Calibri" panose="020F0502020204030204" pitchFamily="34" charset="0"/>
+                <a:cs typeface="Times New Roman" panose="02020603050405020304" pitchFamily="18" charset="0"/>
+              </a:rPr>
+              <a:t>default settings </a:t>
+            </a:r>
+            <a:r>
+              <a:rPr lang="en-US" dirty="0" smtClean="0">
+                <a:latin typeface="Calibri" panose="020F0502020204030204" pitchFamily="34" charset="0"/>
+                <a:ea typeface="Calibri" panose="020F0502020204030204" pitchFamily="34" charset="0"/>
+                <a:cs typeface="Times New Roman" panose="02020603050405020304" pitchFamily="18" charset="0"/>
+              </a:rPr>
+              <a:t>and </a:t>
+            </a:r>
+            <a:r>
+              <a:rPr lang="en-US" dirty="0">
+                <a:latin typeface="Calibri" panose="020F0502020204030204" pitchFamily="34" charset="0"/>
+                <a:ea typeface="Calibri" panose="020F0502020204030204" pitchFamily="34" charset="0"/>
+                <a:cs typeface="Times New Roman" panose="02020603050405020304" pitchFamily="18" charset="0"/>
+              </a:rPr>
+              <a:t>10-fold </a:t>
+            </a:r>
+            <a:r>
+              <a:rPr lang="en-US" dirty="0" smtClean="0">
+                <a:latin typeface="Calibri" panose="020F0502020204030204" pitchFamily="34" charset="0"/>
+                <a:ea typeface="Calibri" panose="020F0502020204030204" pitchFamily="34" charset="0"/>
+                <a:cs typeface="Times New Roman" panose="02020603050405020304" pitchFamily="18" charset="0"/>
+              </a:rPr>
+              <a:t>cross-validation.</a:t>
+            </a:r>
+            <a:endParaRPr lang="en-US" dirty="0">
+              <a:latin typeface="Calibri" panose="020F0502020204030204" pitchFamily="34" charset="0"/>
+              <a:ea typeface="Calibri" panose="020F0502020204030204" pitchFamily="34" charset="0"/>
+              <a:cs typeface="Times New Roman" panose="02020603050405020304" pitchFamily="18" charset="0"/>
+            </a:endParaRPr>
+          </a:p>
+          <a:p>
+            <a:pPr marL="342900" marR="0" lvl="0" indent="-342900">
+              <a:lnSpc>
+                <a:spcPct val="107000"/>
+              </a:lnSpc>
+              <a:spcBef>
+                <a:spcPts val="0"/>
+              </a:spcBef>
+              <a:spcAft>
+                <a:spcPts val="0"/>
+              </a:spcAft>
+              <a:buFont typeface="+mj-lt"/>
+              <a:buAutoNum type="arabicPeriod"/>
+            </a:pPr>
+            <a:r>
+              <a:rPr lang="en-US" dirty="0" smtClean="0">
+                <a:latin typeface="Calibri" panose="020F0502020204030204" pitchFamily="34" charset="0"/>
+                <a:ea typeface="Calibri" panose="020F0502020204030204" pitchFamily="34" charset="0"/>
+                <a:cs typeface="Times New Roman" panose="02020603050405020304" pitchFamily="18" charset="0"/>
+              </a:rPr>
+              <a:t>Include the results </a:t>
+            </a:r>
+            <a:r>
+              <a:rPr lang="en-US" dirty="0">
+                <a:latin typeface="Calibri" panose="020F0502020204030204" pitchFamily="34" charset="0"/>
+                <a:ea typeface="Calibri" panose="020F0502020204030204" pitchFamily="34" charset="0"/>
+                <a:cs typeface="Times New Roman" panose="02020603050405020304" pitchFamily="18" charset="0"/>
+              </a:rPr>
+              <a:t>summary and confusion </a:t>
+            </a:r>
+            <a:r>
+              <a:rPr lang="en-US" dirty="0" smtClean="0">
+                <a:latin typeface="Calibri" panose="020F0502020204030204" pitchFamily="34" charset="0"/>
+                <a:ea typeface="Calibri" panose="020F0502020204030204" pitchFamily="34" charset="0"/>
+                <a:cs typeface="Times New Roman" panose="02020603050405020304" pitchFamily="18" charset="0"/>
+              </a:rPr>
+              <a:t>matrix in your report</a:t>
+            </a:r>
+            <a:endParaRPr lang="en-US" dirty="0">
+              <a:latin typeface="Calibri" panose="020F0502020204030204" pitchFamily="34" charset="0"/>
+              <a:ea typeface="Calibri" panose="020F0502020204030204" pitchFamily="34" charset="0"/>
+              <a:cs typeface="Times New Roman" panose="02020603050405020304" pitchFamily="18" charset="0"/>
+            </a:endParaRPr>
+          </a:p>
+          <a:p>
+            <a:pPr marL="342900" marR="0" lvl="0" indent="-342900">
+              <a:lnSpc>
+                <a:spcPct val="107000"/>
+              </a:lnSpc>
+              <a:spcBef>
+                <a:spcPts val="0"/>
+              </a:spcBef>
+              <a:spcAft>
+                <a:spcPts val="0"/>
+              </a:spcAft>
+              <a:buFont typeface="+mj-lt"/>
+              <a:buAutoNum type="arabicPeriod"/>
+            </a:pPr>
+            <a:r>
+              <a:rPr lang="en-US" dirty="0">
+                <a:latin typeface="Calibri" panose="020F0502020204030204" pitchFamily="34" charset="0"/>
+                <a:ea typeface="Calibri" panose="020F0502020204030204" pitchFamily="34" charset="0"/>
+                <a:cs typeface="Times New Roman" panose="02020603050405020304" pitchFamily="18" charset="0"/>
+              </a:rPr>
+              <a:t>Right-click in the result list </a:t>
+            </a:r>
+            <a:r>
+              <a:rPr lang="en-US" dirty="0" smtClean="0">
+                <a:latin typeface="Calibri" panose="020F0502020204030204" pitchFamily="34" charset="0"/>
+                <a:ea typeface="Calibri" panose="020F0502020204030204" pitchFamily="34" charset="0"/>
+                <a:cs typeface="Times New Roman" panose="02020603050405020304" pitchFamily="18" charset="0"/>
+              </a:rPr>
+              <a:t>to open visualization options.  Include class-specific ROC curves in your report.</a:t>
+            </a:r>
+            <a:endParaRPr lang="en-US" dirty="0">
+              <a:latin typeface="Calibri" panose="020F0502020204030204" pitchFamily="34" charset="0"/>
+              <a:ea typeface="Calibri" panose="020F0502020204030204" pitchFamily="34" charset="0"/>
+              <a:cs typeface="Times New Roman" panose="02020603050405020304" pitchFamily="18" charset="0"/>
+            </a:endParaRPr>
+          </a:p>
+          <a:p>
+            <a:pPr marL="342900" marR="0" lvl="0" indent="-342900">
+              <a:lnSpc>
+                <a:spcPct val="107000"/>
+              </a:lnSpc>
+              <a:spcBef>
+                <a:spcPts val="0"/>
+              </a:spcBef>
+              <a:spcAft>
+                <a:spcPts val="0"/>
+              </a:spcAft>
+              <a:buFont typeface="+mj-lt"/>
+              <a:buAutoNum type="arabicPeriod"/>
+            </a:pPr>
+            <a:r>
+              <a:rPr lang="en-US" dirty="0" smtClean="0">
+                <a:latin typeface="Calibri" panose="020F0502020204030204" pitchFamily="34" charset="0"/>
+                <a:ea typeface="Calibri" panose="020F0502020204030204" pitchFamily="34" charset="0"/>
+                <a:cs typeface="Times New Roman" panose="02020603050405020304" pitchFamily="18" charset="0"/>
+              </a:rPr>
+              <a:t>Return </a:t>
+            </a:r>
+            <a:r>
+              <a:rPr lang="en-US" dirty="0">
+                <a:latin typeface="Calibri" panose="020F0502020204030204" pitchFamily="34" charset="0"/>
+                <a:ea typeface="Calibri" panose="020F0502020204030204" pitchFamily="34" charset="0"/>
+                <a:cs typeface="Times New Roman" panose="02020603050405020304" pitchFamily="18" charset="0"/>
+              </a:rPr>
+              <a:t>to the “Classify” tab </a:t>
+            </a:r>
+            <a:r>
+              <a:rPr lang="en-US" dirty="0" smtClean="0">
+                <a:latin typeface="Calibri" panose="020F0502020204030204" pitchFamily="34" charset="0"/>
+                <a:ea typeface="Calibri" panose="020F0502020204030204" pitchFamily="34" charset="0"/>
+                <a:cs typeface="Times New Roman" panose="02020603050405020304" pitchFamily="18" charset="0"/>
+              </a:rPr>
+              <a:t>and “Logistic” </a:t>
+            </a:r>
+            <a:r>
+              <a:rPr lang="en-US" dirty="0">
+                <a:latin typeface="Calibri" panose="020F0502020204030204" pitchFamily="34" charset="0"/>
+                <a:ea typeface="Calibri" panose="020F0502020204030204" pitchFamily="34" charset="0"/>
+                <a:cs typeface="Times New Roman" panose="02020603050405020304" pitchFamily="18" charset="0"/>
+              </a:rPr>
+              <a:t>classifiers under “functions”.</a:t>
+            </a:r>
+          </a:p>
+          <a:p>
+            <a:pPr marL="342900" marR="0" lvl="0" indent="-342900">
+              <a:lnSpc>
+                <a:spcPct val="107000"/>
+              </a:lnSpc>
+              <a:spcBef>
+                <a:spcPts val="0"/>
+              </a:spcBef>
+              <a:spcAft>
+                <a:spcPts val="0"/>
+              </a:spcAft>
+              <a:buFont typeface="+mj-lt"/>
+              <a:buAutoNum type="arabicPeriod"/>
+            </a:pPr>
+            <a:r>
+              <a:rPr lang="en-US" dirty="0">
+                <a:latin typeface="Calibri" panose="020F0502020204030204" pitchFamily="34" charset="0"/>
+                <a:ea typeface="Calibri" panose="020F0502020204030204" pitchFamily="34" charset="0"/>
+                <a:cs typeface="Times New Roman" panose="02020603050405020304" pitchFamily="18" charset="0"/>
+              </a:rPr>
+              <a:t>Run with default settings and 10-fold cross-validation.</a:t>
+            </a:r>
+          </a:p>
+          <a:p>
+            <a:pPr marL="342900" marR="0" lvl="0" indent="-342900">
+              <a:lnSpc>
+                <a:spcPct val="107000"/>
+              </a:lnSpc>
+              <a:spcBef>
+                <a:spcPts val="0"/>
+              </a:spcBef>
+              <a:spcAft>
+                <a:spcPts val="0"/>
+              </a:spcAft>
+              <a:buFont typeface="+mj-lt"/>
+              <a:buAutoNum type="arabicPeriod"/>
+            </a:pPr>
+            <a:r>
+              <a:rPr lang="en-US" dirty="0">
+                <a:latin typeface="Calibri" panose="020F0502020204030204" pitchFamily="34" charset="0"/>
+                <a:ea typeface="Calibri" panose="020F0502020204030204" pitchFamily="34" charset="0"/>
+                <a:cs typeface="Times New Roman" panose="02020603050405020304" pitchFamily="18" charset="0"/>
+              </a:rPr>
+              <a:t>Include the results summary and confusion matrix in your report</a:t>
+            </a:r>
+          </a:p>
+        </p:txBody>
+      </p:sp>
+    </p:spTree>
+    <p:extLst>
+      <p:ext uri="{BB962C8B-B14F-4D97-AF65-F5344CB8AC3E}">
+        <p14:creationId xmlns:p14="http://schemas.microsoft.com/office/powerpoint/2010/main" val="3050996387"/>
+      </p:ext>
+    </p:extLst>
+  </p:cSld>
+  <p:clrMapOvr>
+    <a:masterClrMapping/>
+  </p:clrMapOvr>
+  <p:timing>
+    <p:tnLst>
+      <p:par>
+        <p:cTn id="1" dur="indefinite" restart="never" nodeType="tmRoot"/>
+      </p:par>
+    </p:tnLst>
+  </p:timing>
 </p:sld>
 </file>
 

--- a/534_ANN/assignments fall 2016.pptx
+++ b/534_ANN/assignments fall 2016.pptx
@@ -5,14 +5,15 @@
     <p:sldMasterId id="2147483648" r:id="rId1"/>
   </p:sldMasterIdLst>
   <p:notesMasterIdLst>
-    <p:notesMasterId r:id="rId7"/>
+    <p:notesMasterId r:id="rId8"/>
   </p:notesMasterIdLst>
   <p:sldIdLst>
     <p:sldId id="257" r:id="rId2"/>
     <p:sldId id="258" r:id="rId3"/>
     <p:sldId id="259" r:id="rId4"/>
     <p:sldId id="260" r:id="rId5"/>
-    <p:sldId id="261" r:id="rId6"/>
+    <p:sldId id="262" r:id="rId6"/>
+    <p:sldId id="263" r:id="rId7"/>
   </p:sldIdLst>
   <p:sldSz cx="12192000" cy="6858000"/>
   <p:notesSz cx="6858000" cy="9144000"/>
@@ -201,7 +202,7 @@
           <a:p>
             <a:fld id="{12E258BF-62B2-4ACA-82C2-31AD9C5FBADA}" type="datetimeFigureOut">
               <a:rPr lang="en-US" smtClean="0"/>
-              <a:t>10/18/2016</a:t>
+              <a:t>10/21/2016</a:t>
             </a:fld>
             <a:endParaRPr lang="en-US"/>
           </a:p>
@@ -600,7 +601,7 @@
           <a:p>
             <a:fld id="{4C9CA330-40D8-4D0D-94EB-671FCF1C0FE4}" type="datetimeFigureOut">
               <a:rPr lang="en-US" smtClean="0"/>
-              <a:t>10/18/2016</a:t>
+              <a:t>10/21/2016</a:t>
             </a:fld>
             <a:endParaRPr lang="en-US"/>
           </a:p>
@@ -770,7 +771,7 @@
           <a:p>
             <a:fld id="{4C9CA330-40D8-4D0D-94EB-671FCF1C0FE4}" type="datetimeFigureOut">
               <a:rPr lang="en-US" smtClean="0"/>
-              <a:t>10/18/2016</a:t>
+              <a:t>10/21/2016</a:t>
             </a:fld>
             <a:endParaRPr lang="en-US"/>
           </a:p>
@@ -950,7 +951,7 @@
           <a:p>
             <a:fld id="{4C9CA330-40D8-4D0D-94EB-671FCF1C0FE4}" type="datetimeFigureOut">
               <a:rPr lang="en-US" smtClean="0"/>
-              <a:t>10/18/2016</a:t>
+              <a:t>10/21/2016</a:t>
             </a:fld>
             <a:endParaRPr lang="en-US"/>
           </a:p>
@@ -1120,7 +1121,7 @@
           <a:p>
             <a:fld id="{4C9CA330-40D8-4D0D-94EB-671FCF1C0FE4}" type="datetimeFigureOut">
               <a:rPr lang="en-US" smtClean="0"/>
-              <a:t>10/18/2016</a:t>
+              <a:t>10/21/2016</a:t>
             </a:fld>
             <a:endParaRPr lang="en-US"/>
           </a:p>
@@ -1366,7 +1367,7 @@
           <a:p>
             <a:fld id="{4C9CA330-40D8-4D0D-94EB-671FCF1C0FE4}" type="datetimeFigureOut">
               <a:rPr lang="en-US" smtClean="0"/>
-              <a:t>10/18/2016</a:t>
+              <a:t>10/21/2016</a:t>
             </a:fld>
             <a:endParaRPr lang="en-US"/>
           </a:p>
@@ -1598,7 +1599,7 @@
           <a:p>
             <a:fld id="{4C9CA330-40D8-4D0D-94EB-671FCF1C0FE4}" type="datetimeFigureOut">
               <a:rPr lang="en-US" smtClean="0"/>
-              <a:t>10/18/2016</a:t>
+              <a:t>10/21/2016</a:t>
             </a:fld>
             <a:endParaRPr lang="en-US"/>
           </a:p>
@@ -1965,7 +1966,7 @@
           <a:p>
             <a:fld id="{4C9CA330-40D8-4D0D-94EB-671FCF1C0FE4}" type="datetimeFigureOut">
               <a:rPr lang="en-US" smtClean="0"/>
-              <a:t>10/18/2016</a:t>
+              <a:t>10/21/2016</a:t>
             </a:fld>
             <a:endParaRPr lang="en-US"/>
           </a:p>
@@ -2083,7 +2084,7 @@
           <a:p>
             <a:fld id="{4C9CA330-40D8-4D0D-94EB-671FCF1C0FE4}" type="datetimeFigureOut">
               <a:rPr lang="en-US" smtClean="0"/>
-              <a:t>10/18/2016</a:t>
+              <a:t>10/21/2016</a:t>
             </a:fld>
             <a:endParaRPr lang="en-US"/>
           </a:p>
@@ -2178,7 +2179,7 @@
           <a:p>
             <a:fld id="{4C9CA330-40D8-4D0D-94EB-671FCF1C0FE4}" type="datetimeFigureOut">
               <a:rPr lang="en-US" smtClean="0"/>
-              <a:t>10/18/2016</a:t>
+              <a:t>10/21/2016</a:t>
             </a:fld>
             <a:endParaRPr lang="en-US"/>
           </a:p>
@@ -2455,7 +2456,7 @@
           <a:p>
             <a:fld id="{4C9CA330-40D8-4D0D-94EB-671FCF1C0FE4}" type="datetimeFigureOut">
               <a:rPr lang="en-US" smtClean="0"/>
-              <a:t>10/18/2016</a:t>
+              <a:t>10/21/2016</a:t>
             </a:fld>
             <a:endParaRPr lang="en-US"/>
           </a:p>
@@ -2708,7 +2709,7 @@
           <a:p>
             <a:fld id="{4C9CA330-40D8-4D0D-94EB-671FCF1C0FE4}" type="datetimeFigureOut">
               <a:rPr lang="en-US" smtClean="0"/>
-              <a:t>10/18/2016</a:t>
+              <a:t>10/21/2016</a:t>
             </a:fld>
             <a:endParaRPr lang="en-US"/>
           </a:p>
@@ -2921,7 +2922,7 @@
           <a:p>
             <a:fld id="{4C9CA330-40D8-4D0D-94EB-671FCF1C0FE4}" type="datetimeFigureOut">
               <a:rPr lang="en-US" smtClean="0"/>
-              <a:t>10/18/2016</a:t>
+              <a:t>10/21/2016</a:t>
             </a:fld>
             <a:endParaRPr lang="en-US"/>
           </a:p>
@@ -4309,7 +4310,7 @@
           <a:graphicData uri="http://schemas.openxmlformats.org/presentationml/2006/ole">
             <mc:AlternateContent xmlns:mc="http://schemas.openxmlformats.org/markup-compatibility/2006">
               <mc:Choice xmlns:v="urn:schemas-microsoft-com:vml" Requires="v">
-                <p:oleObj spid="_x0000_s1032" name="Equation" r:id="rId3" imgW="1854000" imgH="469800" progId="Equation.3">
+                <p:oleObj spid="_x0000_s1034" name="Equation" r:id="rId3" imgW="1854000" imgH="469800" progId="Equation.3">
                   <p:embed/>
                 </p:oleObj>
               </mc:Choice>
@@ -4493,7 +4494,7 @@
           <a:graphicData uri="http://schemas.openxmlformats.org/presentationml/2006/ole">
             <mc:AlternateContent xmlns:mc="http://schemas.openxmlformats.org/markup-compatibility/2006">
               <mc:Choice xmlns:v="urn:schemas-microsoft-com:vml" Requires="v">
-                <p:oleObj spid="_x0000_s2070" name="Equation" r:id="rId3" imgW="1498320" imgH="444240" progId="Equation.3">
+                <p:oleObj spid="_x0000_s2078" name="Equation" r:id="rId3" imgW="1498320" imgH="444240" progId="Equation.3">
                   <p:embed/>
                 </p:oleObj>
               </mc:Choice>
@@ -4572,7 +4573,7 @@
           <a:graphicData uri="http://schemas.openxmlformats.org/presentationml/2006/ole">
             <mc:AlternateContent xmlns:mc="http://schemas.openxmlformats.org/markup-compatibility/2006">
               <mc:Choice xmlns:v="urn:schemas-microsoft-com:vml" Requires="v">
-                <p:oleObj spid="_x0000_s2071" name="Equation" r:id="rId5" imgW="1701720" imgH="393480" progId="Equation.3">
+                <p:oleObj spid="_x0000_s2079" name="Equation" r:id="rId5" imgW="1701720" imgH="393480" progId="Equation.3">
                   <p:embed/>
                 </p:oleObj>
               </mc:Choice>
@@ -4651,7 +4652,7 @@
           <a:graphicData uri="http://schemas.openxmlformats.org/presentationml/2006/ole">
             <mc:AlternateContent xmlns:mc="http://schemas.openxmlformats.org/markup-compatibility/2006">
               <mc:Choice xmlns:v="urn:schemas-microsoft-com:vml" Requires="v">
-                <p:oleObj spid="_x0000_s2072" name="Equation" r:id="rId7" imgW="1079280" imgH="228600" progId="Equation.3">
+                <p:oleObj spid="_x0000_s2080" name="Equation" r:id="rId7" imgW="1079280" imgH="228600" progId="Equation.3">
                   <p:embed/>
                 </p:oleObj>
               </mc:Choice>
@@ -4874,7 +4875,7 @@
           <a:graphicData uri="http://schemas.openxmlformats.org/presentationml/2006/ole">
             <mc:AlternateContent xmlns:mc="http://schemas.openxmlformats.org/markup-compatibility/2006">
               <mc:Choice xmlns:v="urn:schemas-microsoft-com:vml" Requires="v">
-                <p:oleObj spid="_x0000_s2073" name="Equation" r:id="rId9" imgW="838080" imgH="228600" progId="Equation.3">
+                <p:oleObj spid="_x0000_s2081" name="Equation" r:id="rId9" imgW="838080" imgH="228600" progId="Equation.3">
                   <p:embed/>
                 </p:oleObj>
               </mc:Choice>
@@ -5284,7 +5285,7 @@
               <a:t>scatter plot </a:t>
             </a:r>
             <a:r>
-              <a:rPr lang="en-US" smtClean="0">
+              <a:rPr lang="en-US" dirty="0" smtClean="0">
                 <a:solidFill>
                   <a:srgbClr val="000000"/>
                 </a:solidFill>
@@ -5295,7 +5296,7 @@
               <a:t>like figure 3.2, </a:t>
             </a:r>
             <a:r>
-              <a:rPr lang="en-US">
+              <a:rPr lang="en-US" dirty="0">
                 <a:solidFill>
                   <a:srgbClr val="000000"/>
                 </a:solidFill>
@@ -5306,7 +5307,7 @@
               <a:t>text </a:t>
             </a:r>
             <a:r>
-              <a:rPr lang="en-US" smtClean="0">
+              <a:rPr lang="en-US" dirty="0" smtClean="0">
                 <a:solidFill>
                   <a:srgbClr val="000000"/>
                 </a:solidFill>
@@ -5316,14 +5317,6 @@
               </a:rPr>
               <a:t>p83</a:t>
             </a:r>
-            <a:endParaRPr lang="en-US" dirty="0" smtClean="0">
-              <a:solidFill>
-                <a:srgbClr val="000000"/>
-              </a:solidFill>
-              <a:latin typeface="Arial" panose="020B0604020202020204" pitchFamily="34" charset="0"/>
-              <a:ea typeface="Times New Roman" panose="02020603050405020304" pitchFamily="18" charset="0"/>
-              <a:cs typeface="Times New Roman" panose="02020603050405020304" pitchFamily="18" charset="0"/>
-            </a:endParaRPr>
           </a:p>
           <a:p>
             <a:pPr>
@@ -5508,21 +5501,10 @@
                 <a:ea typeface="Times New Roman" panose="02020603050405020304" pitchFamily="18" charset="0"/>
                 <a:cs typeface="Times New Roman" panose="02020603050405020304" pitchFamily="18" charset="0"/>
               </a:rPr>
-              <a:t>with </a:t>
-            </a:r>
-            <a:r>
-              <a:rPr lang="en-US" dirty="0" err="1" smtClean="0">
-                <a:solidFill>
-                  <a:srgbClr val="000000"/>
-                </a:solidFill>
-                <a:latin typeface="Arial" panose="020B0604020202020204" pitchFamily="34" charset="0"/>
-                <a:ea typeface="Times New Roman" panose="02020603050405020304" pitchFamily="18" charset="0"/>
-                <a:cs typeface="Times New Roman" panose="02020603050405020304" pitchFamily="18" charset="0"/>
-              </a:rPr>
-              <a:t>E</a:t>
-            </a:r>
-            <a:r>
-              <a:rPr lang="en-US" baseline="-25000" dirty="0" err="1" smtClean="0">
+              <a:t>with E</a:t>
+            </a:r>
+            <a:r>
+              <a:rPr lang="en-US" baseline="-25000" dirty="0" smtClean="0">
                 <a:solidFill>
                   <a:srgbClr val="000000"/>
                 </a:solidFill>
@@ -5626,12 +5608,8 @@
           <a:lstStyle/>
           <a:p>
             <a:r>
-              <a:rPr lang="en-US" sz="2400" dirty="0"/>
-              <a:t>Assignment </a:t>
-            </a:r>
-            <a:r>
               <a:rPr lang="en-US" sz="2400" dirty="0" smtClean="0"/>
-              <a:t>6: </a:t>
+              <a:t>Expanded Assignment 6: </a:t>
             </a:r>
             <a:r>
               <a:rPr lang="en-US" sz="2400" dirty="0"/>
@@ -5639,7 +5617,7 @@
             </a:r>
             <a:r>
               <a:rPr lang="en-US" sz="2400" dirty="0" smtClean="0"/>
-              <a:t>10-20-16</a:t>
+              <a:t>10-25-16</a:t>
             </a:r>
             <a:endParaRPr lang="en-US" sz="2400" dirty="0"/>
           </a:p>
@@ -5654,7 +5632,7 @@
         <p:spPr>
           <a:xfrm>
             <a:off x="689783" y="1063375"/>
-            <a:ext cx="10873947" cy="3352328"/>
+            <a:ext cx="10873947" cy="4537781"/>
           </a:xfrm>
           <a:prstGeom prst="rect">
             <a:avLst/>
@@ -6091,7 +6069,84 @@
                 <a:ea typeface="Calibri" panose="020F0502020204030204" pitchFamily="34" charset="0"/>
                 <a:cs typeface="Times New Roman" panose="02020603050405020304" pitchFamily="18" charset="0"/>
               </a:rPr>
-              <a:t>Include the results summary and confusion matrix in your report</a:t>
+              <a:t>Include the results summary and confusion matrix in your </a:t>
+            </a:r>
+            <a:r>
+              <a:rPr lang="en-US" dirty="0" smtClean="0">
+                <a:latin typeface="Calibri" panose="020F0502020204030204" pitchFamily="34" charset="0"/>
+                <a:ea typeface="Calibri" panose="020F0502020204030204" pitchFamily="34" charset="0"/>
+                <a:cs typeface="Times New Roman" panose="02020603050405020304" pitchFamily="18" charset="0"/>
+              </a:rPr>
+              <a:t>report</a:t>
+            </a:r>
+          </a:p>
+          <a:p>
+            <a:pPr marL="342900" indent="-342900">
+              <a:lnSpc>
+                <a:spcPct val="107000"/>
+              </a:lnSpc>
+              <a:buFont typeface="+mj-lt"/>
+              <a:buAutoNum type="arabicPeriod"/>
+            </a:pPr>
+            <a:r>
+              <a:rPr lang="en-US" dirty="0"/>
+              <a:t>The secret to the success of Simple Logistics may be its automatic attribute selection.   </a:t>
+            </a:r>
+            <a:r>
+              <a:rPr lang="en-US" dirty="0" smtClean="0"/>
+              <a:t>In the output for Simple Logistics, find the attributes in be base case.  </a:t>
+            </a:r>
+            <a:r>
+              <a:rPr lang="en-US" dirty="0"/>
+              <a:t>M</a:t>
+            </a:r>
+            <a:r>
+              <a:rPr lang="en-US" dirty="0" smtClean="0"/>
+              <a:t>odify </a:t>
+            </a:r>
+            <a:r>
+              <a:rPr lang="en-US" dirty="0"/>
+              <a:t>the excel file of logistic data to include only these attributes and rerun the Logistics </a:t>
+            </a:r>
+            <a:r>
+              <a:rPr lang="en-US" dirty="0" smtClean="0"/>
+              <a:t>case</a:t>
+            </a:r>
+            <a:r>
+              <a:rPr lang="en-US" dirty="0">
+                <a:latin typeface="Calibri" panose="020F0502020204030204" pitchFamily="34" charset="0"/>
+                <a:ea typeface="Calibri" panose="020F0502020204030204" pitchFamily="34" charset="0"/>
+                <a:cs typeface="Times New Roman" panose="02020603050405020304" pitchFamily="18" charset="0"/>
+              </a:rPr>
+              <a:t> with default settings and 10-fold cross-validation</a:t>
+            </a:r>
+            <a:r>
+              <a:rPr lang="en-US" dirty="0" smtClean="0"/>
+              <a:t>. </a:t>
+            </a:r>
+            <a:r>
+              <a:rPr lang="en-US" dirty="0">
+                <a:latin typeface="Calibri" panose="020F0502020204030204" pitchFamily="34" charset="0"/>
+                <a:ea typeface="Calibri" panose="020F0502020204030204" pitchFamily="34" charset="0"/>
+                <a:cs typeface="Times New Roman" panose="02020603050405020304" pitchFamily="18" charset="0"/>
+              </a:rPr>
+              <a:t>Include the results summary and confusion matrix in your </a:t>
+            </a:r>
+            <a:r>
+              <a:rPr lang="en-US" dirty="0" smtClean="0">
+                <a:latin typeface="Calibri" panose="020F0502020204030204" pitchFamily="34" charset="0"/>
+                <a:ea typeface="Calibri" panose="020F0502020204030204" pitchFamily="34" charset="0"/>
+                <a:cs typeface="Times New Roman" panose="02020603050405020304" pitchFamily="18" charset="0"/>
+              </a:rPr>
+              <a:t>report</a:t>
+            </a:r>
+            <a:r>
+              <a:rPr lang="en-US" dirty="0">
+                <a:latin typeface="Calibri" panose="020F0502020204030204" pitchFamily="34" charset="0"/>
+                <a:ea typeface="Calibri" panose="020F0502020204030204" pitchFamily="34" charset="0"/>
+                <a:cs typeface="Times New Roman" panose="02020603050405020304" pitchFamily="18" charset="0"/>
+              </a:rPr>
+              <a:t>.</a:t>
             </a:r>
           </a:p>
         </p:txBody>
@@ -6099,7 +6154,454 @@
     </p:spTree>
     <p:extLst>
       <p:ext uri="{BB962C8B-B14F-4D97-AF65-F5344CB8AC3E}">
-        <p14:creationId xmlns:p14="http://schemas.microsoft.com/office/powerpoint/2010/main" val="3050996387"/>
+        <p14:creationId xmlns:p14="http://schemas.microsoft.com/office/powerpoint/2010/main" val="2103545119"/>
+      </p:ext>
+    </p:extLst>
+  </p:cSld>
+  <p:clrMapOvr>
+    <a:masterClrMapping/>
+  </p:clrMapOvr>
+  <p:timing>
+    <p:tnLst>
+      <p:par>
+        <p:cTn id="1" dur="indefinite" restart="never" nodeType="tmRoot"/>
+      </p:par>
+    </p:tnLst>
+  </p:timing>
+</p:sld>
+</file>
+
+<file path=ppt/slides/slide6.xml><?xml version="1.0" encoding="utf-8"?>
+<p:sld xmlns:a="http://schemas.openxmlformats.org/drawingml/2006/main" xmlns:r="http://schemas.openxmlformats.org/officeDocument/2006/relationships" xmlns:p="http://schemas.openxmlformats.org/presentationml/2006/main">
+  <p:cSld>
+    <p:spTree>
+      <p:nvGrpSpPr>
+        <p:cNvPr id="1" name=""/>
+        <p:cNvGrpSpPr/>
+        <p:nvPr/>
+      </p:nvGrpSpPr>
+      <p:grpSpPr>
+        <a:xfrm>
+          <a:off x="0" y="0"/>
+          <a:ext cx="0" cy="0"/>
+          <a:chOff x="0" y="0"/>
+          <a:chExt cx="0" cy="0"/>
+        </a:xfrm>
+      </p:grpSpPr>
+      <p:sp>
+        <p:nvSpPr>
+          <p:cNvPr id="2" name="Rectangle 1"/>
+          <p:cNvSpPr/>
+          <p:nvPr/>
+        </p:nvSpPr>
+        <p:spPr>
+          <a:xfrm>
+            <a:off x="2286000" y="914400"/>
+            <a:ext cx="7620000" cy="3908762"/>
+          </a:xfrm>
+          <a:prstGeom prst="rect">
+            <a:avLst/>
+          </a:prstGeom>
+        </p:spPr>
+        <p:txBody>
+          <a:bodyPr wrap="square">
+            <a:spAutoFit/>
+          </a:bodyPr>
+          <a:lstStyle/>
+          <a:p>
+            <a:r>
+              <a:rPr lang="en-US" sz="1600" dirty="0">
+                <a:solidFill>
+                  <a:srgbClr val="000000"/>
+                </a:solidFill>
+                <a:latin typeface="Arial" panose="020B0604020202020204" pitchFamily="34" charset="0"/>
+                <a:ea typeface="Times New Roman" panose="02020603050405020304" pitchFamily="18" charset="0"/>
+              </a:rPr>
+              <a:t>Assignment </a:t>
+            </a:r>
+            <a:r>
+              <a:rPr lang="en-US" sz="1600" dirty="0">
+                <a:solidFill>
+                  <a:srgbClr val="000000"/>
+                </a:solidFill>
+                <a:latin typeface="Arial" panose="020B0604020202020204" pitchFamily="34" charset="0"/>
+                <a:ea typeface="Times New Roman" panose="02020603050405020304" pitchFamily="18" charset="0"/>
+              </a:rPr>
+              <a:t>7 </a:t>
+            </a:r>
+            <a:r>
+              <a:rPr lang="en-US" sz="1600" dirty="0">
+                <a:solidFill>
+                  <a:srgbClr val="000000"/>
+                </a:solidFill>
+                <a:latin typeface="Arial" panose="020B0604020202020204" pitchFamily="34" charset="0"/>
+                <a:ea typeface="Times New Roman" panose="02020603050405020304" pitchFamily="18" charset="0"/>
+              </a:rPr>
+              <a:t>due </a:t>
+            </a:r>
+            <a:r>
+              <a:rPr lang="en-US" sz="1600" dirty="0">
+                <a:solidFill>
+                  <a:srgbClr val="000000"/>
+                </a:solidFill>
+                <a:latin typeface="Arial" panose="020B0604020202020204" pitchFamily="34" charset="0"/>
+                <a:ea typeface="Times New Roman" panose="02020603050405020304" pitchFamily="18" charset="0"/>
+              </a:rPr>
+              <a:t>11-3-16</a:t>
+            </a:r>
+            <a:endParaRPr lang="en-US" sz="1400" dirty="0">
+              <a:latin typeface="Times New Roman" panose="02020603050405020304" pitchFamily="18" charset="0"/>
+              <a:ea typeface="Times New Roman" panose="02020603050405020304" pitchFamily="18" charset="0"/>
+            </a:endParaRPr>
+          </a:p>
+          <a:p>
+            <a:r>
+              <a:rPr lang="en-US" sz="1600" dirty="0">
+                <a:solidFill>
+                  <a:srgbClr val="000000"/>
+                </a:solidFill>
+                <a:latin typeface="Arial" panose="020B0604020202020204" pitchFamily="34" charset="0"/>
+                <a:ea typeface="Times New Roman" panose="02020603050405020304" pitchFamily="18" charset="0"/>
+              </a:rPr>
+              <a:t> </a:t>
+            </a:r>
+            <a:endParaRPr lang="en-US" sz="1400" dirty="0">
+              <a:latin typeface="Times New Roman" panose="02020603050405020304" pitchFamily="18" charset="0"/>
+              <a:ea typeface="Times New Roman" panose="02020603050405020304" pitchFamily="18" charset="0"/>
+            </a:endParaRPr>
+          </a:p>
+          <a:p>
+            <a:r>
+              <a:rPr lang="en-US" dirty="0">
+                <a:latin typeface="Arial" panose="020B0604020202020204" pitchFamily="34" charset="0"/>
+                <a:ea typeface="Times New Roman" panose="02020603050405020304" pitchFamily="18" charset="0"/>
+              </a:rPr>
+              <a:t>Generate an in </a:t>
+            </a:r>
+            <a:r>
+              <a:rPr lang="en-US" dirty="0">
+                <a:latin typeface="Arial" panose="020B0604020202020204" pitchFamily="34" charset="0"/>
+                <a:ea typeface="Times New Roman" panose="02020603050405020304" pitchFamily="18" charset="0"/>
+              </a:rPr>
+              <a:t>silico </a:t>
+            </a:r>
+            <a:r>
+              <a:rPr lang="en-US" dirty="0">
+                <a:latin typeface="Arial" panose="020B0604020202020204" pitchFamily="34" charset="0"/>
+                <a:ea typeface="Times New Roman" panose="02020603050405020304" pitchFamily="18" charset="0"/>
+              </a:rPr>
+              <a:t>dataset with 55 examples of y(x</a:t>
+            </a:r>
+            <a:r>
+              <a:rPr lang="en-US" dirty="0">
+                <a:latin typeface="Arial" panose="020B0604020202020204" pitchFamily="34" charset="0"/>
+                <a:ea typeface="Times New Roman" panose="02020603050405020304" pitchFamily="18" charset="0"/>
+              </a:rPr>
+              <a:t>) = 1 + 9x</a:t>
+            </a:r>
+            <a:r>
+              <a:rPr lang="en-US" baseline="30000" dirty="0">
+                <a:latin typeface="Arial" panose="020B0604020202020204" pitchFamily="34" charset="0"/>
+                <a:ea typeface="Times New Roman" panose="02020603050405020304" pitchFamily="18" charset="0"/>
+              </a:rPr>
+              <a:t>2</a:t>
+            </a:r>
+            <a:r>
+              <a:rPr lang="en-US" dirty="0">
+                <a:latin typeface="Arial" panose="020B0604020202020204" pitchFamily="34" charset="0"/>
+                <a:ea typeface="Times New Roman" panose="02020603050405020304" pitchFamily="18" charset="0"/>
+              </a:rPr>
+              <a:t> + N(0,1</a:t>
+            </a:r>
+            <a:r>
+              <a:rPr lang="en-US" dirty="0">
+                <a:latin typeface="Arial" panose="020B0604020202020204" pitchFamily="34" charset="0"/>
+                <a:ea typeface="Times New Roman" panose="02020603050405020304" pitchFamily="18" charset="0"/>
+              </a:rPr>
+              <a:t>)</a:t>
+            </a:r>
+            <a:r>
+              <a:rPr lang="en-US" dirty="0">
+                <a:latin typeface="Arial" panose="020B0604020202020204" pitchFamily="34" charset="0"/>
+                <a:ea typeface="Times New Roman" panose="02020603050405020304" pitchFamily="18" charset="0"/>
+              </a:rPr>
+              <a:t> </a:t>
+            </a:r>
+            <a:endParaRPr lang="en-US" sz="1400" dirty="0">
+              <a:latin typeface="Times New Roman" panose="02020603050405020304" pitchFamily="18" charset="0"/>
+              <a:ea typeface="Times New Roman" panose="02020603050405020304" pitchFamily="18" charset="0"/>
+            </a:endParaRPr>
+          </a:p>
+          <a:p>
+            <a:r>
+              <a:rPr lang="en-US" dirty="0">
+                <a:latin typeface="Arial" panose="020B0604020202020204" pitchFamily="34" charset="0"/>
+                <a:ea typeface="Times New Roman" panose="02020603050405020304" pitchFamily="18" charset="0"/>
+              </a:rPr>
+              <a:t>w</a:t>
+            </a:r>
+            <a:r>
+              <a:rPr lang="en-US" dirty="0">
+                <a:latin typeface="Arial" panose="020B0604020202020204" pitchFamily="34" charset="0"/>
+                <a:ea typeface="Times New Roman" panose="02020603050405020304" pitchFamily="18" charset="0"/>
+              </a:rPr>
+              <a:t>ith randomly </a:t>
+            </a:r>
+            <a:r>
+              <a:rPr lang="en-US" dirty="0">
+                <a:latin typeface="Arial" panose="020B0604020202020204" pitchFamily="34" charset="0"/>
+                <a:ea typeface="Times New Roman" panose="02020603050405020304" pitchFamily="18" charset="0"/>
+              </a:rPr>
+              <a:t>selected values of x between -1 and +1.</a:t>
+            </a:r>
+            <a:endParaRPr lang="en-US" sz="1400" dirty="0">
+              <a:latin typeface="Times New Roman" panose="02020603050405020304" pitchFamily="18" charset="0"/>
+              <a:ea typeface="Times New Roman" panose="02020603050405020304" pitchFamily="18" charset="0"/>
+            </a:endParaRPr>
+          </a:p>
+          <a:p>
+            <a:r>
+              <a:rPr lang="en-US" dirty="0">
+                <a:latin typeface="Arial" panose="020B0604020202020204" pitchFamily="34" charset="0"/>
+                <a:ea typeface="Times New Roman" panose="02020603050405020304" pitchFamily="18" charset="0"/>
+              </a:rPr>
+              <a:t> </a:t>
+            </a:r>
+            <a:endParaRPr lang="en-US" sz="1400" dirty="0">
+              <a:latin typeface="Times New Roman" panose="02020603050405020304" pitchFamily="18" charset="0"/>
+              <a:ea typeface="Times New Roman" panose="02020603050405020304" pitchFamily="18" charset="0"/>
+            </a:endParaRPr>
+          </a:p>
+          <a:p>
+            <a:r>
+              <a:rPr lang="en-US" dirty="0" smtClean="0">
+                <a:latin typeface="Arial" panose="020B0604020202020204" pitchFamily="34" charset="0"/>
+                <a:ea typeface="Times New Roman" panose="02020603050405020304" pitchFamily="18" charset="0"/>
+              </a:rPr>
+              <a:t>With training set of 5 samples, fit a 4</a:t>
+            </a:r>
+            <a:r>
+              <a:rPr lang="en-US" baseline="30000" dirty="0" smtClean="0">
+                <a:latin typeface="Arial" panose="020B0604020202020204" pitchFamily="34" charset="0"/>
+                <a:ea typeface="Times New Roman" panose="02020603050405020304" pitchFamily="18" charset="0"/>
+              </a:rPr>
+              <a:t>th</a:t>
+            </a:r>
+            <a:r>
+              <a:rPr lang="en-US" dirty="0" smtClean="0">
+                <a:latin typeface="Arial" panose="020B0604020202020204" pitchFamily="34" charset="0"/>
+                <a:ea typeface="Times New Roman" panose="02020603050405020304" pitchFamily="18" charset="0"/>
+              </a:rPr>
+              <a:t> degree polynomial to the data with and without regularization by choosing </a:t>
+            </a:r>
+            <a:r>
+              <a:rPr lang="en-US" dirty="0" smtClean="0">
+                <a:latin typeface="Symbol" panose="05050102010706020507" pitchFamily="18" charset="2"/>
+                <a:ea typeface="Times New Roman" panose="02020603050405020304" pitchFamily="18" charset="0"/>
+                <a:cs typeface="Arial" panose="020B0604020202020204" pitchFamily="34" charset="0"/>
+              </a:rPr>
+              <a:t>l</a:t>
+            </a:r>
+            <a:r>
+              <a:rPr lang="en-US" dirty="0" smtClean="0">
+                <a:latin typeface="Arial" panose="020B0604020202020204" pitchFamily="34" charset="0"/>
+                <a:ea typeface="Times New Roman" panose="02020603050405020304" pitchFamily="18" charset="0"/>
+              </a:rPr>
+              <a:t> = 0, 0.0001, 0.001, 0.01, 0.1, 1, and 10.  Display E</a:t>
+            </a:r>
+            <a:r>
+              <a:rPr lang="en-US" baseline="-25000" dirty="0" smtClean="0">
+                <a:latin typeface="Arial" panose="020B0604020202020204" pitchFamily="34" charset="0"/>
+                <a:ea typeface="Times New Roman" panose="02020603050405020304" pitchFamily="18" charset="0"/>
+              </a:rPr>
+              <a:t>in</a:t>
+            </a:r>
+            <a:r>
+              <a:rPr lang="en-US" dirty="0" smtClean="0">
+                <a:latin typeface="Arial" panose="020B0604020202020204" pitchFamily="34" charset="0"/>
+                <a:ea typeface="Times New Roman" panose="02020603050405020304" pitchFamily="18" charset="0"/>
+              </a:rPr>
+              <a:t>. Is it always near zero?</a:t>
+            </a:r>
+            <a:endParaRPr lang="en-US" sz="1400" dirty="0" smtClean="0">
+              <a:latin typeface="Symbol" panose="05050102010706020507" pitchFamily="18" charset="2"/>
+              <a:ea typeface="Times New Roman" panose="02020603050405020304" pitchFamily="18" charset="0"/>
+            </a:endParaRPr>
+          </a:p>
+          <a:p>
+            <a:r>
+              <a:rPr lang="en-US" dirty="0" smtClean="0">
+                <a:latin typeface="Arial" panose="020B0604020202020204" pitchFamily="34" charset="0"/>
+                <a:ea typeface="Times New Roman" panose="02020603050405020304" pitchFamily="18" charset="0"/>
+              </a:rPr>
+              <a:t> </a:t>
+            </a:r>
+            <a:endParaRPr lang="en-US" sz="1400" dirty="0" smtClean="0">
+              <a:latin typeface="Times New Roman" panose="02020603050405020304" pitchFamily="18" charset="0"/>
+              <a:ea typeface="Times New Roman" panose="02020603050405020304" pitchFamily="18" charset="0"/>
+            </a:endParaRPr>
+          </a:p>
+          <a:p>
+            <a:pPr>
+              <a:tabLst>
+                <a:tab pos="5305425" algn="l"/>
+              </a:tabLst>
+            </a:pPr>
+            <a:r>
+              <a:rPr lang="en-US" dirty="0" smtClean="0">
+                <a:latin typeface="Arial" panose="020B0604020202020204" pitchFamily="34" charset="0"/>
+                <a:ea typeface="Times New Roman" panose="02020603050405020304" pitchFamily="18" charset="0"/>
+              </a:rPr>
+              <a:t>Use </a:t>
+            </a:r>
+            <a:r>
+              <a:rPr lang="en-US" dirty="0">
+                <a:latin typeface="Arial" panose="020B0604020202020204" pitchFamily="34" charset="0"/>
+                <a:ea typeface="Times New Roman" panose="02020603050405020304" pitchFamily="18" charset="0"/>
+              </a:rPr>
+              <a:t>the remaining 50 examples as a validation </a:t>
+            </a:r>
+            <a:r>
+              <a:rPr lang="en-US" dirty="0">
+                <a:latin typeface="Arial" panose="020B0604020202020204" pitchFamily="34" charset="0"/>
+                <a:ea typeface="Times New Roman" panose="02020603050405020304" pitchFamily="18" charset="0"/>
+              </a:rPr>
+              <a:t>set. </a:t>
+            </a:r>
+            <a:r>
+              <a:rPr lang="en-US" dirty="0">
+                <a:latin typeface="Arial" panose="020B0604020202020204" pitchFamily="34" charset="0"/>
+                <a:ea typeface="Times New Roman" panose="02020603050405020304" pitchFamily="18" charset="0"/>
+              </a:rPr>
+              <a:t>Plot </a:t>
+            </a:r>
+            <a:r>
+              <a:rPr lang="en-US" dirty="0" err="1">
+                <a:latin typeface="Arial" panose="020B0604020202020204" pitchFamily="34" charset="0"/>
+                <a:ea typeface="Times New Roman" panose="02020603050405020304" pitchFamily="18" charset="0"/>
+              </a:rPr>
+              <a:t>E</a:t>
+            </a:r>
+            <a:r>
+              <a:rPr lang="en-US" baseline="-25000" dirty="0" err="1">
+                <a:latin typeface="Arial" panose="020B0604020202020204" pitchFamily="34" charset="0"/>
+                <a:ea typeface="Times New Roman" panose="02020603050405020304" pitchFamily="18" charset="0"/>
+              </a:rPr>
+              <a:t>val</a:t>
+            </a:r>
+            <a:r>
+              <a:rPr lang="en-US" dirty="0">
+                <a:latin typeface="Arial" panose="020B0604020202020204" pitchFamily="34" charset="0"/>
+                <a:ea typeface="Times New Roman" panose="02020603050405020304" pitchFamily="18" charset="0"/>
+              </a:rPr>
+              <a:t> </a:t>
+            </a:r>
+            <a:r>
+              <a:rPr lang="en-US" dirty="0">
+                <a:latin typeface="Arial" panose="020B0604020202020204" pitchFamily="34" charset="0"/>
+                <a:ea typeface="Times New Roman" panose="02020603050405020304" pitchFamily="18" charset="0"/>
+              </a:rPr>
+              <a:t>vs </a:t>
+            </a:r>
+            <a:r>
+              <a:rPr lang="en-US" dirty="0">
+                <a:latin typeface="Arial" panose="020B0604020202020204" pitchFamily="34" charset="0"/>
+                <a:ea typeface="Times New Roman" panose="02020603050405020304" pitchFamily="18" charset="0"/>
+              </a:rPr>
+              <a:t>log</a:t>
+            </a:r>
+            <a:r>
+              <a:rPr lang="en-US" baseline="-25000" dirty="0">
+                <a:latin typeface="Arial" panose="020B0604020202020204" pitchFamily="34" charset="0"/>
+                <a:ea typeface="Times New Roman" panose="02020603050405020304" pitchFamily="18" charset="0"/>
+              </a:rPr>
+              <a:t>10</a:t>
+            </a:r>
+            <a:r>
+              <a:rPr lang="en-US" dirty="0">
+                <a:latin typeface="Symbol" panose="05050102010706020507" pitchFamily="18" charset="2"/>
+                <a:ea typeface="Times New Roman" panose="02020603050405020304" pitchFamily="18" charset="0"/>
+              </a:rPr>
+              <a:t>l. </a:t>
+            </a:r>
+            <a:r>
+              <a:rPr lang="en-US" dirty="0">
+                <a:latin typeface="Arial" panose="020B0604020202020204" pitchFamily="34" charset="0"/>
+                <a:ea typeface="Times New Roman" panose="02020603050405020304" pitchFamily="18" charset="0"/>
+              </a:rPr>
+              <a:t>Estimate the best value of </a:t>
+            </a:r>
+            <a:r>
+              <a:rPr lang="en-US" dirty="0">
+                <a:latin typeface="Symbol" panose="05050102010706020507" pitchFamily="18" charset="2"/>
+                <a:ea typeface="Times New Roman" panose="02020603050405020304" pitchFamily="18" charset="0"/>
+              </a:rPr>
+              <a:t>l</a:t>
+            </a:r>
+            <a:r>
+              <a:rPr lang="en-US" dirty="0">
+                <a:latin typeface="Arial" panose="020B0604020202020204" pitchFamily="34" charset="0"/>
+                <a:ea typeface="Times New Roman" panose="02020603050405020304" pitchFamily="18" charset="0"/>
+              </a:rPr>
+              <a:t> from the plot. </a:t>
+            </a:r>
+          </a:p>
+          <a:p>
+            <a:pPr>
+              <a:tabLst>
+                <a:tab pos="5305425" algn="l"/>
+              </a:tabLst>
+            </a:pPr>
+            <a:endParaRPr lang="en-US" dirty="0">
+              <a:latin typeface="Arial" panose="020B0604020202020204" pitchFamily="34" charset="0"/>
+              <a:ea typeface="Times New Roman" panose="02020603050405020304" pitchFamily="18" charset="0"/>
+            </a:endParaRPr>
+          </a:p>
+          <a:p>
+            <a:pPr>
+              <a:tabLst>
+                <a:tab pos="5305425" algn="l"/>
+              </a:tabLst>
+            </a:pPr>
+            <a:r>
+              <a:rPr lang="en-US" dirty="0">
+                <a:latin typeface="Arial" panose="020B0604020202020204" pitchFamily="34" charset="0"/>
+                <a:ea typeface="Times New Roman" panose="02020603050405020304" pitchFamily="18" charset="0"/>
+              </a:rPr>
+              <a:t>Run your code 5 times.  Does the best </a:t>
+            </a:r>
+            <a:r>
+              <a:rPr lang="en-US" dirty="0">
+                <a:latin typeface="Symbol" panose="05050102010706020507" pitchFamily="18" charset="2"/>
+                <a:ea typeface="Times New Roman" panose="02020603050405020304" pitchFamily="18" charset="0"/>
+              </a:rPr>
+              <a:t>l</a:t>
+            </a:r>
+            <a:r>
+              <a:rPr lang="en-US" dirty="0">
+                <a:latin typeface="Arial" panose="020B0604020202020204" pitchFamily="34" charset="0"/>
+                <a:ea typeface="Times New Roman" panose="02020603050405020304" pitchFamily="18" charset="0"/>
+              </a:rPr>
+              <a:t> change dramatically from run to run?</a:t>
+            </a:r>
+            <a:r>
+              <a:rPr lang="en-US" dirty="0">
+                <a:latin typeface="Arial" panose="020B0604020202020204" pitchFamily="34" charset="0"/>
+                <a:ea typeface="Times New Roman" panose="02020603050405020304" pitchFamily="18" charset="0"/>
+              </a:rPr>
+              <a:t>	</a:t>
+            </a:r>
+            <a:endParaRPr lang="en-US" sz="1400" dirty="0">
+              <a:latin typeface="Times New Roman" panose="02020603050405020304" pitchFamily="18" charset="0"/>
+              <a:ea typeface="Times New Roman" panose="02020603050405020304" pitchFamily="18" charset="0"/>
+            </a:endParaRPr>
+          </a:p>
+        </p:txBody>
+      </p:sp>
+    </p:spTree>
+    <p:extLst>
+      <p:ext uri="{BB962C8B-B14F-4D97-AF65-F5344CB8AC3E}">
+        <p14:creationId xmlns:p14="http://schemas.microsoft.com/office/powerpoint/2010/main" val="687441433"/>
       </p:ext>
     </p:extLst>
   </p:cSld>

--- a/534_ANN/assignments fall 2016.pptx
+++ b/534_ANN/assignments fall 2016.pptx
@@ -12,7 +12,7 @@
     <p:sldId id="258" r:id="rId3"/>
     <p:sldId id="259" r:id="rId4"/>
     <p:sldId id="260" r:id="rId5"/>
-    <p:sldId id="261" r:id="rId6"/>
+    <p:sldId id="262" r:id="rId6"/>
   </p:sldIdLst>
   <p:sldSz cx="12192000" cy="6858000"/>
   <p:notesSz cx="6858000" cy="9144000"/>
@@ -201,7 +201,7 @@
           <a:p>
             <a:fld id="{12E258BF-62B2-4ACA-82C2-31AD9C5FBADA}" type="datetimeFigureOut">
               <a:rPr lang="en-US" smtClean="0"/>
-              <a:t>10/18/2016</a:t>
+              <a:t>10/19/2016</a:t>
             </a:fld>
             <a:endParaRPr lang="en-US"/>
           </a:p>
@@ -600,7 +600,7 @@
           <a:p>
             <a:fld id="{4C9CA330-40D8-4D0D-94EB-671FCF1C0FE4}" type="datetimeFigureOut">
               <a:rPr lang="en-US" smtClean="0"/>
-              <a:t>10/18/2016</a:t>
+              <a:t>10/19/2016</a:t>
             </a:fld>
             <a:endParaRPr lang="en-US"/>
           </a:p>
@@ -770,7 +770,7 @@
           <a:p>
             <a:fld id="{4C9CA330-40D8-4D0D-94EB-671FCF1C0FE4}" type="datetimeFigureOut">
               <a:rPr lang="en-US" smtClean="0"/>
-              <a:t>10/18/2016</a:t>
+              <a:t>10/19/2016</a:t>
             </a:fld>
             <a:endParaRPr lang="en-US"/>
           </a:p>
@@ -950,7 +950,7 @@
           <a:p>
             <a:fld id="{4C9CA330-40D8-4D0D-94EB-671FCF1C0FE4}" type="datetimeFigureOut">
               <a:rPr lang="en-US" smtClean="0"/>
-              <a:t>10/18/2016</a:t>
+              <a:t>10/19/2016</a:t>
             </a:fld>
             <a:endParaRPr lang="en-US"/>
           </a:p>
@@ -1120,7 +1120,7 @@
           <a:p>
             <a:fld id="{4C9CA330-40D8-4D0D-94EB-671FCF1C0FE4}" type="datetimeFigureOut">
               <a:rPr lang="en-US" smtClean="0"/>
-              <a:t>10/18/2016</a:t>
+              <a:t>10/19/2016</a:t>
             </a:fld>
             <a:endParaRPr lang="en-US"/>
           </a:p>
@@ -1366,7 +1366,7 @@
           <a:p>
             <a:fld id="{4C9CA330-40D8-4D0D-94EB-671FCF1C0FE4}" type="datetimeFigureOut">
               <a:rPr lang="en-US" smtClean="0"/>
-              <a:t>10/18/2016</a:t>
+              <a:t>10/19/2016</a:t>
             </a:fld>
             <a:endParaRPr lang="en-US"/>
           </a:p>
@@ -1598,7 +1598,7 @@
           <a:p>
             <a:fld id="{4C9CA330-40D8-4D0D-94EB-671FCF1C0FE4}" type="datetimeFigureOut">
               <a:rPr lang="en-US" smtClean="0"/>
-              <a:t>10/18/2016</a:t>
+              <a:t>10/19/2016</a:t>
             </a:fld>
             <a:endParaRPr lang="en-US"/>
           </a:p>
@@ -1965,7 +1965,7 @@
           <a:p>
             <a:fld id="{4C9CA330-40D8-4D0D-94EB-671FCF1C0FE4}" type="datetimeFigureOut">
               <a:rPr lang="en-US" smtClean="0"/>
-              <a:t>10/18/2016</a:t>
+              <a:t>10/19/2016</a:t>
             </a:fld>
             <a:endParaRPr lang="en-US"/>
           </a:p>
@@ -2083,7 +2083,7 @@
           <a:p>
             <a:fld id="{4C9CA330-40D8-4D0D-94EB-671FCF1C0FE4}" type="datetimeFigureOut">
               <a:rPr lang="en-US" smtClean="0"/>
-              <a:t>10/18/2016</a:t>
+              <a:t>10/19/2016</a:t>
             </a:fld>
             <a:endParaRPr lang="en-US"/>
           </a:p>
@@ -2178,7 +2178,7 @@
           <a:p>
             <a:fld id="{4C9CA330-40D8-4D0D-94EB-671FCF1C0FE4}" type="datetimeFigureOut">
               <a:rPr lang="en-US" smtClean="0"/>
-              <a:t>10/18/2016</a:t>
+              <a:t>10/19/2016</a:t>
             </a:fld>
             <a:endParaRPr lang="en-US"/>
           </a:p>
@@ -2455,7 +2455,7 @@
           <a:p>
             <a:fld id="{4C9CA330-40D8-4D0D-94EB-671FCF1C0FE4}" type="datetimeFigureOut">
               <a:rPr lang="en-US" smtClean="0"/>
-              <a:t>10/18/2016</a:t>
+              <a:t>10/19/2016</a:t>
             </a:fld>
             <a:endParaRPr lang="en-US"/>
           </a:p>
@@ -2708,7 +2708,7 @@
           <a:p>
             <a:fld id="{4C9CA330-40D8-4D0D-94EB-671FCF1C0FE4}" type="datetimeFigureOut">
               <a:rPr lang="en-US" smtClean="0"/>
-              <a:t>10/18/2016</a:t>
+              <a:t>10/19/2016</a:t>
             </a:fld>
             <a:endParaRPr lang="en-US"/>
           </a:p>
@@ -2921,7 +2921,7 @@
           <a:p>
             <a:fld id="{4C9CA330-40D8-4D0D-94EB-671FCF1C0FE4}" type="datetimeFigureOut">
               <a:rPr lang="en-US" smtClean="0"/>
-              <a:t>10/18/2016</a:t>
+              <a:t>10/19/2016</a:t>
             </a:fld>
             <a:endParaRPr lang="en-US"/>
           </a:p>
@@ -4309,7 +4309,7 @@
           <a:graphicData uri="http://schemas.openxmlformats.org/presentationml/2006/ole">
             <mc:AlternateContent xmlns:mc="http://schemas.openxmlformats.org/markup-compatibility/2006">
               <mc:Choice xmlns:v="urn:schemas-microsoft-com:vml" Requires="v">
-                <p:oleObj spid="_x0000_s1032" name="Equation" r:id="rId3" imgW="1854000" imgH="469800" progId="Equation.3">
+                <p:oleObj spid="_x0000_s1033" name="Equation" r:id="rId3" imgW="1854000" imgH="469800" progId="Equation.3">
                   <p:embed/>
                 </p:oleObj>
               </mc:Choice>
@@ -4493,7 +4493,7 @@
           <a:graphicData uri="http://schemas.openxmlformats.org/presentationml/2006/ole">
             <mc:AlternateContent xmlns:mc="http://schemas.openxmlformats.org/markup-compatibility/2006">
               <mc:Choice xmlns:v="urn:schemas-microsoft-com:vml" Requires="v">
-                <p:oleObj spid="_x0000_s2070" name="Equation" r:id="rId3" imgW="1498320" imgH="444240" progId="Equation.3">
+                <p:oleObj spid="_x0000_s2074" name="Equation" r:id="rId3" imgW="1498320" imgH="444240" progId="Equation.3">
                   <p:embed/>
                 </p:oleObj>
               </mc:Choice>
@@ -4572,7 +4572,7 @@
           <a:graphicData uri="http://schemas.openxmlformats.org/presentationml/2006/ole">
             <mc:AlternateContent xmlns:mc="http://schemas.openxmlformats.org/markup-compatibility/2006">
               <mc:Choice xmlns:v="urn:schemas-microsoft-com:vml" Requires="v">
-                <p:oleObj spid="_x0000_s2071" name="Equation" r:id="rId5" imgW="1701720" imgH="393480" progId="Equation.3">
+                <p:oleObj spid="_x0000_s2075" name="Equation" r:id="rId5" imgW="1701720" imgH="393480" progId="Equation.3">
                   <p:embed/>
                 </p:oleObj>
               </mc:Choice>
@@ -4651,7 +4651,7 @@
           <a:graphicData uri="http://schemas.openxmlformats.org/presentationml/2006/ole">
             <mc:AlternateContent xmlns:mc="http://schemas.openxmlformats.org/markup-compatibility/2006">
               <mc:Choice xmlns:v="urn:schemas-microsoft-com:vml" Requires="v">
-                <p:oleObj spid="_x0000_s2072" name="Equation" r:id="rId7" imgW="1079280" imgH="228600" progId="Equation.3">
+                <p:oleObj spid="_x0000_s2076" name="Equation" r:id="rId7" imgW="1079280" imgH="228600" progId="Equation.3">
                   <p:embed/>
                 </p:oleObj>
               </mc:Choice>
@@ -4874,7 +4874,7 @@
           <a:graphicData uri="http://schemas.openxmlformats.org/presentationml/2006/ole">
             <mc:AlternateContent xmlns:mc="http://schemas.openxmlformats.org/markup-compatibility/2006">
               <mc:Choice xmlns:v="urn:schemas-microsoft-com:vml" Requires="v">
-                <p:oleObj spid="_x0000_s2073" name="Equation" r:id="rId9" imgW="838080" imgH="228600" progId="Equation.3">
+                <p:oleObj spid="_x0000_s2077" name="Equation" r:id="rId9" imgW="838080" imgH="228600" progId="Equation.3">
                   <p:embed/>
                 </p:oleObj>
               </mc:Choice>
@@ -5626,8 +5626,8 @@
           <a:lstStyle/>
           <a:p>
             <a:r>
-              <a:rPr lang="en-US" sz="2400" dirty="0"/>
-              <a:t>Assignment </a:t>
+              <a:rPr lang="en-US" sz="2400" dirty="0" smtClean="0"/>
+              <a:t>Expanded Assignment </a:t>
             </a:r>
             <a:r>
               <a:rPr lang="en-US" sz="2400" dirty="0" smtClean="0"/>
@@ -5639,7 +5639,7 @@
             </a:r>
             <a:r>
               <a:rPr lang="en-US" sz="2400" dirty="0" smtClean="0"/>
-              <a:t>10-20-16</a:t>
+              <a:t>10-25-16</a:t>
             </a:r>
             <a:endParaRPr lang="en-US" sz="2400" dirty="0"/>
           </a:p>
@@ -5654,7 +5654,7 @@
         <p:spPr>
           <a:xfrm>
             <a:off x="689783" y="1063375"/>
-            <a:ext cx="10873947" cy="3352328"/>
+            <a:ext cx="10873947" cy="4537781"/>
           </a:xfrm>
           <a:prstGeom prst="rect">
             <a:avLst/>
@@ -6091,15 +6091,97 @@
                 <a:ea typeface="Calibri" panose="020F0502020204030204" pitchFamily="34" charset="0"/>
                 <a:cs typeface="Times New Roman" panose="02020603050405020304" pitchFamily="18" charset="0"/>
               </a:rPr>
-              <a:t>Include the results summary and confusion matrix in your report</a:t>
-            </a:r>
+              <a:t>Include the results summary and confusion matrix in your </a:t>
+            </a:r>
+            <a:r>
+              <a:rPr lang="en-US" dirty="0" smtClean="0">
+                <a:latin typeface="Calibri" panose="020F0502020204030204" pitchFamily="34" charset="0"/>
+                <a:ea typeface="Calibri" panose="020F0502020204030204" pitchFamily="34" charset="0"/>
+                <a:cs typeface="Times New Roman" panose="02020603050405020304" pitchFamily="18" charset="0"/>
+              </a:rPr>
+              <a:t>report</a:t>
+            </a:r>
+          </a:p>
+          <a:p>
+            <a:pPr marL="342900" indent="-342900">
+              <a:lnSpc>
+                <a:spcPct val="107000"/>
+              </a:lnSpc>
+              <a:buFont typeface="+mj-lt"/>
+              <a:buAutoNum type="arabicPeriod"/>
+            </a:pPr>
+            <a:r>
+              <a:rPr lang="en-US" dirty="0"/>
+              <a:t>The secret to the success of Simple Logistics may be its automatic attribute selection.   </a:t>
+            </a:r>
+            <a:r>
+              <a:rPr lang="en-US" dirty="0" smtClean="0"/>
+              <a:t>In the output for Simple Logistics, find the attributes in be base case.  </a:t>
+            </a:r>
+            <a:r>
+              <a:rPr lang="en-US" dirty="0"/>
+              <a:t>M</a:t>
+            </a:r>
+            <a:r>
+              <a:rPr lang="en-US" dirty="0" smtClean="0"/>
+              <a:t>odify </a:t>
+            </a:r>
+            <a:r>
+              <a:rPr lang="en-US" dirty="0"/>
+              <a:t>the excel file of logistic data to include only these attributes and rerun the Logistics </a:t>
+            </a:r>
+            <a:r>
+              <a:rPr lang="en-US" dirty="0" smtClean="0"/>
+              <a:t>case</a:t>
+            </a:r>
+            <a:r>
+              <a:rPr lang="en-US" dirty="0">
+                <a:latin typeface="Calibri" panose="020F0502020204030204" pitchFamily="34" charset="0"/>
+                <a:ea typeface="Calibri" panose="020F0502020204030204" pitchFamily="34" charset="0"/>
+                <a:cs typeface="Times New Roman" panose="02020603050405020304" pitchFamily="18" charset="0"/>
+              </a:rPr>
+              <a:t> with default settings and 10-fold cross-validation</a:t>
+            </a:r>
+            <a:r>
+              <a:rPr lang="en-US" dirty="0" smtClean="0"/>
+              <a:t>. </a:t>
+            </a:r>
+            <a:r>
+              <a:rPr lang="en-US" dirty="0">
+                <a:latin typeface="Calibri" panose="020F0502020204030204" pitchFamily="34" charset="0"/>
+                <a:ea typeface="Calibri" panose="020F0502020204030204" pitchFamily="34" charset="0"/>
+                <a:cs typeface="Times New Roman" panose="02020603050405020304" pitchFamily="18" charset="0"/>
+              </a:rPr>
+              <a:t>Include the results summary and confusion matrix in your </a:t>
+            </a:r>
+            <a:r>
+              <a:rPr lang="en-US" dirty="0" smtClean="0">
+                <a:latin typeface="Calibri" panose="020F0502020204030204" pitchFamily="34" charset="0"/>
+                <a:ea typeface="Calibri" panose="020F0502020204030204" pitchFamily="34" charset="0"/>
+                <a:cs typeface="Times New Roman" panose="02020603050405020304" pitchFamily="18" charset="0"/>
+              </a:rPr>
+              <a:t>report</a:t>
+            </a:r>
+            <a:r>
+              <a:rPr lang="en-US" dirty="0">
+                <a:latin typeface="Calibri" panose="020F0502020204030204" pitchFamily="34" charset="0"/>
+                <a:ea typeface="Calibri" panose="020F0502020204030204" pitchFamily="34" charset="0"/>
+                <a:cs typeface="Times New Roman" panose="02020603050405020304" pitchFamily="18" charset="0"/>
+              </a:rPr>
+              <a:t>.</a:t>
+            </a:r>
+            <a:endParaRPr lang="en-US" dirty="0">
+              <a:latin typeface="Calibri" panose="020F0502020204030204" pitchFamily="34" charset="0"/>
+              <a:ea typeface="Calibri" panose="020F0502020204030204" pitchFamily="34" charset="0"/>
+              <a:cs typeface="Times New Roman" panose="02020603050405020304" pitchFamily="18" charset="0"/>
+            </a:endParaRPr>
           </a:p>
         </p:txBody>
       </p:sp>
     </p:spTree>
     <p:extLst>
       <p:ext uri="{BB962C8B-B14F-4D97-AF65-F5344CB8AC3E}">
-        <p14:creationId xmlns:p14="http://schemas.microsoft.com/office/powerpoint/2010/main" val="3050996387"/>
+        <p14:creationId xmlns:p14="http://schemas.microsoft.com/office/powerpoint/2010/main" val="2103545119"/>
       </p:ext>
     </p:extLst>
   </p:cSld>

--- a/534_ANN/assignments fall 2016.pptx
+++ b/534_ANN/assignments fall 2016.pptx
@@ -13,7 +13,7 @@
     <p:sldId id="259" r:id="rId4"/>
     <p:sldId id="260" r:id="rId5"/>
     <p:sldId id="262" r:id="rId6"/>
-    <p:sldId id="263" r:id="rId7"/>
+    <p:sldId id="264" r:id="rId7"/>
   </p:sldIdLst>
   <p:sldSz cx="12192000" cy="6858000"/>
   <p:notesSz cx="6858000" cy="9144000"/>
@@ -202,7 +202,7 @@
           <a:p>
             <a:fld id="{12E258BF-62B2-4ACA-82C2-31AD9C5FBADA}" type="datetimeFigureOut">
               <a:rPr lang="en-US" smtClean="0"/>
-              <a:t>10/21/2016</a:t>
+              <a:t>10/25/2016</a:t>
             </a:fld>
             <a:endParaRPr lang="en-US"/>
           </a:p>
@@ -601,7 +601,7 @@
           <a:p>
             <a:fld id="{4C9CA330-40D8-4D0D-94EB-671FCF1C0FE4}" type="datetimeFigureOut">
               <a:rPr lang="en-US" smtClean="0"/>
-              <a:t>10/21/2016</a:t>
+              <a:t>10/25/2016</a:t>
             </a:fld>
             <a:endParaRPr lang="en-US"/>
           </a:p>
@@ -771,7 +771,7 @@
           <a:p>
             <a:fld id="{4C9CA330-40D8-4D0D-94EB-671FCF1C0FE4}" type="datetimeFigureOut">
               <a:rPr lang="en-US" smtClean="0"/>
-              <a:t>10/21/2016</a:t>
+              <a:t>10/25/2016</a:t>
             </a:fld>
             <a:endParaRPr lang="en-US"/>
           </a:p>
@@ -951,7 +951,7 @@
           <a:p>
             <a:fld id="{4C9CA330-40D8-4D0D-94EB-671FCF1C0FE4}" type="datetimeFigureOut">
               <a:rPr lang="en-US" smtClean="0"/>
-              <a:t>10/21/2016</a:t>
+              <a:t>10/25/2016</a:t>
             </a:fld>
             <a:endParaRPr lang="en-US"/>
           </a:p>
@@ -1121,7 +1121,7 @@
           <a:p>
             <a:fld id="{4C9CA330-40D8-4D0D-94EB-671FCF1C0FE4}" type="datetimeFigureOut">
               <a:rPr lang="en-US" smtClean="0"/>
-              <a:t>10/21/2016</a:t>
+              <a:t>10/25/2016</a:t>
             </a:fld>
             <a:endParaRPr lang="en-US"/>
           </a:p>
@@ -1367,7 +1367,7 @@
           <a:p>
             <a:fld id="{4C9CA330-40D8-4D0D-94EB-671FCF1C0FE4}" type="datetimeFigureOut">
               <a:rPr lang="en-US" smtClean="0"/>
-              <a:t>10/21/2016</a:t>
+              <a:t>10/25/2016</a:t>
             </a:fld>
             <a:endParaRPr lang="en-US"/>
           </a:p>
@@ -1599,7 +1599,7 @@
           <a:p>
             <a:fld id="{4C9CA330-40D8-4D0D-94EB-671FCF1C0FE4}" type="datetimeFigureOut">
               <a:rPr lang="en-US" smtClean="0"/>
-              <a:t>10/21/2016</a:t>
+              <a:t>10/25/2016</a:t>
             </a:fld>
             <a:endParaRPr lang="en-US"/>
           </a:p>
@@ -1966,7 +1966,7 @@
           <a:p>
             <a:fld id="{4C9CA330-40D8-4D0D-94EB-671FCF1C0FE4}" type="datetimeFigureOut">
               <a:rPr lang="en-US" smtClean="0"/>
-              <a:t>10/21/2016</a:t>
+              <a:t>10/25/2016</a:t>
             </a:fld>
             <a:endParaRPr lang="en-US"/>
           </a:p>
@@ -2084,7 +2084,7 @@
           <a:p>
             <a:fld id="{4C9CA330-40D8-4D0D-94EB-671FCF1C0FE4}" type="datetimeFigureOut">
               <a:rPr lang="en-US" smtClean="0"/>
-              <a:t>10/21/2016</a:t>
+              <a:t>10/25/2016</a:t>
             </a:fld>
             <a:endParaRPr lang="en-US"/>
           </a:p>
@@ -2179,7 +2179,7 @@
           <a:p>
             <a:fld id="{4C9CA330-40D8-4D0D-94EB-671FCF1C0FE4}" type="datetimeFigureOut">
               <a:rPr lang="en-US" smtClean="0"/>
-              <a:t>10/21/2016</a:t>
+              <a:t>10/25/2016</a:t>
             </a:fld>
             <a:endParaRPr lang="en-US"/>
           </a:p>
@@ -2456,7 +2456,7 @@
           <a:p>
             <a:fld id="{4C9CA330-40D8-4D0D-94EB-671FCF1C0FE4}" type="datetimeFigureOut">
               <a:rPr lang="en-US" smtClean="0"/>
-              <a:t>10/21/2016</a:t>
+              <a:t>10/25/2016</a:t>
             </a:fld>
             <a:endParaRPr lang="en-US"/>
           </a:p>
@@ -2709,7 +2709,7 @@
           <a:p>
             <a:fld id="{4C9CA330-40D8-4D0D-94EB-671FCF1C0FE4}" type="datetimeFigureOut">
               <a:rPr lang="en-US" smtClean="0"/>
-              <a:t>10/21/2016</a:t>
+              <a:t>10/25/2016</a:t>
             </a:fld>
             <a:endParaRPr lang="en-US"/>
           </a:p>
@@ -2922,7 +2922,7 @@
           <a:p>
             <a:fld id="{4C9CA330-40D8-4D0D-94EB-671FCF1C0FE4}" type="datetimeFigureOut">
               <a:rPr lang="en-US" smtClean="0"/>
-              <a:t>10/21/2016</a:t>
+              <a:t>10/25/2016</a:t>
             </a:fld>
             <a:endParaRPr lang="en-US"/>
           </a:p>
@@ -4310,7 +4310,7 @@
           <a:graphicData uri="http://schemas.openxmlformats.org/presentationml/2006/ole">
             <mc:AlternateContent xmlns:mc="http://schemas.openxmlformats.org/markup-compatibility/2006">
               <mc:Choice xmlns:v="urn:schemas-microsoft-com:vml" Requires="v">
-                <p:oleObj spid="_x0000_s1034" name="Equation" r:id="rId3" imgW="1854000" imgH="469800" progId="Equation.3">
+                <p:oleObj spid="_x0000_s1036" name="Equation" r:id="rId3" imgW="1854000" imgH="469800" progId="Equation.3">
                   <p:embed/>
                 </p:oleObj>
               </mc:Choice>
@@ -4494,7 +4494,7 @@
           <a:graphicData uri="http://schemas.openxmlformats.org/presentationml/2006/ole">
             <mc:AlternateContent xmlns:mc="http://schemas.openxmlformats.org/markup-compatibility/2006">
               <mc:Choice xmlns:v="urn:schemas-microsoft-com:vml" Requires="v">
-                <p:oleObj spid="_x0000_s2078" name="Equation" r:id="rId3" imgW="1498320" imgH="444240" progId="Equation.3">
+                <p:oleObj spid="_x0000_s2086" name="Equation" r:id="rId3" imgW="1498320" imgH="444240" progId="Equation.3">
                   <p:embed/>
                 </p:oleObj>
               </mc:Choice>
@@ -4573,7 +4573,7 @@
           <a:graphicData uri="http://schemas.openxmlformats.org/presentationml/2006/ole">
             <mc:AlternateContent xmlns:mc="http://schemas.openxmlformats.org/markup-compatibility/2006">
               <mc:Choice xmlns:v="urn:schemas-microsoft-com:vml" Requires="v">
-                <p:oleObj spid="_x0000_s2079" name="Equation" r:id="rId5" imgW="1701720" imgH="393480" progId="Equation.3">
+                <p:oleObj spid="_x0000_s2087" name="Equation" r:id="rId5" imgW="1701720" imgH="393480" progId="Equation.3">
                   <p:embed/>
                 </p:oleObj>
               </mc:Choice>
@@ -4652,7 +4652,7 @@
           <a:graphicData uri="http://schemas.openxmlformats.org/presentationml/2006/ole">
             <mc:AlternateContent xmlns:mc="http://schemas.openxmlformats.org/markup-compatibility/2006">
               <mc:Choice xmlns:v="urn:schemas-microsoft-com:vml" Requires="v">
-                <p:oleObj spid="_x0000_s2080" name="Equation" r:id="rId7" imgW="1079280" imgH="228600" progId="Equation.3">
+                <p:oleObj spid="_x0000_s2088" name="Equation" r:id="rId7" imgW="1079280" imgH="228600" progId="Equation.3">
                   <p:embed/>
                 </p:oleObj>
               </mc:Choice>
@@ -4875,7 +4875,7 @@
           <a:graphicData uri="http://schemas.openxmlformats.org/presentationml/2006/ole">
             <mc:AlternateContent xmlns:mc="http://schemas.openxmlformats.org/markup-compatibility/2006">
               <mc:Choice xmlns:v="urn:schemas-microsoft-com:vml" Requires="v">
-                <p:oleObj spid="_x0000_s2081" name="Equation" r:id="rId9" imgW="838080" imgH="228600" progId="Equation.3">
+                <p:oleObj spid="_x0000_s2089" name="Equation" r:id="rId9" imgW="838080" imgH="228600" progId="Equation.3">
                   <p:embed/>
                 </p:oleObj>
               </mc:Choice>
@@ -6210,6 +6210,22 @@
           <a:lstStyle/>
           <a:p>
             <a:r>
+              <a:rPr lang="en-US" dirty="0">
+                <a:solidFill>
+                  <a:srgbClr val="000000"/>
+                </a:solidFill>
+                <a:latin typeface="Arial" panose="020B0604020202020204" pitchFamily="34" charset="0"/>
+                <a:ea typeface="Times New Roman" panose="02020603050405020304" pitchFamily="18" charset="0"/>
+              </a:rPr>
+              <a:t>Assignment 7 due 11-3-16</a:t>
+            </a:r>
+            <a:endParaRPr lang="en-US" sz="1600" dirty="0">
+              <a:latin typeface="Times New Roman" panose="02020603050405020304" pitchFamily="18" charset="0"/>
+              <a:ea typeface="Times New Roman" panose="02020603050405020304" pitchFamily="18" charset="0"/>
+            </a:endParaRPr>
+          </a:p>
+          <a:p>
+            <a:r>
               <a:rPr lang="en-US" sz="1600" dirty="0">
                 <a:solidFill>
                   <a:srgbClr val="000000"/>
@@ -6217,37 +6233,7 @@
                 <a:latin typeface="Arial" panose="020B0604020202020204" pitchFamily="34" charset="0"/>
                 <a:ea typeface="Times New Roman" panose="02020603050405020304" pitchFamily="18" charset="0"/>
               </a:rPr>
-              <a:t>Assignment </a:t>
-            </a:r>
-            <a:r>
-              <a:rPr lang="en-US" sz="1600" dirty="0">
-                <a:solidFill>
-                  <a:srgbClr val="000000"/>
-                </a:solidFill>
-                <a:latin typeface="Arial" panose="020B0604020202020204" pitchFamily="34" charset="0"/>
-                <a:ea typeface="Times New Roman" panose="02020603050405020304" pitchFamily="18" charset="0"/>
-              </a:rPr>
-              <a:t>7 </a:t>
-            </a:r>
-            <a:r>
-              <a:rPr lang="en-US" sz="1600" dirty="0">
-                <a:solidFill>
-                  <a:srgbClr val="000000"/>
-                </a:solidFill>
-                <a:latin typeface="Arial" panose="020B0604020202020204" pitchFamily="34" charset="0"/>
-                <a:ea typeface="Times New Roman" panose="02020603050405020304" pitchFamily="18" charset="0"/>
-              </a:rPr>
-              <a:t>due </a:t>
-            </a:r>
-            <a:r>
-              <a:rPr lang="en-US" sz="1600" dirty="0">
-                <a:solidFill>
-                  <a:srgbClr val="000000"/>
-                </a:solidFill>
-                <a:latin typeface="Arial" panose="020B0604020202020204" pitchFamily="34" charset="0"/>
-                <a:ea typeface="Times New Roman" panose="02020603050405020304" pitchFamily="18" charset="0"/>
-              </a:rPr>
-              <a:t>11-3-16</a:t>
+              <a:t> </a:t>
             </a:r>
             <a:endParaRPr lang="en-US" sz="1400" dirty="0">
               <a:latin typeface="Times New Roman" panose="02020603050405020304" pitchFamily="18" charset="0"/>
@@ -6256,14 +6242,25 @@
           </a:p>
           <a:p>
             <a:r>
-              <a:rPr lang="en-US" sz="1600" dirty="0">
-                <a:solidFill>
-                  <a:srgbClr val="000000"/>
-                </a:solidFill>
-                <a:latin typeface="Arial" panose="020B0604020202020204" pitchFamily="34" charset="0"/>
-                <a:ea typeface="Times New Roman" panose="02020603050405020304" pitchFamily="18" charset="0"/>
-              </a:rPr>
-              <a:t> </a:t>
+              <a:rPr lang="en-US" dirty="0">
+                <a:latin typeface="Arial" panose="020B0604020202020204" pitchFamily="34" charset="0"/>
+                <a:ea typeface="Times New Roman" panose="02020603050405020304" pitchFamily="18" charset="0"/>
+              </a:rPr>
+              <a:t>Generate an in silico dataset with 55 examples of y(x) = 1 + 9x</a:t>
+            </a:r>
+            <a:r>
+              <a:rPr lang="en-US" baseline="30000" dirty="0">
+                <a:latin typeface="Arial" panose="020B0604020202020204" pitchFamily="34" charset="0"/>
+                <a:ea typeface="Times New Roman" panose="02020603050405020304" pitchFamily="18" charset="0"/>
+              </a:rPr>
+              <a:t>2</a:t>
+            </a:r>
+            <a:r>
+              <a:rPr lang="en-US" dirty="0">
+                <a:latin typeface="Arial" panose="020B0604020202020204" pitchFamily="34" charset="0"/>
+                <a:ea typeface="Times New Roman" panose="02020603050405020304" pitchFamily="18" charset="0"/>
+              </a:rPr>
+              <a:t> + N(0,1) </a:t>
             </a:r>
             <a:endParaRPr lang="en-US" sz="1400" dirty="0">
               <a:latin typeface="Times New Roman" panose="02020603050405020304" pitchFamily="18" charset="0"/>
@@ -6276,56 +6273,7 @@
                 <a:latin typeface="Arial" panose="020B0604020202020204" pitchFamily="34" charset="0"/>
                 <a:ea typeface="Times New Roman" panose="02020603050405020304" pitchFamily="18" charset="0"/>
               </a:rPr>
-              <a:t>Generate an in </a:t>
-            </a:r>
-            <a:r>
-              <a:rPr lang="en-US" dirty="0">
-                <a:latin typeface="Arial" panose="020B0604020202020204" pitchFamily="34" charset="0"/>
-                <a:ea typeface="Times New Roman" panose="02020603050405020304" pitchFamily="18" charset="0"/>
-              </a:rPr>
-              <a:t>silico </a:t>
-            </a:r>
-            <a:r>
-              <a:rPr lang="en-US" dirty="0">
-                <a:latin typeface="Arial" panose="020B0604020202020204" pitchFamily="34" charset="0"/>
-                <a:ea typeface="Times New Roman" panose="02020603050405020304" pitchFamily="18" charset="0"/>
-              </a:rPr>
-              <a:t>dataset with 55 examples of y(x</a:t>
-            </a:r>
-            <a:r>
-              <a:rPr lang="en-US" dirty="0">
-                <a:latin typeface="Arial" panose="020B0604020202020204" pitchFamily="34" charset="0"/>
-                <a:ea typeface="Times New Roman" panose="02020603050405020304" pitchFamily="18" charset="0"/>
-              </a:rPr>
-              <a:t>) = 1 + 9x</a:t>
-            </a:r>
-            <a:r>
-              <a:rPr lang="en-US" baseline="30000" dirty="0">
-                <a:latin typeface="Arial" panose="020B0604020202020204" pitchFamily="34" charset="0"/>
-                <a:ea typeface="Times New Roman" panose="02020603050405020304" pitchFamily="18" charset="0"/>
-              </a:rPr>
-              <a:t>2</a:t>
-            </a:r>
-            <a:r>
-              <a:rPr lang="en-US" dirty="0">
-                <a:latin typeface="Arial" panose="020B0604020202020204" pitchFamily="34" charset="0"/>
-                <a:ea typeface="Times New Roman" panose="02020603050405020304" pitchFamily="18" charset="0"/>
-              </a:rPr>
-              <a:t> + N(0,1</a:t>
-            </a:r>
-            <a:r>
-              <a:rPr lang="en-US" dirty="0">
-                <a:latin typeface="Arial" panose="020B0604020202020204" pitchFamily="34" charset="0"/>
-                <a:ea typeface="Times New Roman" panose="02020603050405020304" pitchFamily="18" charset="0"/>
-              </a:rPr>
-              <a:t>)</a:t>
-            </a:r>
-            <a:r>
-              <a:rPr lang="en-US" dirty="0">
-                <a:latin typeface="Arial" panose="020B0604020202020204" pitchFamily="34" charset="0"/>
-                <a:ea typeface="Times New Roman" panose="02020603050405020304" pitchFamily="18" charset="0"/>
-              </a:rPr>
-              <a:t> </a:t>
+              <a:t>with randomly selected values of x between -1 and +1.</a:t>
             </a:r>
             <a:endParaRPr lang="en-US" sz="1400" dirty="0">
               <a:latin typeface="Times New Roman" panose="02020603050405020304" pitchFamily="18" charset="0"/>
@@ -6338,21 +6286,7 @@
                 <a:latin typeface="Arial" panose="020B0604020202020204" pitchFamily="34" charset="0"/>
                 <a:ea typeface="Times New Roman" panose="02020603050405020304" pitchFamily="18" charset="0"/>
               </a:rPr>
-              <a:t>w</a:t>
-            </a:r>
-            <a:r>
-              <a:rPr lang="en-US" dirty="0">
-                <a:latin typeface="Arial" panose="020B0604020202020204" pitchFamily="34" charset="0"/>
-                <a:ea typeface="Times New Roman" panose="02020603050405020304" pitchFamily="18" charset="0"/>
-              </a:rPr>
-              <a:t>ith randomly </a:t>
-            </a:r>
-            <a:r>
-              <a:rPr lang="en-US" dirty="0">
-                <a:latin typeface="Arial" panose="020B0604020202020204" pitchFamily="34" charset="0"/>
-                <a:ea typeface="Times New Roman" panose="02020603050405020304" pitchFamily="18" charset="0"/>
-              </a:rPr>
-              <a:t>selected values of x between -1 and +1.</a:t>
+              <a:t> </a:t>
             </a:r>
             <a:endParaRPr lang="en-US" sz="1400" dirty="0">
               <a:latin typeface="Times New Roman" panose="02020603050405020304" pitchFamily="18" charset="0"/>
@@ -6365,78 +6299,65 @@
                 <a:latin typeface="Arial" panose="020B0604020202020204" pitchFamily="34" charset="0"/>
                 <a:ea typeface="Times New Roman" panose="02020603050405020304" pitchFamily="18" charset="0"/>
               </a:rPr>
-              <a:t> </a:t>
+              <a:t>With training set of 5 samples, fit a 4</a:t>
+            </a:r>
+            <a:r>
+              <a:rPr lang="en-US" baseline="30000" dirty="0">
+                <a:latin typeface="Arial" panose="020B0604020202020204" pitchFamily="34" charset="0"/>
+                <a:ea typeface="Times New Roman" panose="02020603050405020304" pitchFamily="18" charset="0"/>
+              </a:rPr>
+              <a:t>th</a:t>
+            </a:r>
+            <a:r>
+              <a:rPr lang="en-US" dirty="0">
+                <a:latin typeface="Arial" panose="020B0604020202020204" pitchFamily="34" charset="0"/>
+                <a:ea typeface="Times New Roman" panose="02020603050405020304" pitchFamily="18" charset="0"/>
+              </a:rPr>
+              <a:t> degree polynomial to the data with and without regularization by choosing </a:t>
+            </a:r>
+            <a:r>
+              <a:rPr lang="en-US" dirty="0">
+                <a:latin typeface="Symbol" panose="05050102010706020507" pitchFamily="18" charset="2"/>
+                <a:ea typeface="Times New Roman" panose="02020603050405020304" pitchFamily="18" charset="0"/>
+                <a:cs typeface="Arial" panose="020B0604020202020204" pitchFamily="34" charset="0"/>
+              </a:rPr>
+              <a:t>l</a:t>
+            </a:r>
+            <a:r>
+              <a:rPr lang="en-US" dirty="0">
+                <a:latin typeface="Arial" panose="020B0604020202020204" pitchFamily="34" charset="0"/>
+                <a:ea typeface="Times New Roman" panose="02020603050405020304" pitchFamily="18" charset="0"/>
+              </a:rPr>
+              <a:t> = 0, 0.0001, 0.001, 0.01, 0.1, 1, and 10.  Plot E</a:t>
+            </a:r>
+            <a:r>
+              <a:rPr lang="en-US" baseline="-25000" dirty="0">
+                <a:latin typeface="Arial" panose="020B0604020202020204" pitchFamily="34" charset="0"/>
+                <a:ea typeface="Times New Roman" panose="02020603050405020304" pitchFamily="18" charset="0"/>
+              </a:rPr>
+              <a:t>in</a:t>
+            </a:r>
+            <a:r>
+              <a:rPr lang="en-US" dirty="0">
+                <a:latin typeface="Arial" panose="020B0604020202020204" pitchFamily="34" charset="0"/>
+                <a:ea typeface="Times New Roman" panose="02020603050405020304" pitchFamily="18" charset="0"/>
+              </a:rPr>
+              <a:t>.</a:t>
             </a:r>
             <a:endParaRPr lang="en-US" sz="1400" dirty="0">
-              <a:latin typeface="Times New Roman" panose="02020603050405020304" pitchFamily="18" charset="0"/>
-              <a:ea typeface="Times New Roman" panose="02020603050405020304" pitchFamily="18" charset="0"/>
-            </a:endParaRPr>
-          </a:p>
-          <a:p>
-            <a:r>
-              <a:rPr lang="en-US" dirty="0" smtClean="0">
-                <a:latin typeface="Arial" panose="020B0604020202020204" pitchFamily="34" charset="0"/>
-                <a:ea typeface="Times New Roman" panose="02020603050405020304" pitchFamily="18" charset="0"/>
-              </a:rPr>
-              <a:t>With training set of 5 samples, fit a 4</a:t>
-            </a:r>
-            <a:r>
-              <a:rPr lang="en-US" baseline="30000" dirty="0" smtClean="0">
-                <a:latin typeface="Arial" panose="020B0604020202020204" pitchFamily="34" charset="0"/>
-                <a:ea typeface="Times New Roman" panose="02020603050405020304" pitchFamily="18" charset="0"/>
-              </a:rPr>
-              <a:t>th</a:t>
-            </a:r>
-            <a:r>
-              <a:rPr lang="en-US" dirty="0" smtClean="0">
-                <a:latin typeface="Arial" panose="020B0604020202020204" pitchFamily="34" charset="0"/>
-                <a:ea typeface="Times New Roman" panose="02020603050405020304" pitchFamily="18" charset="0"/>
-              </a:rPr>
-              <a:t> degree polynomial to the data with and without regularization by choosing </a:t>
-            </a:r>
-            <a:r>
-              <a:rPr lang="en-US" dirty="0" smtClean="0">
-                <a:latin typeface="Symbol" panose="05050102010706020507" pitchFamily="18" charset="2"/>
-                <a:ea typeface="Times New Roman" panose="02020603050405020304" pitchFamily="18" charset="0"/>
-                <a:cs typeface="Arial" panose="020B0604020202020204" pitchFamily="34" charset="0"/>
-              </a:rPr>
-              <a:t>l</a:t>
-            </a:r>
-            <a:r>
-              <a:rPr lang="en-US" dirty="0" smtClean="0">
-                <a:latin typeface="Arial" panose="020B0604020202020204" pitchFamily="34" charset="0"/>
-                <a:ea typeface="Times New Roman" panose="02020603050405020304" pitchFamily="18" charset="0"/>
-              </a:rPr>
-              <a:t> = 0, 0.0001, 0.001, 0.01, 0.1, 1, and 10.  Display E</a:t>
-            </a:r>
-            <a:r>
-              <a:rPr lang="en-US" baseline="-25000" dirty="0" smtClean="0">
-                <a:latin typeface="Arial" panose="020B0604020202020204" pitchFamily="34" charset="0"/>
-                <a:ea typeface="Times New Roman" panose="02020603050405020304" pitchFamily="18" charset="0"/>
-              </a:rPr>
-              <a:t>in</a:t>
-            </a:r>
-            <a:r>
-              <a:rPr lang="en-US" dirty="0" smtClean="0">
-                <a:latin typeface="Arial" panose="020B0604020202020204" pitchFamily="34" charset="0"/>
-                <a:ea typeface="Times New Roman" panose="02020603050405020304" pitchFamily="18" charset="0"/>
-              </a:rPr>
-              <a:t>. Is it always near zero?</a:t>
-            </a:r>
-            <a:endParaRPr lang="en-US" sz="1400" dirty="0" smtClean="0">
               <a:latin typeface="Symbol" panose="05050102010706020507" pitchFamily="18" charset="2"/>
               <a:ea typeface="Times New Roman" panose="02020603050405020304" pitchFamily="18" charset="0"/>
             </a:endParaRPr>
           </a:p>
           <a:p>
             <a:r>
-              <a:rPr lang="en-US" dirty="0" smtClean="0">
+              <a:rPr lang="en-US" dirty="0">
                 <a:latin typeface="Arial" panose="020B0604020202020204" pitchFamily="34" charset="0"/>
                 <a:ea typeface="Times New Roman" panose="02020603050405020304" pitchFamily="18" charset="0"/>
               </a:rPr>
               <a:t> </a:t>
             </a:r>
-            <a:endParaRPr lang="en-US" sz="1400" dirty="0" smtClean="0">
+            <a:endParaRPr lang="en-US" sz="1400" dirty="0">
               <a:latin typeface="Times New Roman" panose="02020603050405020304" pitchFamily="18" charset="0"/>
               <a:ea typeface="Times New Roman" panose="02020603050405020304" pitchFamily="18" charset="0"/>
             </a:endParaRPr>
@@ -6448,88 +6369,53 @@
               </a:tabLst>
             </a:pPr>
             <a:r>
-              <a:rPr lang="en-US" dirty="0" smtClean="0">
-                <a:latin typeface="Arial" panose="020B0604020202020204" pitchFamily="34" charset="0"/>
-                <a:ea typeface="Times New Roman" panose="02020603050405020304" pitchFamily="18" charset="0"/>
-              </a:rPr>
-              <a:t>Use </a:t>
-            </a:r>
-            <a:r>
               <a:rPr lang="en-US" dirty="0">
                 <a:latin typeface="Arial" panose="020B0604020202020204" pitchFamily="34" charset="0"/>
                 <a:ea typeface="Times New Roman" panose="02020603050405020304" pitchFamily="18" charset="0"/>
               </a:rPr>
-              <a:t>the remaining 50 examples as a validation </a:t>
-            </a:r>
-            <a:r>
-              <a:rPr lang="en-US" dirty="0">
-                <a:latin typeface="Arial" panose="020B0604020202020204" pitchFamily="34" charset="0"/>
-                <a:ea typeface="Times New Roman" panose="02020603050405020304" pitchFamily="18" charset="0"/>
-              </a:rPr>
-              <a:t>set. </a:t>
-            </a:r>
-            <a:r>
-              <a:rPr lang="en-US" dirty="0">
-                <a:latin typeface="Arial" panose="020B0604020202020204" pitchFamily="34" charset="0"/>
-                <a:ea typeface="Times New Roman" panose="02020603050405020304" pitchFamily="18" charset="0"/>
-              </a:rPr>
-              <a:t>Plot </a:t>
-            </a:r>
-            <a:r>
-              <a:rPr lang="en-US" dirty="0" err="1">
-                <a:latin typeface="Arial" panose="020B0604020202020204" pitchFamily="34" charset="0"/>
-                <a:ea typeface="Times New Roman" panose="02020603050405020304" pitchFamily="18" charset="0"/>
-              </a:rPr>
-              <a:t>E</a:t>
-            </a:r>
-            <a:r>
-              <a:rPr lang="en-US" baseline="-25000" dirty="0" err="1">
+              <a:t>Use the remaining 50 examples as a validation set. Plot E</a:t>
+            </a:r>
+            <a:r>
+              <a:rPr lang="en-US" baseline="-25000" dirty="0">
                 <a:latin typeface="Arial" panose="020B0604020202020204" pitchFamily="34" charset="0"/>
                 <a:ea typeface="Times New Roman" panose="02020603050405020304" pitchFamily="18" charset="0"/>
               </a:rPr>
               <a:t>val</a:t>
-            </a:r>
-            <a:r>
-              <a:rPr lang="en-US" dirty="0">
-                <a:latin typeface="Arial" panose="020B0604020202020204" pitchFamily="34" charset="0"/>
-                <a:ea typeface="Times New Roman" panose="02020603050405020304" pitchFamily="18" charset="0"/>
-              </a:rPr>
-              <a:t> </a:t>
-            </a:r>
-            <a:r>
-              <a:rPr lang="en-US" dirty="0">
-                <a:latin typeface="Arial" panose="020B0604020202020204" pitchFamily="34" charset="0"/>
-                <a:ea typeface="Times New Roman" panose="02020603050405020304" pitchFamily="18" charset="0"/>
-              </a:rPr>
-              <a:t>vs </a:t>
-            </a:r>
-            <a:r>
-              <a:rPr lang="en-US" dirty="0">
-                <a:latin typeface="Arial" panose="020B0604020202020204" pitchFamily="34" charset="0"/>
-                <a:ea typeface="Times New Roman" panose="02020603050405020304" pitchFamily="18" charset="0"/>
-              </a:rPr>
-              <a:t>log</a:t>
-            </a:r>
-            <a:r>
-              <a:rPr lang="en-US" baseline="-25000" dirty="0">
-                <a:latin typeface="Arial" panose="020B0604020202020204" pitchFamily="34" charset="0"/>
-                <a:ea typeface="Times New Roman" panose="02020603050405020304" pitchFamily="18" charset="0"/>
-              </a:rPr>
-              <a:t>10</a:t>
             </a:r>
             <a:r>
               <a:rPr lang="en-US" dirty="0">
                 <a:latin typeface="Symbol" panose="05050102010706020507" pitchFamily="18" charset="2"/>
                 <a:ea typeface="Times New Roman" panose="02020603050405020304" pitchFamily="18" charset="0"/>
               </a:rPr>
-              <a:t>l. </a:t>
+              <a:t>. </a:t>
+            </a:r>
+            <a:r>
+              <a:rPr lang="en-US" dirty="0" smtClean="0">
+                <a:ea typeface="Times New Roman" panose="02020603050405020304" pitchFamily="18" charset="0"/>
+              </a:rPr>
+              <a:t> </a:t>
+            </a:r>
+            <a:r>
+              <a:rPr lang="en-US" dirty="0" smtClean="0">
+                <a:latin typeface="Arial" panose="020B0604020202020204" pitchFamily="34" charset="0"/>
+                <a:ea typeface="Times New Roman" panose="02020603050405020304" pitchFamily="18" charset="0"/>
+                <a:cs typeface="Arial" panose="020B0604020202020204" pitchFamily="34" charset="0"/>
+              </a:rPr>
+              <a:t>Does the plot have an “elbow”?  </a:t>
+            </a:r>
+            <a:r>
+              <a:rPr lang="en-US" dirty="0" smtClean="0">
+                <a:latin typeface="Arial" panose="020B0604020202020204" pitchFamily="34" charset="0"/>
+                <a:ea typeface="Times New Roman" panose="02020603050405020304" pitchFamily="18" charset="0"/>
+              </a:rPr>
+              <a:t>If not, what </a:t>
             </a:r>
             <a:r>
               <a:rPr lang="en-US" dirty="0">
                 <a:latin typeface="Arial" panose="020B0604020202020204" pitchFamily="34" charset="0"/>
                 <a:ea typeface="Times New Roman" panose="02020603050405020304" pitchFamily="18" charset="0"/>
               </a:rPr>
-              <a:t>Estimate the best value of </a:t>
+              <a:t>value of </a:t>
             </a:r>
             <a:r>
               <a:rPr lang="en-US" dirty="0">
@@ -6543,7 +6429,21 @@
                 <a:latin typeface="Arial" panose="020B0604020202020204" pitchFamily="34" charset="0"/>
                 <a:ea typeface="Times New Roman" panose="02020603050405020304" pitchFamily="18" charset="0"/>
               </a:rPr>
-              <a:t> from the plot. </a:t>
+              <a:t> gives the smallest E</a:t>
+            </a:r>
+            <a:r>
+              <a:rPr lang="en-US" baseline="-25000" dirty="0">
+                <a:latin typeface="Arial" panose="020B0604020202020204" pitchFamily="34" charset="0"/>
+                <a:ea typeface="Times New Roman" panose="02020603050405020304" pitchFamily="18" charset="0"/>
+              </a:rPr>
+              <a:t>val</a:t>
+            </a:r>
+            <a:r>
+              <a:rPr lang="en-US" dirty="0">
+                <a:latin typeface="Arial" panose="020B0604020202020204" pitchFamily="34" charset="0"/>
+                <a:ea typeface="Times New Roman" panose="02020603050405020304" pitchFamily="18" charset="0"/>
+              </a:rPr>
+              <a:t>? </a:t>
             </a:r>
           </a:p>
           <a:p>
@@ -6571,25 +6471,39 @@
               <a:t>Run your code 5 times.  Does the best </a:t>
             </a:r>
             <a:r>
+              <a:rPr lang="en-US" dirty="0" smtClean="0">
+                <a:latin typeface="Arial" panose="020B0604020202020204" pitchFamily="34" charset="0"/>
+                <a:ea typeface="Times New Roman" panose="02020603050405020304" pitchFamily="18" charset="0"/>
+              </a:rPr>
+              <a:t>choice of </a:t>
+            </a:r>
+            <a:r>
+              <a:rPr lang="en-US" dirty="0" smtClean="0">
+                <a:latin typeface="Symbol" panose="05050102010706020507" pitchFamily="18" charset="2"/>
+                <a:ea typeface="Times New Roman" panose="02020603050405020304" pitchFamily="18" charset="0"/>
+              </a:rPr>
+              <a:t>l</a:t>
+            </a:r>
+            <a:r>
+              <a:rPr lang="en-US" dirty="0" smtClean="0">
+                <a:latin typeface="Arial" panose="020B0604020202020204" pitchFamily="34" charset="0"/>
+                <a:ea typeface="Times New Roman" panose="02020603050405020304" pitchFamily="18" charset="0"/>
+              </a:rPr>
+              <a:t> </a:t>
+            </a:r>
+            <a:r>
               <a:rPr lang="en-US" dirty="0">
-                <a:latin typeface="Symbol" panose="05050102010706020507" pitchFamily="18" charset="2"/>
-                <a:ea typeface="Times New Roman" panose="02020603050405020304" pitchFamily="18" charset="0"/>
-              </a:rPr>
-              <a:t>l</a:t>
-            </a:r>
-            <a:r>
-              <a:rPr lang="en-US" dirty="0">
-                <a:latin typeface="Arial" panose="020B0604020202020204" pitchFamily="34" charset="0"/>
-                <a:ea typeface="Times New Roman" panose="02020603050405020304" pitchFamily="18" charset="0"/>
-              </a:rPr>
-              <a:t> change dramatically from run to run?</a:t>
-            </a:r>
-            <a:r>
-              <a:rPr lang="en-US" dirty="0">
-                <a:latin typeface="Arial" panose="020B0604020202020204" pitchFamily="34" charset="0"/>
-                <a:ea typeface="Times New Roman" panose="02020603050405020304" pitchFamily="18" charset="0"/>
-              </a:rPr>
-              <a:t>	</a:t>
+                <a:latin typeface="Arial" panose="020B0604020202020204" pitchFamily="34" charset="0"/>
+                <a:ea typeface="Times New Roman" panose="02020603050405020304" pitchFamily="18" charset="0"/>
+              </a:rPr>
+              <a:t>change from run to run</a:t>
+            </a:r>
+            <a:r>
+              <a:rPr lang="en-US" dirty="0" smtClean="0">
+                <a:latin typeface="Arial" panose="020B0604020202020204" pitchFamily="34" charset="0"/>
+                <a:ea typeface="Times New Roman" panose="02020603050405020304" pitchFamily="18" charset="0"/>
+              </a:rPr>
+              <a:t>?</a:t>
             </a:r>
             <a:endParaRPr lang="en-US" sz="1400" dirty="0">
               <a:latin typeface="Times New Roman" panose="02020603050405020304" pitchFamily="18" charset="0"/>
@@ -6601,7 +6515,7 @@
     </p:spTree>
     <p:extLst>
       <p:ext uri="{BB962C8B-B14F-4D97-AF65-F5344CB8AC3E}">
-        <p14:creationId xmlns:p14="http://schemas.microsoft.com/office/powerpoint/2010/main" val="687441433"/>
+        <p14:creationId xmlns:p14="http://schemas.microsoft.com/office/powerpoint/2010/main" val="1320015251"/>
       </p:ext>
     </p:extLst>
   </p:cSld>

--- a/534_ANN/assignments fall 2016.pptx
+++ b/534_ANN/assignments fall 2016.pptx
@@ -5,15 +5,19 @@
     <p:sldMasterId id="2147483648" r:id="rId1"/>
   </p:sldMasterIdLst>
   <p:notesMasterIdLst>
-    <p:notesMasterId r:id="rId8"/>
+    <p:notesMasterId r:id="rId12"/>
   </p:notesMasterIdLst>
   <p:sldIdLst>
     <p:sldId id="257" r:id="rId2"/>
     <p:sldId id="258" r:id="rId3"/>
     <p:sldId id="259" r:id="rId4"/>
     <p:sldId id="260" r:id="rId5"/>
-    <p:sldId id="262" r:id="rId6"/>
-    <p:sldId id="264" r:id="rId7"/>
+    <p:sldId id="261" r:id="rId6"/>
+    <p:sldId id="262" r:id="rId7"/>
+    <p:sldId id="264" r:id="rId8"/>
+    <p:sldId id="263" r:id="rId9"/>
+    <p:sldId id="265" r:id="rId10"/>
+    <p:sldId id="266" r:id="rId11"/>
   </p:sldIdLst>
   <p:sldSz cx="12192000" cy="6858000"/>
   <p:notesSz cx="6858000" cy="9144000"/>
@@ -202,7 +206,7 @@
           <a:p>
             <a:fld id="{12E258BF-62B2-4ACA-82C2-31AD9C5FBADA}" type="datetimeFigureOut">
               <a:rPr lang="en-US" smtClean="0"/>
-              <a:t>10/25/2016</a:t>
+              <a:t>11/4/2016</a:t>
             </a:fld>
             <a:endParaRPr lang="en-US"/>
           </a:p>
@@ -601,7 +605,7 @@
           <a:p>
             <a:fld id="{4C9CA330-40D8-4D0D-94EB-671FCF1C0FE4}" type="datetimeFigureOut">
               <a:rPr lang="en-US" smtClean="0"/>
-              <a:t>10/25/2016</a:t>
+              <a:t>11/4/2016</a:t>
             </a:fld>
             <a:endParaRPr lang="en-US"/>
           </a:p>
@@ -771,7 +775,7 @@
           <a:p>
             <a:fld id="{4C9CA330-40D8-4D0D-94EB-671FCF1C0FE4}" type="datetimeFigureOut">
               <a:rPr lang="en-US" smtClean="0"/>
-              <a:t>10/25/2016</a:t>
+              <a:t>11/4/2016</a:t>
             </a:fld>
             <a:endParaRPr lang="en-US"/>
           </a:p>
@@ -951,7 +955,7 @@
           <a:p>
             <a:fld id="{4C9CA330-40D8-4D0D-94EB-671FCF1C0FE4}" type="datetimeFigureOut">
               <a:rPr lang="en-US" smtClean="0"/>
-              <a:t>10/25/2016</a:t>
+              <a:t>11/4/2016</a:t>
             </a:fld>
             <a:endParaRPr lang="en-US"/>
           </a:p>
@@ -1121,7 +1125,7 @@
           <a:p>
             <a:fld id="{4C9CA330-40D8-4D0D-94EB-671FCF1C0FE4}" type="datetimeFigureOut">
               <a:rPr lang="en-US" smtClean="0"/>
-              <a:t>10/25/2016</a:t>
+              <a:t>11/4/2016</a:t>
             </a:fld>
             <a:endParaRPr lang="en-US"/>
           </a:p>
@@ -1367,7 +1371,7 @@
           <a:p>
             <a:fld id="{4C9CA330-40D8-4D0D-94EB-671FCF1C0FE4}" type="datetimeFigureOut">
               <a:rPr lang="en-US" smtClean="0"/>
-              <a:t>10/25/2016</a:t>
+              <a:t>11/4/2016</a:t>
             </a:fld>
             <a:endParaRPr lang="en-US"/>
           </a:p>
@@ -1599,7 +1603,7 @@
           <a:p>
             <a:fld id="{4C9CA330-40D8-4D0D-94EB-671FCF1C0FE4}" type="datetimeFigureOut">
               <a:rPr lang="en-US" smtClean="0"/>
-              <a:t>10/25/2016</a:t>
+              <a:t>11/4/2016</a:t>
             </a:fld>
             <a:endParaRPr lang="en-US"/>
           </a:p>
@@ -1966,7 +1970,7 @@
           <a:p>
             <a:fld id="{4C9CA330-40D8-4D0D-94EB-671FCF1C0FE4}" type="datetimeFigureOut">
               <a:rPr lang="en-US" smtClean="0"/>
-              <a:t>10/25/2016</a:t>
+              <a:t>11/4/2016</a:t>
             </a:fld>
             <a:endParaRPr lang="en-US"/>
           </a:p>
@@ -2084,7 +2088,7 @@
           <a:p>
             <a:fld id="{4C9CA330-40D8-4D0D-94EB-671FCF1C0FE4}" type="datetimeFigureOut">
               <a:rPr lang="en-US" smtClean="0"/>
-              <a:t>10/25/2016</a:t>
+              <a:t>11/4/2016</a:t>
             </a:fld>
             <a:endParaRPr lang="en-US"/>
           </a:p>
@@ -2179,7 +2183,7 @@
           <a:p>
             <a:fld id="{4C9CA330-40D8-4D0D-94EB-671FCF1C0FE4}" type="datetimeFigureOut">
               <a:rPr lang="en-US" smtClean="0"/>
-              <a:t>10/25/2016</a:t>
+              <a:t>11/4/2016</a:t>
             </a:fld>
             <a:endParaRPr lang="en-US"/>
           </a:p>
@@ -2456,7 +2460,7 @@
           <a:p>
             <a:fld id="{4C9CA330-40D8-4D0D-94EB-671FCF1C0FE4}" type="datetimeFigureOut">
               <a:rPr lang="en-US" smtClean="0"/>
-              <a:t>10/25/2016</a:t>
+              <a:t>11/4/2016</a:t>
             </a:fld>
             <a:endParaRPr lang="en-US"/>
           </a:p>
@@ -2709,7 +2713,7 @@
           <a:p>
             <a:fld id="{4C9CA330-40D8-4D0D-94EB-671FCF1C0FE4}" type="datetimeFigureOut">
               <a:rPr lang="en-US" smtClean="0"/>
-              <a:t>10/25/2016</a:t>
+              <a:t>11/4/2016</a:t>
             </a:fld>
             <a:endParaRPr lang="en-US"/>
           </a:p>
@@ -2922,7 +2926,7 @@
           <a:p>
             <a:fld id="{4C9CA330-40D8-4D0D-94EB-671FCF1C0FE4}" type="datetimeFigureOut">
               <a:rPr lang="en-US" smtClean="0"/>
-              <a:t>10/25/2016</a:t>
+              <a:t>11/4/2016</a:t>
             </a:fld>
             <a:endParaRPr lang="en-US"/>
           </a:p>
@@ -3612,6 +3616,441 @@
 </p:sld>
 </file>
 
+<file path=ppt/slides/slide10.xml><?xml version="1.0" encoding="utf-8"?>
+<p:sld xmlns:a="http://schemas.openxmlformats.org/drawingml/2006/main" xmlns:r="http://schemas.openxmlformats.org/officeDocument/2006/relationships" xmlns:p="http://schemas.openxmlformats.org/presentationml/2006/main">
+  <p:cSld>
+    <p:spTree>
+      <p:nvGrpSpPr>
+        <p:cNvPr id="1" name=""/>
+        <p:cNvGrpSpPr/>
+        <p:nvPr/>
+      </p:nvGrpSpPr>
+      <p:grpSpPr>
+        <a:xfrm>
+          <a:off x="0" y="0"/>
+          <a:ext cx="0" cy="0"/>
+          <a:chOff x="0" y="0"/>
+          <a:chExt cx="0" cy="0"/>
+        </a:xfrm>
+      </p:grpSpPr>
+      <p:sp>
+        <p:nvSpPr>
+          <p:cNvPr id="43010" name="Text Box 2"/>
+          <p:cNvSpPr txBox="1">
+            <a:spLocks noChangeArrowheads="1"/>
+          </p:cNvSpPr>
+          <p:nvPr/>
+        </p:nvSpPr>
+        <p:spPr bwMode="auto">
+          <a:xfrm>
+            <a:off x="395586" y="533400"/>
+            <a:ext cx="9397124" cy="3847207"/>
+          </a:xfrm>
+          <a:prstGeom prst="rect">
+            <a:avLst/>
+          </a:prstGeom>
+          <a:noFill/>
+          <a:ln>
+            <a:noFill/>
+          </a:ln>
+          <a:effectLst/>
+          <a:extLst>
+            <a:ext uri="{909E8E84-426E-40DD-AFC4-6F175D3DCCD1}">
+              <a14:hiddenFill xmlns:a14="http://schemas.microsoft.com/office/drawing/2010/main">
+                <a:solidFill>
+                  <a:schemeClr val="accent1"/>
+                </a:solidFill>
+              </a14:hiddenFill>
+            </a:ext>
+            <a:ext uri="{91240B29-F687-4F45-9708-019B960494DF}">
+              <a14:hiddenLine xmlns:a14="http://schemas.microsoft.com/office/drawing/2010/main" w="9525">
+                <a:solidFill>
+                  <a:schemeClr val="tx1"/>
+                </a:solidFill>
+                <a:miter lim="800000"/>
+                <a:headEnd/>
+                <a:tailEnd/>
+              </a14:hiddenLine>
+            </a:ext>
+            <a:ext uri="{AF507438-7753-43E0-B8FC-AC1667EBCBE1}">
+              <a14:hiddenEffects xmlns:a14="http://schemas.microsoft.com/office/drawing/2010/main">
+                <a:effectLst>
+                  <a:outerShdw dist="35921" dir="2700000" algn="ctr" rotWithShape="0">
+                    <a:schemeClr val="bg2"/>
+                  </a:outerShdw>
+                </a:effectLst>
+              </a14:hiddenEffects>
+            </a:ext>
+          </a:extLst>
+        </p:spPr>
+        <p:txBody>
+          <a:bodyPr wrap="none">
+            <a:spAutoFit/>
+          </a:bodyPr>
+          <a:lstStyle>
+            <a:lvl1pPr>
+              <a:spcBef>
+                <a:spcPct val="20000"/>
+              </a:spcBef>
+              <a:buChar char="•"/>
+              <a:defRPr sz="3200">
+                <a:solidFill>
+                  <a:schemeClr val="tx1"/>
+                </a:solidFill>
+                <a:latin typeface="Arial" panose="020B0604020202020204" pitchFamily="34" charset="0"/>
+              </a:defRPr>
+            </a:lvl1pPr>
+            <a:lvl2pPr marL="742950" indent="-285750">
+              <a:spcBef>
+                <a:spcPct val="20000"/>
+              </a:spcBef>
+              <a:buChar char="–"/>
+              <a:defRPr sz="2800">
+                <a:solidFill>
+                  <a:schemeClr val="tx1"/>
+                </a:solidFill>
+                <a:latin typeface="Arial" panose="020B0604020202020204" pitchFamily="34" charset="0"/>
+              </a:defRPr>
+            </a:lvl2pPr>
+            <a:lvl3pPr marL="1143000" indent="-228600">
+              <a:spcBef>
+                <a:spcPct val="20000"/>
+              </a:spcBef>
+              <a:buChar char="•"/>
+              <a:defRPr sz="2400">
+                <a:solidFill>
+                  <a:schemeClr val="tx1"/>
+                </a:solidFill>
+                <a:latin typeface="Arial" panose="020B0604020202020204" pitchFamily="34" charset="0"/>
+              </a:defRPr>
+            </a:lvl3pPr>
+            <a:lvl4pPr marL="1600200" indent="-228600">
+              <a:spcBef>
+                <a:spcPct val="20000"/>
+              </a:spcBef>
+              <a:buChar char="–"/>
+              <a:defRPr sz="2000">
+                <a:solidFill>
+                  <a:schemeClr val="tx1"/>
+                </a:solidFill>
+                <a:latin typeface="Arial" panose="020B0604020202020204" pitchFamily="34" charset="0"/>
+              </a:defRPr>
+            </a:lvl4pPr>
+            <a:lvl5pPr marL="2057400" indent="-228600">
+              <a:spcBef>
+                <a:spcPct val="20000"/>
+              </a:spcBef>
+              <a:buChar char="»"/>
+              <a:defRPr sz="2000">
+                <a:solidFill>
+                  <a:schemeClr val="tx1"/>
+                </a:solidFill>
+                <a:latin typeface="Arial" panose="020B0604020202020204" pitchFamily="34" charset="0"/>
+              </a:defRPr>
+            </a:lvl5pPr>
+            <a:lvl6pPr marL="2514600" indent="-228600" eaLnBrk="0" fontAlgn="base" hangingPunct="0">
+              <a:spcBef>
+                <a:spcPct val="20000"/>
+              </a:spcBef>
+              <a:spcAft>
+                <a:spcPct val="0"/>
+              </a:spcAft>
+              <a:buChar char="»"/>
+              <a:defRPr sz="2000">
+                <a:solidFill>
+                  <a:schemeClr val="tx1"/>
+                </a:solidFill>
+                <a:latin typeface="Arial" panose="020B0604020202020204" pitchFamily="34" charset="0"/>
+              </a:defRPr>
+            </a:lvl6pPr>
+            <a:lvl7pPr marL="2971800" indent="-228600" eaLnBrk="0" fontAlgn="base" hangingPunct="0">
+              <a:spcBef>
+                <a:spcPct val="20000"/>
+              </a:spcBef>
+              <a:spcAft>
+                <a:spcPct val="0"/>
+              </a:spcAft>
+              <a:buChar char="»"/>
+              <a:defRPr sz="2000">
+                <a:solidFill>
+                  <a:schemeClr val="tx1"/>
+                </a:solidFill>
+                <a:latin typeface="Arial" panose="020B0604020202020204" pitchFamily="34" charset="0"/>
+              </a:defRPr>
+            </a:lvl7pPr>
+            <a:lvl8pPr marL="3429000" indent="-228600" eaLnBrk="0" fontAlgn="base" hangingPunct="0">
+              <a:spcBef>
+                <a:spcPct val="20000"/>
+              </a:spcBef>
+              <a:spcAft>
+                <a:spcPct val="0"/>
+              </a:spcAft>
+              <a:buChar char="»"/>
+              <a:defRPr sz="2000">
+                <a:solidFill>
+                  <a:schemeClr val="tx1"/>
+                </a:solidFill>
+                <a:latin typeface="Arial" panose="020B0604020202020204" pitchFamily="34" charset="0"/>
+              </a:defRPr>
+            </a:lvl8pPr>
+            <a:lvl9pPr marL="3886200" indent="-228600" eaLnBrk="0" fontAlgn="base" hangingPunct="0">
+              <a:spcBef>
+                <a:spcPct val="20000"/>
+              </a:spcBef>
+              <a:spcAft>
+                <a:spcPct val="0"/>
+              </a:spcAft>
+              <a:buChar char="»"/>
+              <a:defRPr sz="2000">
+                <a:solidFill>
+                  <a:schemeClr val="tx1"/>
+                </a:solidFill>
+                <a:latin typeface="Arial" panose="020B0604020202020204" pitchFamily="34" charset="0"/>
+              </a:defRPr>
+            </a:lvl9pPr>
+          </a:lstStyle>
+          <a:p>
+            <a:pPr eaLnBrk="1" hangingPunct="1">
+              <a:spcBef>
+                <a:spcPct val="0"/>
+              </a:spcBef>
+              <a:buFontTx/>
+              <a:buNone/>
+            </a:pPr>
+            <a:r>
+              <a:rPr lang="en-US" altLang="en-US" sz="2800" dirty="0"/>
+              <a:t>Assignment </a:t>
+            </a:r>
+            <a:r>
+              <a:rPr lang="en-US" altLang="en-US" sz="2800" dirty="0" smtClean="0"/>
+              <a:t>9 </a:t>
+            </a:r>
+            <a:r>
+              <a:rPr lang="en-US" altLang="en-US" sz="2800" dirty="0"/>
+              <a:t>due </a:t>
+            </a:r>
+            <a:r>
+              <a:rPr lang="en-US" altLang="en-US" sz="2800" dirty="0" smtClean="0"/>
+              <a:t>11-10-16</a:t>
+            </a:r>
+            <a:endParaRPr lang="en-US" altLang="en-US" sz="2800" dirty="0"/>
+          </a:p>
+          <a:p>
+            <a:pPr>
+              <a:buNone/>
+            </a:pPr>
+            <a:r>
+              <a:rPr lang="en-US" altLang="en-US" sz="2000" dirty="0" smtClean="0"/>
+              <a:t>PCA of beer-bottle glass from breweries 1 and 6</a:t>
+            </a:r>
+          </a:p>
+          <a:p>
+            <a:pPr>
+              <a:buNone/>
+            </a:pPr>
+            <a:r>
+              <a:rPr lang="en-US" altLang="en-US" sz="2000" dirty="0" smtClean="0">
+                <a:cs typeface="Arial" panose="020B0604020202020204" pitchFamily="34" charset="0"/>
+              </a:rPr>
+              <a:t>Data set </a:t>
+            </a:r>
+            <a:r>
+              <a:rPr lang="en-US" altLang="en-US" sz="2000" dirty="0">
+                <a:cs typeface="Arial" panose="020B0604020202020204" pitchFamily="34" charset="0"/>
+              </a:rPr>
+              <a:t>(on class website) </a:t>
+            </a:r>
+            <a:r>
+              <a:rPr lang="en-US" altLang="en-US" sz="2000" dirty="0" smtClean="0">
+                <a:cs typeface="Arial" panose="020B0604020202020204" pitchFamily="34" charset="0"/>
+              </a:rPr>
+              <a:t>contains </a:t>
+            </a:r>
+            <a:r>
+              <a:rPr lang="en-US" altLang="en-US" sz="2000" dirty="0">
+                <a:cs typeface="Arial" panose="020B0604020202020204" pitchFamily="34" charset="0"/>
+              </a:rPr>
+              <a:t>214 samples of bottle </a:t>
+            </a:r>
+            <a:r>
+              <a:rPr lang="en-US" altLang="en-US" sz="2000" dirty="0" smtClean="0">
+                <a:cs typeface="Arial" panose="020B0604020202020204" pitchFamily="34" charset="0"/>
+              </a:rPr>
+              <a:t>glass with 9 attributes.</a:t>
+            </a:r>
+            <a:endParaRPr lang="en-US" altLang="en-US" sz="2000" dirty="0">
+              <a:cs typeface="Arial" panose="020B0604020202020204" pitchFamily="34" charset="0"/>
+            </a:endParaRPr>
+          </a:p>
+          <a:p>
+            <a:pPr>
+              <a:buNone/>
+            </a:pPr>
+            <a:r>
+              <a:rPr lang="en-US" altLang="en-US" sz="2000" dirty="0" smtClean="0">
+                <a:cs typeface="Arial" panose="020B0604020202020204" pitchFamily="34" charset="0"/>
+              </a:rPr>
+              <a:t>1. Calculate covariance matrix </a:t>
+            </a:r>
+          </a:p>
+          <a:p>
+            <a:pPr>
+              <a:buNone/>
+            </a:pPr>
+            <a:r>
+              <a:rPr lang="en-US" altLang="en-US" sz="2000" dirty="0">
+                <a:cs typeface="Arial" panose="020B0604020202020204" pitchFamily="34" charset="0"/>
+              </a:rPr>
+              <a:t>	</a:t>
+            </a:r>
+            <a:r>
+              <a:rPr lang="en-US" altLang="en-US" sz="2000" dirty="0" smtClean="0">
+                <a:cs typeface="Arial" panose="020B0604020202020204" pitchFamily="34" charset="0"/>
+              </a:rPr>
+              <a:t>function named </a:t>
+            </a:r>
+            <a:r>
+              <a:rPr lang="en-US" altLang="en-US" sz="2000" dirty="0" err="1" smtClean="0">
+                <a:cs typeface="Arial" panose="020B0604020202020204" pitchFamily="34" charset="0"/>
+              </a:rPr>
+              <a:t>cov</a:t>
+            </a:r>
+            <a:r>
+              <a:rPr lang="en-US" altLang="en-US" sz="2000" dirty="0" smtClean="0">
+                <a:cs typeface="Arial" panose="020B0604020202020204" pitchFamily="34" charset="0"/>
+              </a:rPr>
+              <a:t> in </a:t>
+            </a:r>
+            <a:r>
+              <a:rPr lang="en-US" altLang="en-US" sz="2000" dirty="0" err="1" smtClean="0">
+                <a:cs typeface="Arial" panose="020B0604020202020204" pitchFamily="34" charset="0"/>
+              </a:rPr>
+              <a:t>MatLab</a:t>
+            </a:r>
+            <a:endParaRPr lang="en-US" altLang="en-US" sz="2000" dirty="0" smtClean="0">
+              <a:cs typeface="Arial" panose="020B0604020202020204" pitchFamily="34" charset="0"/>
+            </a:endParaRPr>
+          </a:p>
+          <a:p>
+            <a:pPr>
+              <a:buNone/>
+            </a:pPr>
+            <a:r>
+              <a:rPr lang="en-US" altLang="en-US" sz="2000" dirty="0" smtClean="0">
+                <a:cs typeface="Arial" panose="020B0604020202020204" pitchFamily="34" charset="0"/>
+              </a:rPr>
+              <a:t>2. Find the eigenvalues and eigenvectors of the covariance matrix</a:t>
+            </a:r>
+          </a:p>
+          <a:p>
+            <a:pPr>
+              <a:buNone/>
+            </a:pPr>
+            <a:r>
+              <a:rPr lang="en-US" altLang="en-US" sz="2000" dirty="0">
+                <a:cs typeface="Arial" panose="020B0604020202020204" pitchFamily="34" charset="0"/>
+              </a:rPr>
+              <a:t>	 function named </a:t>
+            </a:r>
+            <a:r>
+              <a:rPr lang="en-US" altLang="en-US" sz="2000" dirty="0" err="1" smtClean="0">
+                <a:cs typeface="Arial" panose="020B0604020202020204" pitchFamily="34" charset="0"/>
+              </a:rPr>
+              <a:t>eig</a:t>
+            </a:r>
+            <a:r>
+              <a:rPr lang="en-US" altLang="en-US" sz="2000" dirty="0" smtClean="0">
+                <a:cs typeface="Arial" panose="020B0604020202020204" pitchFamily="34" charset="0"/>
+              </a:rPr>
+              <a:t> </a:t>
+            </a:r>
+            <a:r>
+              <a:rPr lang="en-US" altLang="en-US" sz="2000" dirty="0">
+                <a:cs typeface="Arial" panose="020B0604020202020204" pitchFamily="34" charset="0"/>
+              </a:rPr>
+              <a:t>in </a:t>
+            </a:r>
+            <a:r>
+              <a:rPr lang="en-US" altLang="en-US" sz="2000" dirty="0" err="1" smtClean="0">
+                <a:cs typeface="Arial" panose="020B0604020202020204" pitchFamily="34" charset="0"/>
+              </a:rPr>
+              <a:t>MatLab</a:t>
+            </a:r>
+            <a:endParaRPr lang="en-US" altLang="en-US" sz="2000" dirty="0" smtClean="0">
+              <a:cs typeface="Arial" panose="020B0604020202020204" pitchFamily="34" charset="0"/>
+            </a:endParaRPr>
+          </a:p>
+          <a:p>
+            <a:pPr>
+              <a:buNone/>
+            </a:pPr>
+            <a:r>
+              <a:rPr lang="en-US" altLang="en-US" sz="2000" dirty="0" smtClean="0">
+                <a:cs typeface="Arial" panose="020B0604020202020204" pitchFamily="34" charset="0"/>
+              </a:rPr>
+              <a:t>3. Plot </a:t>
+            </a:r>
+            <a:r>
+              <a:rPr lang="en-US" altLang="en-US" sz="2000" dirty="0" err="1" smtClean="0">
+                <a:cs typeface="Arial" panose="020B0604020202020204" pitchFamily="34" charset="0"/>
+              </a:rPr>
+              <a:t>PoV</a:t>
+            </a:r>
+            <a:endParaRPr lang="en-US" altLang="en-US" sz="2000" dirty="0" smtClean="0">
+              <a:cs typeface="Arial" panose="020B0604020202020204" pitchFamily="34" charset="0"/>
+            </a:endParaRPr>
+          </a:p>
+          <a:p>
+            <a:pPr>
+              <a:buNone/>
+            </a:pPr>
+            <a:r>
+              <a:rPr lang="en-US" altLang="en-US" sz="2000" dirty="0">
+                <a:cs typeface="Arial" panose="020B0604020202020204" pitchFamily="34" charset="0"/>
+              </a:rPr>
+              <a:t>	</a:t>
+            </a:r>
+            <a:r>
+              <a:rPr lang="en-US" altLang="en-US" sz="2000" dirty="0" smtClean="0">
+                <a:cs typeface="Arial" panose="020B0604020202020204" pitchFamily="34" charset="0"/>
+              </a:rPr>
+              <a:t>What percent of variance is captured by the 3 largest eigenvalues?</a:t>
+            </a:r>
+          </a:p>
+          <a:p>
+            <a:pPr>
+              <a:buNone/>
+            </a:pPr>
+            <a:r>
+              <a:rPr lang="en-US" altLang="en-US" sz="2000" dirty="0" smtClean="0">
+                <a:cs typeface="Arial" panose="020B0604020202020204" pitchFamily="34" charset="0"/>
+              </a:rPr>
+              <a:t>4. Make a scatter plot of (pc1, pc2)</a:t>
+            </a:r>
+            <a:endParaRPr lang="en-US" altLang="en-US" sz="2000" dirty="0"/>
+          </a:p>
+        </p:txBody>
+      </p:sp>
+    </p:spTree>
+    <p:extLst>
+      <p:ext uri="{BB962C8B-B14F-4D97-AF65-F5344CB8AC3E}">
+        <p14:creationId xmlns:p14="http://schemas.microsoft.com/office/powerpoint/2010/main" val="3235796590"/>
+      </p:ext>
+    </p:extLst>
+  </p:cSld>
+  <p:clrMapOvr>
+    <a:masterClrMapping/>
+  </p:clrMapOvr>
+  <p:timing>
+    <p:tnLst>
+      <p:par>
+        <p:cTn id="1" dur="indefinite" restart="never" nodeType="tmRoot"/>
+      </p:par>
+    </p:tnLst>
+  </p:timing>
+</p:sld>
+</file>
+
 <file path=ppt/slides/slide2.xml><?xml version="1.0" encoding="utf-8"?>
 <p:sld xmlns:a="http://schemas.openxmlformats.org/drawingml/2006/main" xmlns:r="http://schemas.openxmlformats.org/officeDocument/2006/relationships" xmlns:p="http://schemas.openxmlformats.org/presentationml/2006/main">
   <p:cSld>
@@ -4310,7 +4749,7 @@
           <a:graphicData uri="http://schemas.openxmlformats.org/presentationml/2006/ole">
             <mc:AlternateContent xmlns:mc="http://schemas.openxmlformats.org/markup-compatibility/2006">
               <mc:Choice xmlns:v="urn:schemas-microsoft-com:vml" Requires="v">
-                <p:oleObj spid="_x0000_s1036" name="Equation" r:id="rId3" imgW="1854000" imgH="469800" progId="Equation.3">
+                <p:oleObj spid="_x0000_s1038" name="Equation" r:id="rId3" imgW="1854000" imgH="469800" progId="Equation.3">
                   <p:embed/>
                 </p:oleObj>
               </mc:Choice>
@@ -4494,7 +4933,7 @@
           <a:graphicData uri="http://schemas.openxmlformats.org/presentationml/2006/ole">
             <mc:AlternateContent xmlns:mc="http://schemas.openxmlformats.org/markup-compatibility/2006">
               <mc:Choice xmlns:v="urn:schemas-microsoft-com:vml" Requires="v">
-                <p:oleObj spid="_x0000_s2086" name="Equation" r:id="rId3" imgW="1498320" imgH="444240" progId="Equation.3">
+                <p:oleObj spid="_x0000_s2094" name="Equation" r:id="rId3" imgW="1498320" imgH="444240" progId="Equation.3">
                   <p:embed/>
                 </p:oleObj>
               </mc:Choice>
@@ -4573,7 +5012,7 @@
           <a:graphicData uri="http://schemas.openxmlformats.org/presentationml/2006/ole">
             <mc:AlternateContent xmlns:mc="http://schemas.openxmlformats.org/markup-compatibility/2006">
               <mc:Choice xmlns:v="urn:schemas-microsoft-com:vml" Requires="v">
-                <p:oleObj spid="_x0000_s2087" name="Equation" r:id="rId5" imgW="1701720" imgH="393480" progId="Equation.3">
+                <p:oleObj spid="_x0000_s2095" name="Equation" r:id="rId5" imgW="1701720" imgH="393480" progId="Equation.3">
                   <p:embed/>
                 </p:oleObj>
               </mc:Choice>
@@ -4652,7 +5091,7 @@
           <a:graphicData uri="http://schemas.openxmlformats.org/presentationml/2006/ole">
             <mc:AlternateContent xmlns:mc="http://schemas.openxmlformats.org/markup-compatibility/2006">
               <mc:Choice xmlns:v="urn:schemas-microsoft-com:vml" Requires="v">
-                <p:oleObj spid="_x0000_s2088" name="Equation" r:id="rId7" imgW="1079280" imgH="228600" progId="Equation.3">
+                <p:oleObj spid="_x0000_s2096" name="Equation" r:id="rId7" imgW="1079280" imgH="228600" progId="Equation.3">
                   <p:embed/>
                 </p:oleObj>
               </mc:Choice>
@@ -4875,7 +5314,7 @@
           <a:graphicData uri="http://schemas.openxmlformats.org/presentationml/2006/ole">
             <mc:AlternateContent xmlns:mc="http://schemas.openxmlformats.org/markup-compatibility/2006">
               <mc:Choice xmlns:v="urn:schemas-microsoft-com:vml" Requires="v">
-                <p:oleObj spid="_x0000_s2089" name="Equation" r:id="rId9" imgW="838080" imgH="228600" progId="Equation.3">
+                <p:oleObj spid="_x0000_s2097" name="Equation" r:id="rId9" imgW="838080" imgH="228600" progId="Equation.3">
                   <p:embed/>
                 </p:oleObj>
               </mc:Choice>
@@ -5285,7 +5724,7 @@
               <a:t>scatter plot </a:t>
             </a:r>
             <a:r>
-              <a:rPr lang="en-US" dirty="0" smtClean="0">
+              <a:rPr lang="en-US" smtClean="0">
                 <a:solidFill>
                   <a:srgbClr val="000000"/>
                 </a:solidFill>
@@ -5296,7 +5735,7 @@
               <a:t>like figure 3.2, </a:t>
             </a:r>
             <a:r>
-              <a:rPr lang="en-US" dirty="0">
+              <a:rPr lang="en-US">
                 <a:solidFill>
                   <a:srgbClr val="000000"/>
                 </a:solidFill>
@@ -5307,7 +5746,7 @@
               <a:t>text </a:t>
             </a:r>
             <a:r>
-              <a:rPr lang="en-US" dirty="0" smtClean="0">
+              <a:rPr lang="en-US" smtClean="0">
                 <a:solidFill>
                   <a:srgbClr val="000000"/>
                 </a:solidFill>
@@ -5317,6 +5756,14 @@
               </a:rPr>
               <a:t>p83</a:t>
             </a:r>
+            <a:endParaRPr lang="en-US" dirty="0" smtClean="0">
+              <a:solidFill>
+                <a:srgbClr val="000000"/>
+              </a:solidFill>
+              <a:latin typeface="Arial" panose="020B0604020202020204" pitchFamily="34" charset="0"/>
+              <a:ea typeface="Times New Roman" panose="02020603050405020304" pitchFamily="18" charset="0"/>
+              <a:cs typeface="Times New Roman" panose="02020603050405020304" pitchFamily="18" charset="0"/>
+            </a:endParaRPr>
           </a:p>
           <a:p>
             <a:pPr>
@@ -5501,10 +5948,21 @@
                 <a:ea typeface="Times New Roman" panose="02020603050405020304" pitchFamily="18" charset="0"/>
                 <a:cs typeface="Times New Roman" panose="02020603050405020304" pitchFamily="18" charset="0"/>
               </a:rPr>
-              <a:t>with E</a:t>
-            </a:r>
-            <a:r>
-              <a:rPr lang="en-US" baseline="-25000" dirty="0" smtClean="0">
+              <a:t>with </a:t>
+            </a:r>
+            <a:r>
+              <a:rPr lang="en-US" dirty="0" err="1" smtClean="0">
+                <a:solidFill>
+                  <a:srgbClr val="000000"/>
+                </a:solidFill>
+                <a:latin typeface="Arial" panose="020B0604020202020204" pitchFamily="34" charset="0"/>
+                <a:ea typeface="Times New Roman" panose="02020603050405020304" pitchFamily="18" charset="0"/>
+                <a:cs typeface="Times New Roman" panose="02020603050405020304" pitchFamily="18" charset="0"/>
+              </a:rPr>
+              <a:t>E</a:t>
+            </a:r>
+            <a:r>
+              <a:rPr lang="en-US" baseline="-25000" dirty="0" err="1" smtClean="0">
                 <a:solidFill>
                   <a:srgbClr val="000000"/>
                 </a:solidFill>
@@ -6154,7 +6612,7 @@
     </p:spTree>
     <p:extLst>
       <p:ext uri="{BB962C8B-B14F-4D97-AF65-F5344CB8AC3E}">
-        <p14:creationId xmlns:p14="http://schemas.microsoft.com/office/powerpoint/2010/main" val="2103545119"/>
+        <p14:creationId xmlns:p14="http://schemas.microsoft.com/office/powerpoint/2010/main" val="3050996387"/>
       </p:ext>
     </p:extLst>
   </p:cSld>
@@ -6210,7 +6668,7 @@
           <a:lstStyle/>
           <a:p>
             <a:r>
-              <a:rPr lang="en-US" dirty="0">
+              <a:rPr lang="en-US" sz="1600" dirty="0">
                 <a:solidFill>
                   <a:srgbClr val="000000"/>
                 </a:solidFill>
@@ -6218,22 +6676,6 @@
                 <a:ea typeface="Times New Roman" panose="02020603050405020304" pitchFamily="18" charset="0"/>
               </a:rPr>
               <a:t>Assignment 7 due 11-3-16</a:t>
-            </a:r>
-            <a:endParaRPr lang="en-US" sz="1600" dirty="0">
-              <a:latin typeface="Times New Roman" panose="02020603050405020304" pitchFamily="18" charset="0"/>
-              <a:ea typeface="Times New Roman" panose="02020603050405020304" pitchFamily="18" charset="0"/>
-            </a:endParaRPr>
-          </a:p>
-          <a:p>
-            <a:r>
-              <a:rPr lang="en-US" sz="1600" dirty="0">
-                <a:solidFill>
-                  <a:srgbClr val="000000"/>
-                </a:solidFill>
-                <a:latin typeface="Arial" panose="020B0604020202020204" pitchFamily="34" charset="0"/>
-                <a:ea typeface="Times New Roman" panose="02020603050405020304" pitchFamily="18" charset="0"/>
-              </a:rPr>
-              <a:t> </a:t>
             </a:r>
             <a:endParaRPr lang="en-US" sz="1400" dirty="0">
               <a:latin typeface="Times New Roman" panose="02020603050405020304" pitchFamily="18" charset="0"/>
@@ -6242,25 +6684,14 @@
           </a:p>
           <a:p>
             <a:r>
-              <a:rPr lang="en-US" dirty="0">
+              <a:rPr lang="en-US" sz="1600" dirty="0">
+                <a:solidFill>
+                  <a:srgbClr val="000000"/>
+                </a:solidFill>
                 <a:latin typeface="Arial" panose="020B0604020202020204" pitchFamily="34" charset="0"/>
                 <a:ea typeface="Times New Roman" panose="02020603050405020304" pitchFamily="18" charset="0"/>
               </a:rPr>
-              <a:t>Generate an in silico dataset with 55 examples of y(x) = 1 + 9x</a:t>
-            </a:r>
-            <a:r>
-              <a:rPr lang="en-US" baseline="30000" dirty="0">
-                <a:latin typeface="Arial" panose="020B0604020202020204" pitchFamily="34" charset="0"/>
-                <a:ea typeface="Times New Roman" panose="02020603050405020304" pitchFamily="18" charset="0"/>
-              </a:rPr>
-              <a:t>2</a:t>
-            </a:r>
-            <a:r>
-              <a:rPr lang="en-US" dirty="0">
-                <a:latin typeface="Arial" panose="020B0604020202020204" pitchFamily="34" charset="0"/>
-                <a:ea typeface="Times New Roman" panose="02020603050405020304" pitchFamily="18" charset="0"/>
-              </a:rPr>
-              <a:t> + N(0,1) </a:t>
+              <a:t> </a:t>
             </a:r>
             <a:endParaRPr lang="en-US" sz="1400" dirty="0">
               <a:latin typeface="Times New Roman" panose="02020603050405020304" pitchFamily="18" charset="0"/>
@@ -6273,7 +6704,21 @@
                 <a:latin typeface="Arial" panose="020B0604020202020204" pitchFamily="34" charset="0"/>
                 <a:ea typeface="Times New Roman" panose="02020603050405020304" pitchFamily="18" charset="0"/>
               </a:rPr>
-              <a:t>with randomly selected values of x between -1 and +1.</a:t>
+              <a:t>Generate an in silico dataset with 55 examples of y(x) = 1 + 9x</a:t>
+            </a:r>
+            <a:r>
+              <a:rPr lang="en-US" baseline="30000" dirty="0">
+                <a:latin typeface="Arial" panose="020B0604020202020204" pitchFamily="34" charset="0"/>
+                <a:ea typeface="Times New Roman" panose="02020603050405020304" pitchFamily="18" charset="0"/>
+              </a:rPr>
+              <a:t>2</a:t>
+            </a:r>
+            <a:r>
+              <a:rPr lang="en-US" dirty="0">
+                <a:latin typeface="Arial" panose="020B0604020202020204" pitchFamily="34" charset="0"/>
+                <a:ea typeface="Times New Roman" panose="02020603050405020304" pitchFamily="18" charset="0"/>
+              </a:rPr>
+              <a:t> + N(0,1) </a:t>
             </a:r>
             <a:endParaRPr lang="en-US" sz="1400" dirty="0">
               <a:latin typeface="Times New Roman" panose="02020603050405020304" pitchFamily="18" charset="0"/>
@@ -6286,7 +6731,7 @@
                 <a:latin typeface="Arial" panose="020B0604020202020204" pitchFamily="34" charset="0"/>
                 <a:ea typeface="Times New Roman" panose="02020603050405020304" pitchFamily="18" charset="0"/>
               </a:rPr>
-              <a:t> </a:t>
+              <a:t>with randomly selected values of x between -1 and +1.</a:t>
             </a:r>
             <a:endParaRPr lang="en-US" sz="1400" dirty="0">
               <a:latin typeface="Times New Roman" panose="02020603050405020304" pitchFamily="18" charset="0"/>
@@ -6299,6 +6744,19 @@
                 <a:latin typeface="Arial" panose="020B0604020202020204" pitchFamily="34" charset="0"/>
                 <a:ea typeface="Times New Roman" panose="02020603050405020304" pitchFamily="18" charset="0"/>
               </a:rPr>
+              <a:t> </a:t>
+            </a:r>
+            <a:endParaRPr lang="en-US" sz="1400" dirty="0">
+              <a:latin typeface="Times New Roman" panose="02020603050405020304" pitchFamily="18" charset="0"/>
+              <a:ea typeface="Times New Roman" panose="02020603050405020304" pitchFamily="18" charset="0"/>
+            </a:endParaRPr>
+          </a:p>
+          <a:p>
+            <a:r>
+              <a:rPr lang="en-US" dirty="0">
+                <a:latin typeface="Arial" panose="020B0604020202020204" pitchFamily="34" charset="0"/>
+                <a:ea typeface="Times New Roman" panose="02020603050405020304" pitchFamily="18" charset="0"/>
+              </a:rPr>
               <a:t>With training set of 5 samples, fit a 4</a:t>
             </a:r>
             <a:r>
@@ -6342,7 +6800,14 @@
                 <a:latin typeface="Arial" panose="020B0604020202020204" pitchFamily="34" charset="0"/>
                 <a:ea typeface="Times New Roman" panose="02020603050405020304" pitchFamily="18" charset="0"/>
               </a:rPr>
-              <a:t>.</a:t>
+              <a:t> vs </a:t>
+            </a:r>
+            <a:r>
+              <a:rPr lang="en-US" dirty="0">
+                <a:latin typeface="Symbol" panose="05050102010706020507" pitchFamily="18" charset="2"/>
+                <a:ea typeface="Times New Roman" panose="02020603050405020304" pitchFamily="18" charset="0"/>
+              </a:rPr>
+              <a:t>l</a:t>
             </a:r>
             <a:endParaRPr lang="en-US" sz="1400" dirty="0">
               <a:latin typeface="Symbol" panose="05050102010706020507" pitchFamily="18" charset="2"/>
@@ -6373,49 +6838,42 @@
                 <a:latin typeface="Arial" panose="020B0604020202020204" pitchFamily="34" charset="0"/>
                 <a:ea typeface="Times New Roman" panose="02020603050405020304" pitchFamily="18" charset="0"/>
               </a:rPr>
-              <a:t>Use the remaining 50 examples as a validation set. Plot E</a:t>
-            </a:r>
-            <a:r>
-              <a:rPr lang="en-US" baseline="-25000" dirty="0">
+              <a:t>Use the remaining 50 examples as a validation set. Plot </a:t>
+            </a:r>
+            <a:r>
+              <a:rPr lang="en-US" dirty="0" err="1">
                 <a:latin typeface="Arial" panose="020B0604020202020204" pitchFamily="34" charset="0"/>
                 <a:ea typeface="Times New Roman" panose="02020603050405020304" pitchFamily="18" charset="0"/>
               </a:rPr>
+              <a:t>E</a:t>
+            </a:r>
+            <a:r>
+              <a:rPr lang="en-US" baseline="-25000" dirty="0" err="1">
+                <a:latin typeface="Arial" panose="020B0604020202020204" pitchFamily="34" charset="0"/>
+                <a:ea typeface="Times New Roman" panose="02020603050405020304" pitchFamily="18" charset="0"/>
+              </a:rPr>
               <a:t>val</a:t>
+            </a:r>
+            <a:r>
+              <a:rPr lang="en-US" dirty="0">
+                <a:latin typeface="Arial" panose="020B0604020202020204" pitchFamily="34" charset="0"/>
+                <a:ea typeface="Times New Roman" panose="02020603050405020304" pitchFamily="18" charset="0"/>
+              </a:rPr>
+              <a:t> vs </a:t>
             </a:r>
             <a:r>
               <a:rPr lang="en-US" dirty="0">
                 <a:latin typeface="Symbol" panose="05050102010706020507" pitchFamily="18" charset="2"/>
                 <a:ea typeface="Times New Roman" panose="02020603050405020304" pitchFamily="18" charset="0"/>
               </a:rPr>
-              <a:t>. </a:t>
-            </a:r>
-            <a:r>
-              <a:rPr lang="en-US" dirty="0" smtClean="0">
+              <a:t>l. </a:t>
+            </a:r>
+            <a:r>
+              <a:rPr lang="en-US" dirty="0">
+                <a:latin typeface="Arial" panose="020B0604020202020204" pitchFamily="34" charset="0"/>
                 <a:ea typeface="Times New Roman" panose="02020603050405020304" pitchFamily="18" charset="0"/>
               </a:rPr>
-              <a:t> </a:t>
-            </a:r>
-            <a:r>
-              <a:rPr lang="en-US" dirty="0" smtClean="0">
-                <a:latin typeface="Arial" panose="020B0604020202020204" pitchFamily="34" charset="0"/>
-                <a:ea typeface="Times New Roman" panose="02020603050405020304" pitchFamily="18" charset="0"/>
-                <a:cs typeface="Arial" panose="020B0604020202020204" pitchFamily="34" charset="0"/>
-              </a:rPr>
-              <a:t>Does the plot have an “elbow”?  </a:t>
-            </a:r>
-            <a:r>
-              <a:rPr lang="en-US" dirty="0" smtClean="0">
-                <a:latin typeface="Arial" panose="020B0604020202020204" pitchFamily="34" charset="0"/>
-                <a:ea typeface="Times New Roman" panose="02020603050405020304" pitchFamily="18" charset="0"/>
-              </a:rPr>
-              <a:t>If not, what </a:t>
-            </a:r>
-            <a:r>
-              <a:rPr lang="en-US" dirty="0">
-                <a:latin typeface="Arial" panose="020B0604020202020204" pitchFamily="34" charset="0"/>
-                <a:ea typeface="Times New Roman" panose="02020603050405020304" pitchFamily="18" charset="0"/>
-              </a:rPr>
-              <a:t>value of </a:t>
+              <a:t>Estimate the best value of </a:t>
             </a:r>
             <a:r>
               <a:rPr lang="en-US" dirty="0">
@@ -6429,21 +6887,7 @@
                 <a:latin typeface="Arial" panose="020B0604020202020204" pitchFamily="34" charset="0"/>
                 <a:ea typeface="Times New Roman" panose="02020603050405020304" pitchFamily="18" charset="0"/>
               </a:rPr>
-              <a:t> gives the smallest E</a:t>
-            </a:r>
-            <a:r>
-              <a:rPr lang="en-US" baseline="-25000" dirty="0">
-                <a:latin typeface="Arial" panose="020B0604020202020204" pitchFamily="34" charset="0"/>
-                <a:ea typeface="Times New Roman" panose="02020603050405020304" pitchFamily="18" charset="0"/>
-              </a:rPr>
-              <a:t>val</a:t>
-            </a:r>
-            <a:r>
-              <a:rPr lang="en-US" dirty="0">
-                <a:latin typeface="Arial" panose="020B0604020202020204" pitchFamily="34" charset="0"/>
-                <a:ea typeface="Times New Roman" panose="02020603050405020304" pitchFamily="18" charset="0"/>
-              </a:rPr>
-              <a:t>? </a:t>
+              <a:t> from the plot. </a:t>
             </a:r>
           </a:p>
           <a:p>
@@ -6471,39 +6915,18 @@
               <a:t>Run your code 5 times.  Does the best </a:t>
             </a:r>
             <a:r>
-              <a:rPr lang="en-US" dirty="0" smtClean="0">
-                <a:latin typeface="Arial" panose="020B0604020202020204" pitchFamily="34" charset="0"/>
-                <a:ea typeface="Times New Roman" panose="02020603050405020304" pitchFamily="18" charset="0"/>
-              </a:rPr>
-              <a:t>choice of </a:t>
-            </a:r>
-            <a:r>
-              <a:rPr lang="en-US" dirty="0" smtClean="0">
+              <a:rPr lang="en-US" dirty="0">
                 <a:latin typeface="Symbol" panose="05050102010706020507" pitchFamily="18" charset="2"/>
                 <a:ea typeface="Times New Roman" panose="02020603050405020304" pitchFamily="18" charset="0"/>
               </a:rPr>
               <a:t>l</a:t>
             </a:r>
             <a:r>
-              <a:rPr lang="en-US" dirty="0" smtClean="0">
+              <a:rPr lang="en-US" dirty="0">
                 <a:latin typeface="Arial" panose="020B0604020202020204" pitchFamily="34" charset="0"/>
                 <a:ea typeface="Times New Roman" panose="02020603050405020304" pitchFamily="18" charset="0"/>
               </a:rPr>
-              <a:t> </a:t>
-            </a:r>
-            <a:r>
-              <a:rPr lang="en-US" dirty="0">
-                <a:latin typeface="Arial" panose="020B0604020202020204" pitchFamily="34" charset="0"/>
-                <a:ea typeface="Times New Roman" panose="02020603050405020304" pitchFamily="18" charset="0"/>
-              </a:rPr>
-              <a:t>change from run to run</a:t>
-            </a:r>
-            <a:r>
-              <a:rPr lang="en-US" dirty="0" smtClean="0">
-                <a:latin typeface="Arial" panose="020B0604020202020204" pitchFamily="34" charset="0"/>
-                <a:ea typeface="Times New Roman" panose="02020603050405020304" pitchFamily="18" charset="0"/>
-              </a:rPr>
-              <a:t>?</a:t>
+              <a:t> change dramatically from run to run?	</a:t>
             </a:r>
             <a:endParaRPr lang="en-US" sz="1400" dirty="0">
               <a:latin typeface="Times New Roman" panose="02020603050405020304" pitchFamily="18" charset="0"/>
@@ -6515,7 +6938,781 @@
     </p:spTree>
     <p:extLst>
       <p:ext uri="{BB962C8B-B14F-4D97-AF65-F5344CB8AC3E}">
-        <p14:creationId xmlns:p14="http://schemas.microsoft.com/office/powerpoint/2010/main" val="1320015251"/>
+        <p14:creationId xmlns:p14="http://schemas.microsoft.com/office/powerpoint/2010/main" val="449627227"/>
+      </p:ext>
+    </p:extLst>
+  </p:cSld>
+  <p:clrMapOvr>
+    <a:masterClrMapping/>
+  </p:clrMapOvr>
+  <p:timing>
+    <p:tnLst>
+      <p:par>
+        <p:cTn id="1" dur="indefinite" restart="never" nodeType="tmRoot"/>
+      </p:par>
+    </p:tnLst>
+  </p:timing>
+</p:sld>
+</file>
+
+<file path=ppt/slides/slide7.xml><?xml version="1.0" encoding="utf-8"?>
+<p:sld xmlns:a="http://schemas.openxmlformats.org/drawingml/2006/main" xmlns:r="http://schemas.openxmlformats.org/officeDocument/2006/relationships" xmlns:p="http://schemas.openxmlformats.org/presentationml/2006/main">
+  <p:cSld>
+    <p:spTree>
+      <p:nvGrpSpPr>
+        <p:cNvPr id="1" name=""/>
+        <p:cNvGrpSpPr/>
+        <p:nvPr/>
+      </p:nvGrpSpPr>
+      <p:grpSpPr>
+        <a:xfrm>
+          <a:off x="0" y="0"/>
+          <a:ext cx="0" cy="0"/>
+          <a:chOff x="0" y="0"/>
+          <a:chExt cx="0" cy="0"/>
+        </a:xfrm>
+      </p:grpSpPr>
+      <p:pic>
+        <p:nvPicPr>
+          <p:cNvPr id="2" name="Picture 1"/>
+          <p:cNvPicPr>
+            <a:picLocks noChangeAspect="1"/>
+          </p:cNvPicPr>
+          <p:nvPr/>
+        </p:nvPicPr>
+        <p:blipFill>
+          <a:blip r:embed="rId2">
+            <a:extLst>
+              <a:ext uri="{28A0092B-C50C-407E-A947-70E740481C1C}">
+                <a14:useLocalDpi xmlns:a14="http://schemas.microsoft.com/office/drawing/2010/main" val="0"/>
+              </a:ext>
+            </a:extLst>
+          </a:blip>
+          <a:stretch>
+            <a:fillRect/>
+          </a:stretch>
+        </p:blipFill>
+        <p:spPr>
+          <a:xfrm>
+            <a:off x="812800" y="152400"/>
+            <a:ext cx="4400125" cy="6504686"/>
+          </a:xfrm>
+          <a:prstGeom prst="rect">
+            <a:avLst/>
+          </a:prstGeom>
+        </p:spPr>
+      </p:pic>
+      <p:sp>
+        <p:nvSpPr>
+          <p:cNvPr id="5" name="TextBox 4"/>
+          <p:cNvSpPr txBox="1"/>
+          <p:nvPr/>
+        </p:nvSpPr>
+        <p:spPr>
+          <a:xfrm>
+            <a:off x="3400510" y="1126958"/>
+            <a:ext cx="2063322" cy="461665"/>
+          </a:xfrm>
+          <a:prstGeom prst="rect">
+            <a:avLst/>
+          </a:prstGeom>
+          <a:noFill/>
+        </p:spPr>
+        <p:txBody>
+          <a:bodyPr wrap="none" rtlCol="0">
+            <a:spAutoFit/>
+          </a:bodyPr>
+          <a:lstStyle/>
+          <a:p>
+            <a:r>
+              <a:rPr lang="en-US" sz="2400" dirty="0" smtClean="0"/>
+              <a:t>Codes </a:t>
+            </a:r>
+            <a:r>
+              <a:rPr lang="en-US" sz="2400" dirty="0"/>
+              <a:t>for HW7</a:t>
+            </a:r>
+          </a:p>
+        </p:txBody>
+      </p:sp>
+      <p:pic>
+        <p:nvPicPr>
+          <p:cNvPr id="6" name="Picture 5"/>
+          <p:cNvPicPr>
+            <a:picLocks noChangeAspect="1"/>
+          </p:cNvPicPr>
+          <p:nvPr/>
+        </p:nvPicPr>
+        <p:blipFill>
+          <a:blip r:embed="rId3">
+            <a:extLst>
+              <a:ext uri="{28A0092B-C50C-407E-A947-70E740481C1C}">
+                <a14:useLocalDpi xmlns:a14="http://schemas.microsoft.com/office/drawing/2010/main" val="0"/>
+              </a:ext>
+            </a:extLst>
+          </a:blip>
+          <a:stretch>
+            <a:fillRect/>
+          </a:stretch>
+        </p:blipFill>
+        <p:spPr>
+          <a:xfrm>
+            <a:off x="5606716" y="180474"/>
+            <a:ext cx="5693228" cy="6376415"/>
+          </a:xfrm>
+          <a:prstGeom prst="rect">
+            <a:avLst/>
+          </a:prstGeom>
+        </p:spPr>
+      </p:pic>
+    </p:spTree>
+    <p:extLst>
+      <p:ext uri="{BB962C8B-B14F-4D97-AF65-F5344CB8AC3E}">
+        <p14:creationId xmlns:p14="http://schemas.microsoft.com/office/powerpoint/2010/main" val="1829013603"/>
+      </p:ext>
+    </p:extLst>
+  </p:cSld>
+  <p:clrMapOvr>
+    <a:masterClrMapping/>
+  </p:clrMapOvr>
+</p:sld>
+</file>
+
+<file path=ppt/slides/slide8.xml><?xml version="1.0" encoding="utf-8"?>
+<p:sld xmlns:a="http://schemas.openxmlformats.org/drawingml/2006/main" xmlns:r="http://schemas.openxmlformats.org/officeDocument/2006/relationships" xmlns:p="http://schemas.openxmlformats.org/presentationml/2006/main">
+  <p:cSld>
+    <p:spTree>
+      <p:nvGrpSpPr>
+        <p:cNvPr id="1" name=""/>
+        <p:cNvGrpSpPr/>
+        <p:nvPr/>
+      </p:nvGrpSpPr>
+      <p:grpSpPr>
+        <a:xfrm>
+          <a:off x="0" y="0"/>
+          <a:ext cx="0" cy="0"/>
+          <a:chOff x="0" y="0"/>
+          <a:chExt cx="0" cy="0"/>
+        </a:xfrm>
+      </p:grpSpPr>
+      <p:sp>
+        <p:nvSpPr>
+          <p:cNvPr id="43010" name="Text Box 2"/>
+          <p:cNvSpPr txBox="1">
+            <a:spLocks noChangeArrowheads="1"/>
+          </p:cNvSpPr>
+          <p:nvPr/>
+        </p:nvSpPr>
+        <p:spPr bwMode="auto">
+          <a:xfrm>
+            <a:off x="1905000" y="533400"/>
+            <a:ext cx="8792792" cy="2369880"/>
+          </a:xfrm>
+          <a:prstGeom prst="rect">
+            <a:avLst/>
+          </a:prstGeom>
+          <a:noFill/>
+          <a:ln>
+            <a:noFill/>
+          </a:ln>
+          <a:effectLst/>
+          <a:extLst>
+            <a:ext uri="{909E8E84-426E-40DD-AFC4-6F175D3DCCD1}">
+              <a14:hiddenFill xmlns:a14="http://schemas.microsoft.com/office/drawing/2010/main">
+                <a:solidFill>
+                  <a:schemeClr val="accent1"/>
+                </a:solidFill>
+              </a14:hiddenFill>
+            </a:ext>
+            <a:ext uri="{91240B29-F687-4F45-9708-019B960494DF}">
+              <a14:hiddenLine xmlns:a14="http://schemas.microsoft.com/office/drawing/2010/main" w="9525">
+                <a:solidFill>
+                  <a:schemeClr val="tx1"/>
+                </a:solidFill>
+                <a:miter lim="800000"/>
+                <a:headEnd/>
+                <a:tailEnd/>
+              </a14:hiddenLine>
+            </a:ext>
+            <a:ext uri="{AF507438-7753-43E0-B8FC-AC1667EBCBE1}">
+              <a14:hiddenEffects xmlns:a14="http://schemas.microsoft.com/office/drawing/2010/main">
+                <a:effectLst>
+                  <a:outerShdw dist="35921" dir="2700000" algn="ctr" rotWithShape="0">
+                    <a:schemeClr val="bg2"/>
+                  </a:outerShdw>
+                </a:effectLst>
+              </a14:hiddenEffects>
+            </a:ext>
+          </a:extLst>
+        </p:spPr>
+        <p:txBody>
+          <a:bodyPr wrap="none">
+            <a:spAutoFit/>
+          </a:bodyPr>
+          <a:lstStyle>
+            <a:lvl1pPr>
+              <a:spcBef>
+                <a:spcPct val="20000"/>
+              </a:spcBef>
+              <a:buChar char="•"/>
+              <a:defRPr sz="3200">
+                <a:solidFill>
+                  <a:schemeClr val="tx1"/>
+                </a:solidFill>
+                <a:latin typeface="Arial" panose="020B0604020202020204" pitchFamily="34" charset="0"/>
+              </a:defRPr>
+            </a:lvl1pPr>
+            <a:lvl2pPr marL="742950" indent="-285750">
+              <a:spcBef>
+                <a:spcPct val="20000"/>
+              </a:spcBef>
+              <a:buChar char="–"/>
+              <a:defRPr sz="2800">
+                <a:solidFill>
+                  <a:schemeClr val="tx1"/>
+                </a:solidFill>
+                <a:latin typeface="Arial" panose="020B0604020202020204" pitchFamily="34" charset="0"/>
+              </a:defRPr>
+            </a:lvl2pPr>
+            <a:lvl3pPr marL="1143000" indent="-228600">
+              <a:spcBef>
+                <a:spcPct val="20000"/>
+              </a:spcBef>
+              <a:buChar char="•"/>
+              <a:defRPr sz="2400">
+                <a:solidFill>
+                  <a:schemeClr val="tx1"/>
+                </a:solidFill>
+                <a:latin typeface="Arial" panose="020B0604020202020204" pitchFamily="34" charset="0"/>
+              </a:defRPr>
+            </a:lvl3pPr>
+            <a:lvl4pPr marL="1600200" indent="-228600">
+              <a:spcBef>
+                <a:spcPct val="20000"/>
+              </a:spcBef>
+              <a:buChar char="–"/>
+              <a:defRPr sz="2000">
+                <a:solidFill>
+                  <a:schemeClr val="tx1"/>
+                </a:solidFill>
+                <a:latin typeface="Arial" panose="020B0604020202020204" pitchFamily="34" charset="0"/>
+              </a:defRPr>
+            </a:lvl4pPr>
+            <a:lvl5pPr marL="2057400" indent="-228600">
+              <a:spcBef>
+                <a:spcPct val="20000"/>
+              </a:spcBef>
+              <a:buChar char="»"/>
+              <a:defRPr sz="2000">
+                <a:solidFill>
+                  <a:schemeClr val="tx1"/>
+                </a:solidFill>
+                <a:latin typeface="Arial" panose="020B0604020202020204" pitchFamily="34" charset="0"/>
+              </a:defRPr>
+            </a:lvl5pPr>
+            <a:lvl6pPr marL="2514600" indent="-228600" eaLnBrk="0" fontAlgn="base" hangingPunct="0">
+              <a:spcBef>
+                <a:spcPct val="20000"/>
+              </a:spcBef>
+              <a:spcAft>
+                <a:spcPct val="0"/>
+              </a:spcAft>
+              <a:buChar char="»"/>
+              <a:defRPr sz="2000">
+                <a:solidFill>
+                  <a:schemeClr val="tx1"/>
+                </a:solidFill>
+                <a:latin typeface="Arial" panose="020B0604020202020204" pitchFamily="34" charset="0"/>
+              </a:defRPr>
+            </a:lvl6pPr>
+            <a:lvl7pPr marL="2971800" indent="-228600" eaLnBrk="0" fontAlgn="base" hangingPunct="0">
+              <a:spcBef>
+                <a:spcPct val="20000"/>
+              </a:spcBef>
+              <a:spcAft>
+                <a:spcPct val="0"/>
+              </a:spcAft>
+              <a:buChar char="»"/>
+              <a:defRPr sz="2000">
+                <a:solidFill>
+                  <a:schemeClr val="tx1"/>
+                </a:solidFill>
+                <a:latin typeface="Arial" panose="020B0604020202020204" pitchFamily="34" charset="0"/>
+              </a:defRPr>
+            </a:lvl7pPr>
+            <a:lvl8pPr marL="3429000" indent="-228600" eaLnBrk="0" fontAlgn="base" hangingPunct="0">
+              <a:spcBef>
+                <a:spcPct val="20000"/>
+              </a:spcBef>
+              <a:spcAft>
+                <a:spcPct val="0"/>
+              </a:spcAft>
+              <a:buChar char="»"/>
+              <a:defRPr sz="2000">
+                <a:solidFill>
+                  <a:schemeClr val="tx1"/>
+                </a:solidFill>
+                <a:latin typeface="Arial" panose="020B0604020202020204" pitchFamily="34" charset="0"/>
+              </a:defRPr>
+            </a:lvl8pPr>
+            <a:lvl9pPr marL="3886200" indent="-228600" eaLnBrk="0" fontAlgn="base" hangingPunct="0">
+              <a:spcBef>
+                <a:spcPct val="20000"/>
+              </a:spcBef>
+              <a:spcAft>
+                <a:spcPct val="0"/>
+              </a:spcAft>
+              <a:buChar char="»"/>
+              <a:defRPr sz="2000">
+                <a:solidFill>
+                  <a:schemeClr val="tx1"/>
+                </a:solidFill>
+                <a:latin typeface="Arial" panose="020B0604020202020204" pitchFamily="34" charset="0"/>
+              </a:defRPr>
+            </a:lvl9pPr>
+          </a:lstStyle>
+          <a:p>
+            <a:pPr eaLnBrk="1" hangingPunct="1">
+              <a:spcBef>
+                <a:spcPct val="0"/>
+              </a:spcBef>
+              <a:buFontTx/>
+              <a:buNone/>
+            </a:pPr>
+            <a:r>
+              <a:rPr lang="en-US" altLang="en-US" sz="2800" dirty="0"/>
+              <a:t>Assignment 8 due 11-1-16</a:t>
+            </a:r>
+          </a:p>
+          <a:p>
+            <a:pPr eaLnBrk="1" hangingPunct="1">
+              <a:spcBef>
+                <a:spcPct val="0"/>
+              </a:spcBef>
+              <a:buFontTx/>
+              <a:buNone/>
+            </a:pPr>
+            <a:r>
+              <a:rPr lang="en-US" altLang="en-US" sz="2400" dirty="0"/>
+              <a:t>Use the information-gain ranking filter on the </a:t>
+            </a:r>
+            <a:r>
+              <a:rPr lang="en-US" altLang="en-US" sz="2400" i="1" dirty="0"/>
+              <a:t>leukemia gene </a:t>
+            </a:r>
+          </a:p>
+          <a:p>
+            <a:pPr eaLnBrk="1" hangingPunct="1">
+              <a:spcBef>
+                <a:spcPct val="0"/>
+              </a:spcBef>
+              <a:buFontTx/>
+              <a:buNone/>
+            </a:pPr>
+            <a:r>
+              <a:rPr lang="en-US" altLang="en-US" sz="2400" i="1"/>
+              <a:t>expression</a:t>
+            </a:r>
+            <a:r>
+              <a:rPr lang="en-US" altLang="en-US" sz="2400"/>
+              <a:t> dataset from assignment #</a:t>
+            </a:r>
+            <a:r>
+              <a:rPr lang="en-US" altLang="en-US" sz="2400" smtClean="0"/>
+              <a:t>1 to </a:t>
+            </a:r>
+            <a:r>
+              <a:rPr lang="en-US" altLang="en-US" sz="2400"/>
+              <a:t>find the top-5 genes.</a:t>
+            </a:r>
+          </a:p>
+          <a:p>
+            <a:pPr eaLnBrk="1" hangingPunct="1">
+              <a:spcBef>
+                <a:spcPct val="0"/>
+              </a:spcBef>
+              <a:buFontTx/>
+              <a:buNone/>
+            </a:pPr>
+            <a:r>
+              <a:rPr lang="en-US" altLang="en-US" sz="2400" dirty="0"/>
+              <a:t>Use </a:t>
+            </a:r>
+            <a:r>
+              <a:rPr lang="en-US" altLang="en-US" sz="2400" dirty="0" err="1"/>
+              <a:t>IBk</a:t>
+            </a:r>
+            <a:r>
+              <a:rPr lang="en-US" altLang="en-US" sz="2400" dirty="0"/>
+              <a:t> (K=5) with these 5 attributes to classify AML vs ALL.</a:t>
+            </a:r>
+          </a:p>
+          <a:p>
+            <a:pPr eaLnBrk="1" hangingPunct="1">
+              <a:spcBef>
+                <a:spcPct val="0"/>
+              </a:spcBef>
+              <a:buFontTx/>
+              <a:buNone/>
+            </a:pPr>
+            <a:r>
+              <a:rPr lang="en-US" altLang="en-US" sz="2400" dirty="0"/>
+              <a:t>Compare performance with results from HW1 where all genes </a:t>
+            </a:r>
+          </a:p>
+          <a:p>
+            <a:pPr eaLnBrk="1" hangingPunct="1">
+              <a:spcBef>
+                <a:spcPct val="0"/>
+              </a:spcBef>
+              <a:buFontTx/>
+              <a:buNone/>
+            </a:pPr>
+            <a:r>
+              <a:rPr lang="en-US" altLang="en-US" sz="2400" dirty="0"/>
+              <a:t>were used for classification. </a:t>
+            </a:r>
+          </a:p>
+        </p:txBody>
+      </p:sp>
+    </p:spTree>
+    <p:extLst>
+      <p:ext uri="{BB962C8B-B14F-4D97-AF65-F5344CB8AC3E}">
+        <p14:creationId xmlns:p14="http://schemas.microsoft.com/office/powerpoint/2010/main" val="912042918"/>
+      </p:ext>
+    </p:extLst>
+  </p:cSld>
+  <p:clrMapOvr>
+    <a:masterClrMapping/>
+  </p:clrMapOvr>
+  <p:timing>
+    <p:tnLst>
+      <p:par>
+        <p:cTn id="1" dur="indefinite" restart="never" nodeType="tmRoot"/>
+      </p:par>
+    </p:tnLst>
+  </p:timing>
+</p:sld>
+</file>
+
+<file path=ppt/slides/slide9.xml><?xml version="1.0" encoding="utf-8"?>
+<p:sld xmlns:a="http://schemas.openxmlformats.org/drawingml/2006/main" xmlns:r="http://schemas.openxmlformats.org/officeDocument/2006/relationships" xmlns:p="http://schemas.openxmlformats.org/presentationml/2006/main">
+  <p:cSld>
+    <p:spTree>
+      <p:nvGrpSpPr>
+        <p:cNvPr id="1" name=""/>
+        <p:cNvGrpSpPr/>
+        <p:nvPr/>
+      </p:nvGrpSpPr>
+      <p:grpSpPr>
+        <a:xfrm>
+          <a:off x="0" y="0"/>
+          <a:ext cx="0" cy="0"/>
+          <a:chOff x="0" y="0"/>
+          <a:chExt cx="0" cy="0"/>
+        </a:xfrm>
+      </p:grpSpPr>
+      <p:sp>
+        <p:nvSpPr>
+          <p:cNvPr id="3074" name="Rectangle 1"/>
+          <p:cNvSpPr>
+            <a:spLocks noChangeArrowheads="1"/>
+          </p:cNvSpPr>
+          <p:nvPr/>
+        </p:nvSpPr>
+        <p:spPr bwMode="auto">
+          <a:xfrm>
+            <a:off x="1016000" y="1219201"/>
+            <a:ext cx="10566400" cy="4427879"/>
+          </a:xfrm>
+          <a:prstGeom prst="rect">
+            <a:avLst/>
+          </a:prstGeom>
+          <a:noFill/>
+          <a:ln>
+            <a:noFill/>
+          </a:ln>
+          <a:extLst>
+            <a:ext uri="{909E8E84-426E-40DD-AFC4-6F175D3DCCD1}">
+              <a14:hiddenFill xmlns:a14="http://schemas.microsoft.com/office/drawing/2010/main">
+                <a:solidFill>
+                  <a:srgbClr val="FFFFFF"/>
+                </a:solidFill>
+              </a14:hiddenFill>
+            </a:ext>
+            <a:ext uri="{91240B29-F687-4F45-9708-019B960494DF}">
+              <a14:hiddenLine xmlns:a14="http://schemas.microsoft.com/office/drawing/2010/main" w="9525">
+                <a:solidFill>
+                  <a:srgbClr val="000000"/>
+                </a:solidFill>
+                <a:miter lim="800000"/>
+                <a:headEnd/>
+                <a:tailEnd/>
+              </a14:hiddenLine>
+            </a:ext>
+          </a:extLst>
+        </p:spPr>
+        <p:txBody>
+          <a:bodyPr>
+            <a:spAutoFit/>
+          </a:bodyPr>
+          <a:lstStyle/>
+          <a:p>
+            <a:pPr eaLnBrk="1" hangingPunct="1">
+              <a:lnSpc>
+                <a:spcPct val="115000"/>
+              </a:lnSpc>
+              <a:spcAft>
+                <a:spcPts val="1000"/>
+              </a:spcAft>
+            </a:pPr>
+            <a:r>
+              <a:rPr lang="en-US" altLang="en-US" dirty="0" smtClean="0">
+                <a:solidFill>
+                  <a:srgbClr val="000000"/>
+                </a:solidFill>
+                <a:latin typeface="Times New Roman" pitchFamily="18" charset="0"/>
+                <a:ea typeface="Calibri" pitchFamily="34" charset="0"/>
+                <a:cs typeface="Times New Roman" pitchFamily="18" charset="0"/>
+              </a:rPr>
+              <a:t>As in HW1, open </a:t>
+            </a:r>
+            <a:r>
+              <a:rPr lang="en-US" altLang="en-US" dirty="0">
+                <a:solidFill>
+                  <a:srgbClr val="000000"/>
+                </a:solidFill>
+                <a:latin typeface="Times New Roman" pitchFamily="18" charset="0"/>
+                <a:ea typeface="Calibri" pitchFamily="34" charset="0"/>
+                <a:cs typeface="Times New Roman" pitchFamily="18" charset="0"/>
+              </a:rPr>
+              <a:t>the leukemia gene expression file in </a:t>
+            </a:r>
+            <a:r>
+              <a:rPr lang="en-US" altLang="en-US" dirty="0" err="1">
+                <a:solidFill>
+                  <a:srgbClr val="000000"/>
+                </a:solidFill>
+                <a:latin typeface="Times New Roman" pitchFamily="18" charset="0"/>
+                <a:ea typeface="Calibri" pitchFamily="34" charset="0"/>
+                <a:cs typeface="Times New Roman" pitchFamily="18" charset="0"/>
+              </a:rPr>
+              <a:t>Weka</a:t>
+            </a:r>
+            <a:r>
+              <a:rPr lang="en-US" altLang="en-US" dirty="0">
+                <a:solidFill>
+                  <a:srgbClr val="000000"/>
+                </a:solidFill>
+                <a:latin typeface="Times New Roman" pitchFamily="18" charset="0"/>
+                <a:ea typeface="Calibri" pitchFamily="34" charset="0"/>
+                <a:cs typeface="Times New Roman" pitchFamily="18" charset="0"/>
+              </a:rPr>
+              <a:t> (see class website). This file has data from 72 leukemia patients (rows). The expression values are for 150 genes (columns).  The last column is the type of leukemia (ALL or AML) for each patient</a:t>
+            </a:r>
+            <a:r>
+              <a:rPr lang="en-US" altLang="en-US" dirty="0" smtClean="0">
+                <a:solidFill>
+                  <a:srgbClr val="000000"/>
+                </a:solidFill>
+                <a:latin typeface="Times New Roman" pitchFamily="18" charset="0"/>
+                <a:ea typeface="Calibri" pitchFamily="34" charset="0"/>
+                <a:cs typeface="Times New Roman" pitchFamily="18" charset="0"/>
+              </a:rPr>
+              <a:t>.</a:t>
+            </a:r>
+          </a:p>
+          <a:p>
+            <a:pPr eaLnBrk="1" hangingPunct="1">
+              <a:lnSpc>
+                <a:spcPct val="115000"/>
+              </a:lnSpc>
+              <a:spcAft>
+                <a:spcPts val="1000"/>
+              </a:spcAft>
+            </a:pPr>
+            <a:r>
+              <a:rPr lang="en-US" altLang="en-US" dirty="0" smtClean="0">
+                <a:solidFill>
+                  <a:srgbClr val="000000"/>
+                </a:solidFill>
+                <a:latin typeface="Times New Roman" pitchFamily="18" charset="0"/>
+                <a:ea typeface="Calibri" pitchFamily="34" charset="0"/>
+                <a:cs typeface="Times New Roman" pitchFamily="18" charset="0"/>
+              </a:rPr>
+              <a:t>Choose “Select Attributes” tab.   Under “Attribute Evaluator” choose  “</a:t>
+            </a:r>
+            <a:r>
+              <a:rPr lang="en-US" altLang="en-US" dirty="0" err="1" smtClean="0">
+                <a:solidFill>
+                  <a:srgbClr val="000000"/>
+                </a:solidFill>
+                <a:latin typeface="Times New Roman" pitchFamily="18" charset="0"/>
+                <a:ea typeface="Calibri" pitchFamily="34" charset="0"/>
+                <a:cs typeface="Times New Roman" pitchFamily="18" charset="0"/>
+              </a:rPr>
+              <a:t>InfoGainAttribeEval</a:t>
+            </a:r>
+            <a:r>
+              <a:rPr lang="en-US" altLang="en-US" dirty="0" smtClean="0">
+                <a:solidFill>
+                  <a:srgbClr val="000000"/>
+                </a:solidFill>
+                <a:latin typeface="Times New Roman" pitchFamily="18" charset="0"/>
+                <a:ea typeface="Calibri" pitchFamily="34" charset="0"/>
+                <a:cs typeface="Times New Roman" pitchFamily="18" charset="0"/>
+              </a:rPr>
+              <a:t>” and Search Method “Ranker”  Start</a:t>
+            </a:r>
+          </a:p>
+          <a:p>
+            <a:pPr eaLnBrk="1" hangingPunct="1">
+              <a:lnSpc>
+                <a:spcPct val="115000"/>
+              </a:lnSpc>
+              <a:spcAft>
+                <a:spcPts val="1000"/>
+              </a:spcAft>
+            </a:pPr>
+            <a:r>
+              <a:rPr lang="en-US" altLang="en-US" dirty="0" smtClean="0">
+                <a:solidFill>
+                  <a:srgbClr val="000000"/>
+                </a:solidFill>
+                <a:latin typeface="Times New Roman" pitchFamily="18" charset="0"/>
+                <a:ea typeface="Calibri" pitchFamily="34" charset="0"/>
+                <a:cs typeface="Times New Roman" pitchFamily="18" charset="0"/>
+              </a:rPr>
+              <a:t>Output shows genes ranked by information gain.  Record which are the top-5 genes by this metric.</a:t>
+            </a:r>
+          </a:p>
+          <a:p>
+            <a:pPr eaLnBrk="1" hangingPunct="1">
+              <a:lnSpc>
+                <a:spcPct val="115000"/>
+              </a:lnSpc>
+              <a:spcAft>
+                <a:spcPts val="1000"/>
+              </a:spcAft>
+            </a:pPr>
+            <a:r>
+              <a:rPr lang="en-US" altLang="en-US" dirty="0" smtClean="0">
+                <a:solidFill>
+                  <a:srgbClr val="000000"/>
+                </a:solidFill>
+                <a:latin typeface="Times New Roman" pitchFamily="18" charset="0"/>
+                <a:ea typeface="Calibri" pitchFamily="34" charset="0"/>
+                <a:cs typeface="Times New Roman" pitchFamily="18" charset="0"/>
+              </a:rPr>
+              <a:t>Choose “Preprocess” tab in Explorer.  Mark the checkbox next to the top-5 genes.  Go to the bottom of the gene list and mark “leukemia type”.  Click on the “Invert” button above the gene list, which will change the marked checkboxes to the one you did not mark.  Click on the “Remove” button at the below the gene list.  Now you have a dataset of  top-5 genes and their class label.</a:t>
+            </a:r>
+          </a:p>
+          <a:p>
+            <a:pPr eaLnBrk="1" hangingPunct="1">
+              <a:lnSpc>
+                <a:spcPct val="115000"/>
+              </a:lnSpc>
+              <a:spcAft>
+                <a:spcPts val="1000"/>
+              </a:spcAft>
+            </a:pPr>
+            <a:r>
+              <a:rPr lang="en-US" altLang="en-US" dirty="0" smtClean="0">
+                <a:solidFill>
+                  <a:srgbClr val="000000"/>
+                </a:solidFill>
+                <a:latin typeface="Times New Roman" pitchFamily="18" charset="0"/>
+                <a:ea typeface="Calibri" pitchFamily="34" charset="0"/>
+                <a:cs typeface="Times New Roman" pitchFamily="18" charset="0"/>
+              </a:rPr>
+              <a:t>As in HW1 use </a:t>
+            </a:r>
+            <a:r>
+              <a:rPr lang="en-US" altLang="en-US" dirty="0" err="1" smtClean="0">
+                <a:solidFill>
+                  <a:srgbClr val="000000"/>
+                </a:solidFill>
+                <a:latin typeface="Times New Roman" pitchFamily="18" charset="0"/>
+                <a:ea typeface="Calibri" pitchFamily="34" charset="0"/>
+                <a:cs typeface="Times New Roman" pitchFamily="18" charset="0"/>
+              </a:rPr>
+              <a:t>IBk</a:t>
+            </a:r>
+            <a:r>
+              <a:rPr lang="en-US" altLang="en-US" dirty="0" smtClean="0">
+                <a:solidFill>
+                  <a:srgbClr val="000000"/>
+                </a:solidFill>
+                <a:latin typeface="Times New Roman" pitchFamily="18" charset="0"/>
+                <a:ea typeface="Calibri" pitchFamily="34" charset="0"/>
+                <a:cs typeface="Times New Roman" pitchFamily="18" charset="0"/>
+              </a:rPr>
+              <a:t> with K=5 to train as class predictor.  Report performance as in HW1 and compare to </a:t>
+            </a:r>
+            <a:r>
+              <a:rPr lang="en-US" altLang="en-US" smtClean="0">
+                <a:solidFill>
+                  <a:srgbClr val="000000"/>
+                </a:solidFill>
+                <a:latin typeface="Times New Roman" pitchFamily="18" charset="0"/>
+                <a:ea typeface="Calibri" pitchFamily="34" charset="0"/>
+                <a:cs typeface="Times New Roman" pitchFamily="18" charset="0"/>
+              </a:rPr>
+              <a:t>that result.</a:t>
+            </a:r>
+            <a:endParaRPr lang="en-US" altLang="en-US" dirty="0" smtClean="0">
+              <a:solidFill>
+                <a:srgbClr val="000000"/>
+              </a:solidFill>
+              <a:latin typeface="Times New Roman" pitchFamily="18" charset="0"/>
+              <a:ea typeface="Calibri" pitchFamily="34" charset="0"/>
+              <a:cs typeface="Times New Roman" pitchFamily="18" charset="0"/>
+            </a:endParaRPr>
+          </a:p>
+        </p:txBody>
+      </p:sp>
+      <p:sp>
+        <p:nvSpPr>
+          <p:cNvPr id="2" name="TextBox 1"/>
+          <p:cNvSpPr txBox="1"/>
+          <p:nvPr/>
+        </p:nvSpPr>
+        <p:spPr>
+          <a:xfrm>
+            <a:off x="4295274" y="454966"/>
+            <a:ext cx="3812069" cy="461665"/>
+          </a:xfrm>
+          <a:prstGeom prst="rect">
+            <a:avLst/>
+          </a:prstGeom>
+          <a:noFill/>
+        </p:spPr>
+        <p:txBody>
+          <a:bodyPr wrap="none" rtlCol="0">
+            <a:spAutoFit/>
+          </a:bodyPr>
+          <a:lstStyle/>
+          <a:p>
+            <a:r>
+              <a:rPr lang="en-US" sz="2400" dirty="0" smtClean="0"/>
+              <a:t>Hints on use of </a:t>
+            </a:r>
+            <a:r>
+              <a:rPr lang="en-US" sz="2400" dirty="0" err="1" smtClean="0"/>
+              <a:t>Weka</a:t>
+            </a:r>
+            <a:r>
+              <a:rPr lang="en-US" sz="2400" dirty="0" smtClean="0"/>
+              <a:t> in HW8</a:t>
+            </a:r>
+            <a:endParaRPr lang="en-US" sz="2400" dirty="0"/>
+          </a:p>
+        </p:txBody>
+      </p:sp>
+    </p:spTree>
+    <p:extLst>
+      <p:ext uri="{BB962C8B-B14F-4D97-AF65-F5344CB8AC3E}">
+        <p14:creationId xmlns:p14="http://schemas.microsoft.com/office/powerpoint/2010/main" val="4290596420"/>
       </p:ext>
     </p:extLst>
   </p:cSld>

--- a/534_ANN/assignments fall 2016.pptx
+++ b/534_ANN/assignments fall 2016.pptx
@@ -5,7 +5,7 @@
     <p:sldMasterId id="2147483648" r:id="rId1"/>
   </p:sldMasterIdLst>
   <p:notesMasterIdLst>
-    <p:notesMasterId r:id="rId12"/>
+    <p:notesMasterId r:id="rId13"/>
   </p:notesMasterIdLst>
   <p:sldIdLst>
     <p:sldId id="257" r:id="rId2"/>
@@ -18,6 +18,7 @@
     <p:sldId id="263" r:id="rId9"/>
     <p:sldId id="265" r:id="rId10"/>
     <p:sldId id="266" r:id="rId11"/>
+    <p:sldId id="268" r:id="rId12"/>
   </p:sldIdLst>
   <p:sldSz cx="12192000" cy="6858000"/>
   <p:notesSz cx="6858000" cy="9144000"/>
@@ -206,7 +207,7 @@
           <a:p>
             <a:fld id="{12E258BF-62B2-4ACA-82C2-31AD9C5FBADA}" type="datetimeFigureOut">
               <a:rPr lang="en-US" smtClean="0"/>
-              <a:t>11/4/2016</a:t>
+              <a:t>11/14/2016</a:t>
             </a:fld>
             <a:endParaRPr lang="en-US"/>
           </a:p>
@@ -605,7 +606,7 @@
           <a:p>
             <a:fld id="{4C9CA330-40D8-4D0D-94EB-671FCF1C0FE4}" type="datetimeFigureOut">
               <a:rPr lang="en-US" smtClean="0"/>
-              <a:t>11/4/2016</a:t>
+              <a:t>11/14/2016</a:t>
             </a:fld>
             <a:endParaRPr lang="en-US"/>
           </a:p>
@@ -775,7 +776,7 @@
           <a:p>
             <a:fld id="{4C9CA330-40D8-4D0D-94EB-671FCF1C0FE4}" type="datetimeFigureOut">
               <a:rPr lang="en-US" smtClean="0"/>
-              <a:t>11/4/2016</a:t>
+              <a:t>11/14/2016</a:t>
             </a:fld>
             <a:endParaRPr lang="en-US"/>
           </a:p>
@@ -955,7 +956,7 @@
           <a:p>
             <a:fld id="{4C9CA330-40D8-4D0D-94EB-671FCF1C0FE4}" type="datetimeFigureOut">
               <a:rPr lang="en-US" smtClean="0"/>
-              <a:t>11/4/2016</a:t>
+              <a:t>11/14/2016</a:t>
             </a:fld>
             <a:endParaRPr lang="en-US"/>
           </a:p>
@@ -1125,7 +1126,7 @@
           <a:p>
             <a:fld id="{4C9CA330-40D8-4D0D-94EB-671FCF1C0FE4}" type="datetimeFigureOut">
               <a:rPr lang="en-US" smtClean="0"/>
-              <a:t>11/4/2016</a:t>
+              <a:t>11/14/2016</a:t>
             </a:fld>
             <a:endParaRPr lang="en-US"/>
           </a:p>
@@ -1371,7 +1372,7 @@
           <a:p>
             <a:fld id="{4C9CA330-40D8-4D0D-94EB-671FCF1C0FE4}" type="datetimeFigureOut">
               <a:rPr lang="en-US" smtClean="0"/>
-              <a:t>11/4/2016</a:t>
+              <a:t>11/14/2016</a:t>
             </a:fld>
             <a:endParaRPr lang="en-US"/>
           </a:p>
@@ -1603,7 +1604,7 @@
           <a:p>
             <a:fld id="{4C9CA330-40D8-4D0D-94EB-671FCF1C0FE4}" type="datetimeFigureOut">
               <a:rPr lang="en-US" smtClean="0"/>
-              <a:t>11/4/2016</a:t>
+              <a:t>11/14/2016</a:t>
             </a:fld>
             <a:endParaRPr lang="en-US"/>
           </a:p>
@@ -1970,7 +1971,7 @@
           <a:p>
             <a:fld id="{4C9CA330-40D8-4D0D-94EB-671FCF1C0FE4}" type="datetimeFigureOut">
               <a:rPr lang="en-US" smtClean="0"/>
-              <a:t>11/4/2016</a:t>
+              <a:t>11/14/2016</a:t>
             </a:fld>
             <a:endParaRPr lang="en-US"/>
           </a:p>
@@ -2088,7 +2089,7 @@
           <a:p>
             <a:fld id="{4C9CA330-40D8-4D0D-94EB-671FCF1C0FE4}" type="datetimeFigureOut">
               <a:rPr lang="en-US" smtClean="0"/>
-              <a:t>11/4/2016</a:t>
+              <a:t>11/14/2016</a:t>
             </a:fld>
             <a:endParaRPr lang="en-US"/>
           </a:p>
@@ -2183,7 +2184,7 @@
           <a:p>
             <a:fld id="{4C9CA330-40D8-4D0D-94EB-671FCF1C0FE4}" type="datetimeFigureOut">
               <a:rPr lang="en-US" smtClean="0"/>
-              <a:t>11/4/2016</a:t>
+              <a:t>11/14/2016</a:t>
             </a:fld>
             <a:endParaRPr lang="en-US"/>
           </a:p>
@@ -2460,7 +2461,7 @@
           <a:p>
             <a:fld id="{4C9CA330-40D8-4D0D-94EB-671FCF1C0FE4}" type="datetimeFigureOut">
               <a:rPr lang="en-US" smtClean="0"/>
-              <a:t>11/4/2016</a:t>
+              <a:t>11/14/2016</a:t>
             </a:fld>
             <a:endParaRPr lang="en-US"/>
           </a:p>
@@ -2713,7 +2714,7 @@
           <a:p>
             <a:fld id="{4C9CA330-40D8-4D0D-94EB-671FCF1C0FE4}" type="datetimeFigureOut">
               <a:rPr lang="en-US" smtClean="0"/>
-              <a:t>11/4/2016</a:t>
+              <a:t>11/14/2016</a:t>
             </a:fld>
             <a:endParaRPr lang="en-US"/>
           </a:p>
@@ -2926,7 +2927,7 @@
           <a:p>
             <a:fld id="{4C9CA330-40D8-4D0D-94EB-671FCF1C0FE4}" type="datetimeFigureOut">
               <a:rPr lang="en-US" smtClean="0"/>
-              <a:t>11/4/2016</a:t>
+              <a:t>11/14/2016</a:t>
             </a:fld>
             <a:endParaRPr lang="en-US"/>
           </a:p>
@@ -4051,6 +4052,176 @@
 </p:sld>
 </file>
 
+<file path=ppt/slides/slide11.xml><?xml version="1.0" encoding="utf-8"?>
+<p:sld xmlns:a="http://schemas.openxmlformats.org/drawingml/2006/main" xmlns:r="http://schemas.openxmlformats.org/officeDocument/2006/relationships" xmlns:p="http://schemas.openxmlformats.org/presentationml/2006/main">
+  <p:cSld>
+    <p:spTree>
+      <p:nvGrpSpPr>
+        <p:cNvPr id="1" name=""/>
+        <p:cNvGrpSpPr/>
+        <p:nvPr/>
+      </p:nvGrpSpPr>
+      <p:grpSpPr>
+        <a:xfrm>
+          <a:off x="0" y="0"/>
+          <a:ext cx="0" cy="0"/>
+          <a:chOff x="0" y="0"/>
+          <a:chExt cx="0" cy="0"/>
+        </a:xfrm>
+      </p:grpSpPr>
+      <p:sp>
+        <p:nvSpPr>
+          <p:cNvPr id="2" name="Rectangle 1"/>
+          <p:cNvSpPr/>
+          <p:nvPr/>
+        </p:nvSpPr>
+        <p:spPr>
+          <a:xfrm>
+            <a:off x="2438400" y="1066800"/>
+            <a:ext cx="7391400" cy="4222694"/>
+          </a:xfrm>
+          <a:prstGeom prst="rect">
+            <a:avLst/>
+          </a:prstGeom>
+        </p:spPr>
+        <p:txBody>
+          <a:bodyPr>
+            <a:spAutoFit/>
+          </a:bodyPr>
+          <a:lstStyle/>
+          <a:p>
+            <a:pPr>
+              <a:lnSpc>
+                <a:spcPct val="115000"/>
+              </a:lnSpc>
+              <a:spcAft>
+                <a:spcPts val="750"/>
+              </a:spcAft>
+              <a:defRPr/>
+            </a:pPr>
+            <a:r>
+              <a:rPr lang="en-US" sz="2400" dirty="0">
+                <a:solidFill>
+                  <a:srgbClr val="000000"/>
+                </a:solidFill>
+                <a:ea typeface="Times New Roman" panose="02020603050405020304" pitchFamily="18" charset="0"/>
+                <a:cs typeface="Times New Roman" panose="02020603050405020304" pitchFamily="18" charset="0"/>
+              </a:rPr>
+              <a:t>Assignment 10 due </a:t>
+            </a:r>
+            <a:r>
+              <a:rPr lang="en-US" sz="2400" dirty="0" smtClean="0">
+                <a:solidFill>
+                  <a:srgbClr val="000000"/>
+                </a:solidFill>
+                <a:ea typeface="Times New Roman" panose="02020603050405020304" pitchFamily="18" charset="0"/>
+                <a:cs typeface="Times New Roman" panose="02020603050405020304" pitchFamily="18" charset="0"/>
+              </a:rPr>
+              <a:t>11-17-16</a:t>
+            </a:r>
+            <a:endParaRPr lang="en-US" sz="2400" dirty="0">
+              <a:ea typeface="Calibri" panose="020F0502020204030204" pitchFamily="34" charset="0"/>
+              <a:cs typeface="Times New Roman" panose="02020603050405020304" pitchFamily="18" charset="0"/>
+            </a:endParaRPr>
+          </a:p>
+          <a:p>
+            <a:pPr>
+              <a:lnSpc>
+                <a:spcPct val="115000"/>
+              </a:lnSpc>
+              <a:spcAft>
+                <a:spcPts val="750"/>
+              </a:spcAft>
+              <a:defRPr/>
+            </a:pPr>
+            <a:r>
+              <a:rPr lang="en-US" sz="2400" dirty="0">
+                <a:solidFill>
+                  <a:srgbClr val="000000"/>
+                </a:solidFill>
+                <a:ea typeface="Times New Roman" panose="02020603050405020304" pitchFamily="18" charset="0"/>
+                <a:cs typeface="Times New Roman" panose="02020603050405020304" pitchFamily="18" charset="0"/>
+              </a:rPr>
+              <a:t>Use glassdataHW10.csv to develop a classifier for beer-bottle glass by Weka’s MLP, found under classifiers -&gt; functions.  Use default settings.  Include Summary with confusion matrix in </a:t>
+            </a:r>
+            <a:r>
+              <a:rPr lang="en-US" sz="2400" dirty="0" smtClean="0">
+                <a:solidFill>
+                  <a:srgbClr val="000000"/>
+                </a:solidFill>
+                <a:ea typeface="Times New Roman" panose="02020603050405020304" pitchFamily="18" charset="0"/>
+                <a:cs typeface="Times New Roman" panose="02020603050405020304" pitchFamily="18" charset="0"/>
+              </a:rPr>
+              <a:t>your report.</a:t>
+            </a:r>
+            <a:endParaRPr lang="en-US" sz="2400" dirty="0">
+              <a:solidFill>
+                <a:srgbClr val="000000"/>
+              </a:solidFill>
+              <a:ea typeface="Times New Roman" panose="02020603050405020304" pitchFamily="18" charset="0"/>
+              <a:cs typeface="Times New Roman" panose="02020603050405020304" pitchFamily="18" charset="0"/>
+            </a:endParaRPr>
+          </a:p>
+          <a:p>
+            <a:pPr>
+              <a:lnSpc>
+                <a:spcPct val="115000"/>
+              </a:lnSpc>
+              <a:spcAft>
+                <a:spcPts val="750"/>
+              </a:spcAft>
+              <a:defRPr/>
+            </a:pPr>
+            <a:r>
+              <a:rPr lang="en-US" sz="2400" dirty="0">
+                <a:solidFill>
+                  <a:srgbClr val="000000"/>
+                </a:solidFill>
+                <a:ea typeface="Times New Roman" panose="02020603050405020304" pitchFamily="18" charset="0"/>
+                <a:cs typeface="Times New Roman" panose="02020603050405020304" pitchFamily="18" charset="0"/>
+              </a:rPr>
+              <a:t>Compare your MLP results with multivariate linear regression followed by binning.  Use 1 for AB, 2 for M, and 6 for PR. Report accuracy of classification and confusion </a:t>
+            </a:r>
+            <a:r>
+              <a:rPr lang="en-US" sz="2400" dirty="0" smtClean="0">
+                <a:solidFill>
+                  <a:srgbClr val="000000"/>
+                </a:solidFill>
+                <a:ea typeface="Times New Roman" panose="02020603050405020304" pitchFamily="18" charset="0"/>
+                <a:cs typeface="Times New Roman" panose="02020603050405020304" pitchFamily="18" charset="0"/>
+              </a:rPr>
+              <a:t>matrix. </a:t>
+            </a:r>
+            <a:endParaRPr lang="en-US" sz="2400" dirty="0">
+              <a:solidFill>
+                <a:srgbClr val="000000"/>
+              </a:solidFill>
+              <a:ea typeface="Times New Roman" panose="02020603050405020304" pitchFamily="18" charset="0"/>
+              <a:cs typeface="Times New Roman" panose="02020603050405020304" pitchFamily="18" charset="0"/>
+            </a:endParaRPr>
+          </a:p>
+        </p:txBody>
+      </p:sp>
+    </p:spTree>
+    <p:extLst>
+      <p:ext uri="{BB962C8B-B14F-4D97-AF65-F5344CB8AC3E}">
+        <p14:creationId xmlns:p14="http://schemas.microsoft.com/office/powerpoint/2010/main" val="1548035018"/>
+      </p:ext>
+    </p:extLst>
+  </p:cSld>
+  <p:clrMapOvr>
+    <a:masterClrMapping/>
+  </p:clrMapOvr>
+  <p:timing>
+    <p:tnLst>
+      <p:par>
+        <p:cTn id="1" dur="indefinite" restart="never" nodeType="tmRoot"/>
+      </p:par>
+    </p:tnLst>
+  </p:timing>
+</p:sld>
+</file>
+
 <file path=ppt/slides/slide2.xml><?xml version="1.0" encoding="utf-8"?>
 <p:sld xmlns:a="http://schemas.openxmlformats.org/drawingml/2006/main" xmlns:r="http://schemas.openxmlformats.org/officeDocument/2006/relationships" xmlns:p="http://schemas.openxmlformats.org/presentationml/2006/main">
   <p:cSld>
@@ -4749,7 +4920,7 @@
           <a:graphicData uri="http://schemas.openxmlformats.org/presentationml/2006/ole">
             <mc:AlternateContent xmlns:mc="http://schemas.openxmlformats.org/markup-compatibility/2006">
               <mc:Choice xmlns:v="urn:schemas-microsoft-com:vml" Requires="v">
-                <p:oleObj spid="_x0000_s1038" name="Equation" r:id="rId3" imgW="1854000" imgH="469800" progId="Equation.3">
+                <p:oleObj spid="_x0000_s1040" name="Equation" r:id="rId3" imgW="1854000" imgH="469800" progId="Equation.3">
                   <p:embed/>
                 </p:oleObj>
               </mc:Choice>
@@ -4933,7 +5104,7 @@
           <a:graphicData uri="http://schemas.openxmlformats.org/presentationml/2006/ole">
             <mc:AlternateContent xmlns:mc="http://schemas.openxmlformats.org/markup-compatibility/2006">
               <mc:Choice xmlns:v="urn:schemas-microsoft-com:vml" Requires="v">
-                <p:oleObj spid="_x0000_s2094" name="Equation" r:id="rId3" imgW="1498320" imgH="444240" progId="Equation.3">
+                <p:oleObj spid="_x0000_s2102" name="Equation" r:id="rId3" imgW="1498320" imgH="444240" progId="Equation.3">
                   <p:embed/>
                 </p:oleObj>
               </mc:Choice>
@@ -5012,7 +5183,7 @@
           <a:graphicData uri="http://schemas.openxmlformats.org/presentationml/2006/ole">
             <mc:AlternateContent xmlns:mc="http://schemas.openxmlformats.org/markup-compatibility/2006">
               <mc:Choice xmlns:v="urn:schemas-microsoft-com:vml" Requires="v">
-                <p:oleObj spid="_x0000_s2095" name="Equation" r:id="rId5" imgW="1701720" imgH="393480" progId="Equation.3">
+                <p:oleObj spid="_x0000_s2103" name="Equation" r:id="rId5" imgW="1701720" imgH="393480" progId="Equation.3">
                   <p:embed/>
                 </p:oleObj>
               </mc:Choice>
@@ -5091,7 +5262,7 @@
           <a:graphicData uri="http://schemas.openxmlformats.org/presentationml/2006/ole">
             <mc:AlternateContent xmlns:mc="http://schemas.openxmlformats.org/markup-compatibility/2006">
               <mc:Choice xmlns:v="urn:schemas-microsoft-com:vml" Requires="v">
-                <p:oleObj spid="_x0000_s2096" name="Equation" r:id="rId7" imgW="1079280" imgH="228600" progId="Equation.3">
+                <p:oleObj spid="_x0000_s2104" name="Equation" r:id="rId7" imgW="1079280" imgH="228600" progId="Equation.3">
                   <p:embed/>
                 </p:oleObj>
               </mc:Choice>
@@ -5314,7 +5485,7 @@
           <a:graphicData uri="http://schemas.openxmlformats.org/presentationml/2006/ole">
             <mc:AlternateContent xmlns:mc="http://schemas.openxmlformats.org/markup-compatibility/2006">
               <mc:Choice xmlns:v="urn:schemas-microsoft-com:vml" Requires="v">
-                <p:oleObj spid="_x0000_s2097" name="Equation" r:id="rId9" imgW="838080" imgH="228600" progId="Equation.3">
+                <p:oleObj spid="_x0000_s2105" name="Equation" r:id="rId9" imgW="838080" imgH="228600" progId="Equation.3">
                   <p:embed/>
                 </p:oleObj>
               </mc:Choice>
